--- a/resources/docs/web2native-bridge.pptx
+++ b/resources/docs/web2native-bridge.pptx
@@ -199,7 +199,7 @@
           <a:p>
             <a:fld id="{07A00844-99C3-4B4D-8665-83D6466F1606}" type="datetimeFigureOut">
               <a:rPr lang="en-US" smtClean="0"/>
-              <a:t>2015-03-28</a:t>
+              <a:t>2015-03-30</a:t>
             </a:fld>
             <a:endParaRPr lang="en-US"/>
           </a:p>
@@ -477,7 +477,7 @@
           <a:p>
             <a:fld id="{A1FD92F6-7B59-47F7-9C80-4F94E0E83D60}" type="datetimeFigureOut">
               <a:rPr lang="en-US" smtClean="0"/>
-              <a:t>2015-03-28</a:t>
+              <a:t>2015-03-30</a:t>
             </a:fld>
             <a:endParaRPr lang="en-US"/>
           </a:p>
@@ -694,7 +694,7 @@
           <a:p>
             <a:fld id="{A1FD92F6-7B59-47F7-9C80-4F94E0E83D60}" type="datetimeFigureOut">
               <a:rPr lang="en-US" smtClean="0"/>
-              <a:t>2015-03-28</a:t>
+              <a:t>2015-03-30</a:t>
             </a:fld>
             <a:endParaRPr lang="en-US"/>
           </a:p>
@@ -904,7 +904,7 @@
           <a:p>
             <a:fld id="{A1FD92F6-7B59-47F7-9C80-4F94E0E83D60}" type="datetimeFigureOut">
               <a:rPr lang="en-US" smtClean="0"/>
-              <a:t>2015-03-28</a:t>
+              <a:t>2015-03-30</a:t>
             </a:fld>
             <a:endParaRPr lang="en-US"/>
           </a:p>
@@ -1189,7 +1189,7 @@
           <a:p>
             <a:fld id="{A1FD92F6-7B59-47F7-9C80-4F94E0E83D60}" type="datetimeFigureOut">
               <a:rPr lang="en-US" smtClean="0"/>
-              <a:t>2015-03-28</a:t>
+              <a:t>2015-03-30</a:t>
             </a:fld>
             <a:endParaRPr lang="en-US"/>
           </a:p>
@@ -1472,7 +1472,7 @@
           <a:p>
             <a:fld id="{A1FD92F6-7B59-47F7-9C80-4F94E0E83D60}" type="datetimeFigureOut">
               <a:rPr lang="en-US" smtClean="0"/>
-              <a:t>2015-03-28</a:t>
+              <a:t>2015-03-30</a:t>
             </a:fld>
             <a:endParaRPr lang="en-US"/>
           </a:p>
@@ -1805,7 +1805,7 @@
           <a:p>
             <a:fld id="{A1FD92F6-7B59-47F7-9C80-4F94E0E83D60}" type="datetimeFigureOut">
               <a:rPr lang="en-US" smtClean="0"/>
-              <a:t>2015-03-28</a:t>
+              <a:t>2015-03-30</a:t>
             </a:fld>
             <a:endParaRPr lang="en-US"/>
           </a:p>
@@ -2271,7 +2271,7 @@
           <a:p>
             <a:fld id="{A1FD92F6-7B59-47F7-9C80-4F94E0E83D60}" type="datetimeFigureOut">
               <a:rPr lang="en-US" smtClean="0"/>
-              <a:t>2015-03-28</a:t>
+              <a:t>2015-03-30</a:t>
             </a:fld>
             <a:endParaRPr lang="en-US"/>
           </a:p>
@@ -2421,7 +2421,7 @@
           <a:p>
             <a:fld id="{A1FD92F6-7B59-47F7-9C80-4F94E0E83D60}" type="datetimeFigureOut">
               <a:rPr lang="en-US" smtClean="0"/>
-              <a:t>2015-03-28</a:t>
+              <a:t>2015-03-30</a:t>
             </a:fld>
             <a:endParaRPr lang="en-US"/>
           </a:p>
@@ -2540,7 +2540,7 @@
           <a:p>
             <a:fld id="{A1FD92F6-7B59-47F7-9C80-4F94E0E83D60}" type="datetimeFigureOut">
               <a:rPr lang="en-US" smtClean="0"/>
-              <a:t>2015-03-28</a:t>
+              <a:t>2015-03-30</a:t>
             </a:fld>
             <a:endParaRPr lang="en-US"/>
           </a:p>
@@ -2850,7 +2850,7 @@
           <a:p>
             <a:fld id="{A1FD92F6-7B59-47F7-9C80-4F94E0E83D60}" type="datetimeFigureOut">
               <a:rPr lang="en-US" smtClean="0"/>
-              <a:t>2015-03-28</a:t>
+              <a:t>2015-03-30</a:t>
             </a:fld>
             <a:endParaRPr lang="en-US"/>
           </a:p>
@@ -3136,7 +3136,7 @@
           <a:p>
             <a:fld id="{A1FD92F6-7B59-47F7-9C80-4F94E0E83D60}" type="datetimeFigureOut">
               <a:rPr lang="en-US" smtClean="0"/>
-              <a:t>2015-03-28</a:t>
+              <a:t>2015-03-30</a:t>
             </a:fld>
             <a:endParaRPr lang="en-US"/>
           </a:p>
@@ -3290,7 +3290,7 @@
                 <a:latin typeface="Arial" panose="020B0604020202020204" pitchFamily="34" charset="0"/>
                 <a:cs typeface="Arial" panose="020B0604020202020204" pitchFamily="34" charset="0"/>
               </a:rPr>
-              <a:t>V0.96, 2015-03-28</a:t>
+              <a:t>V0.97, 2015-03-30</a:t>
             </a:r>
             <a:endParaRPr lang="en-US" sz="600" baseline="0" dirty="0" smtClean="0">
               <a:latin typeface="Arial" panose="020B0604020202020204" pitchFamily="34" charset="0"/>
@@ -3358,8 +3358,8 @@
         </p:nvSpPr>
         <p:spPr>
           <a:xfrm>
-            <a:off x="3779912" y="6669360"/>
-            <a:ext cx="1883849" cy="184666"/>
+            <a:off x="3635896" y="6669360"/>
+            <a:ext cx="2262158" cy="184666"/>
           </a:xfrm>
           <a:prstGeom prst="rect">
             <a:avLst/>
@@ -3377,7 +3377,21 @@
                 <a:latin typeface="Arial" panose="020B0604020202020204" pitchFamily="34" charset="0"/>
                 <a:cs typeface="Arial" panose="020B0604020202020204" pitchFamily="34" charset="0"/>
               </a:rPr>
-              <a:t>Web2Native Bridge (Public Domain Specification)</a:t>
+              <a:t>Web2Native Bridge (Public Domain </a:t>
+            </a:r>
+            <a:r>
+              <a:rPr lang="en-US" sz="600" dirty="0" smtClean="0">
+                <a:latin typeface="Arial" panose="020B0604020202020204" pitchFamily="34" charset="0"/>
+                <a:cs typeface="Arial" panose="020B0604020202020204" pitchFamily="34" charset="0"/>
+              </a:rPr>
+              <a:t>Functional Specification</a:t>
+            </a:r>
+            <a:r>
+              <a:rPr lang="en-US" sz="600" dirty="0" smtClean="0">
+                <a:latin typeface="Arial" panose="020B0604020202020204" pitchFamily="34" charset="0"/>
+                <a:cs typeface="Arial" panose="020B0604020202020204" pitchFamily="34" charset="0"/>
+              </a:rPr>
+              <a:t>)</a:t>
             </a:r>
             <a:endParaRPr lang="en-US" sz="600" dirty="0">
               <a:latin typeface="Arial" panose="020B0604020202020204" pitchFamily="34" charset="0"/>
@@ -5633,7 +5647,7 @@
         </p:nvSpPr>
         <p:spPr>
           <a:xfrm>
-            <a:off x="615287" y="220578"/>
+            <a:off x="671953" y="220578"/>
             <a:ext cx="7716471" cy="461665"/>
           </a:xfrm>
           <a:prstGeom prst="rect">
@@ -5670,7 +5684,7 @@
         </p:nvSpPr>
         <p:spPr>
           <a:xfrm>
-            <a:off x="807555" y="3429000"/>
+            <a:off x="807555" y="3392130"/>
             <a:ext cx="3380048" cy="612934"/>
           </a:xfrm>
           <a:prstGeom prst="roundRect">
@@ -5694,26 +5708,22 @@
                 <a:latin typeface="Arial" panose="020B0604020202020204" pitchFamily="34" charset="0"/>
                 <a:cs typeface="Arial" panose="020B0604020202020204" pitchFamily="34" charset="0"/>
               </a:rPr>
-              <a:t>A web application wants to connect to a secure element.  Since a browser </a:t>
+              <a:t>A </a:t>
             </a:r>
             <a:r>
               <a:rPr lang="en-US" sz="1000" dirty="0" smtClean="0">
                 <a:latin typeface="Arial" panose="020B0604020202020204" pitchFamily="34" charset="0"/>
                 <a:cs typeface="Arial" panose="020B0604020202020204" pitchFamily="34" charset="0"/>
               </a:rPr>
-              <a:t>does not “understand” APDU it can only offer a primitive security prompt</a:t>
+              <a:t>web-application </a:t>
             </a:r>
             <a:r>
               <a:rPr lang="en-US" sz="1000" dirty="0" smtClean="0">
                 <a:latin typeface="Arial" panose="020B0604020202020204" pitchFamily="34" charset="0"/>
                 <a:cs typeface="Arial" panose="020B0604020202020204" pitchFamily="34" charset="0"/>
               </a:rPr>
-              <a:t>.</a:t>
-            </a:r>
-            <a:endParaRPr lang="en-US" sz="1000" dirty="0" smtClean="0">
-              <a:latin typeface="Arial" panose="020B0604020202020204" pitchFamily="34" charset="0"/>
-              <a:cs typeface="Arial" panose="020B0604020202020204" pitchFamily="34" charset="0"/>
-            </a:endParaRPr>
+              <a:t>wants to connect to a secure element.  Since a browser does not “understand” APDU it can only offer a primitive security prompt.</a:t>
+            </a:r>
           </a:p>
         </p:txBody>
       </p:sp>
@@ -6796,7 +6806,7 @@
         </p:nvSpPr>
         <p:spPr>
           <a:xfrm>
-            <a:off x="4995667" y="3429000"/>
+            <a:off x="4966547" y="3392130"/>
             <a:ext cx="3349869" cy="612934"/>
           </a:xfrm>
           <a:prstGeom prst="roundRect">
@@ -6820,26 +6830,8 @@
                 <a:latin typeface="Arial" panose="020B0604020202020204" pitchFamily="34" charset="0"/>
                 <a:cs typeface="Arial" panose="020B0604020202020204" pitchFamily="34" charset="0"/>
               </a:rPr>
-              <a:t>Since </a:t>
-            </a:r>
-            <a:r>
-              <a:rPr lang="en-US" sz="1000" dirty="0" smtClean="0">
-                <a:latin typeface="Arial" panose="020B0604020202020204" pitchFamily="34" charset="0"/>
-                <a:cs typeface="Arial" panose="020B0604020202020204" pitchFamily="34" charset="0"/>
-              </a:rPr>
-              <a:t>the browser cannot know what the application is about to do with signed data, it can only offer a primitive security prompt</a:t>
-            </a:r>
-            <a:r>
-              <a:rPr lang="en-US" sz="1000" dirty="0" smtClean="0">
-                <a:latin typeface="Arial" panose="020B0604020202020204" pitchFamily="34" charset="0"/>
-                <a:cs typeface="Arial" panose="020B0604020202020204" pitchFamily="34" charset="0"/>
-              </a:rPr>
-              <a:t>.</a:t>
-            </a:r>
-            <a:endParaRPr lang="en-US" sz="1000" dirty="0" smtClean="0">
-              <a:latin typeface="Arial" panose="020B0604020202020204" pitchFamily="34" charset="0"/>
-              <a:cs typeface="Arial" panose="020B0604020202020204" pitchFamily="34" charset="0"/>
-            </a:endParaRPr>
+              <a:t>Since the browser cannot know what the application is about to do with signed data, it can only offer a primitive security prompt.</a:t>
+            </a:r>
           </a:p>
         </p:txBody>
       </p:sp>
@@ -6851,7 +6843,7 @@
         </p:nvGrpSpPr>
         <p:grpSpPr>
           <a:xfrm>
-            <a:off x="5000083" y="1484784"/>
+            <a:off x="4970963" y="1484784"/>
             <a:ext cx="3100310" cy="1656184"/>
             <a:chOff x="1399683" y="2060848"/>
             <a:chExt cx="3100310" cy="1656184"/>
@@ -8041,7 +8033,7 @@
                 <a:latin typeface="Arial" panose="020B0604020202020204" pitchFamily="34" charset="0"/>
                 <a:cs typeface="Arial" panose="020B0604020202020204" pitchFamily="34" charset="0"/>
               </a:rPr>
-              <a:t>ocation” but quite unsuitable for a large </a:t>
+              <a:t>ocation” but quite unsuitable for a large class of sensitive system APIs and associated user data which in the native world always are dealt with as a part of a packaged application.  The next page outlines a possible way to “emulate” this functionality </a:t>
             </a:r>
             <a:r>
               <a:rPr lang="en-US" sz="1200" dirty="0" smtClean="0">
@@ -8051,7 +8043,17 @@
                 <a:latin typeface="Arial" panose="020B0604020202020204" pitchFamily="34" charset="0"/>
                 <a:cs typeface="Arial" panose="020B0604020202020204" pitchFamily="34" charset="0"/>
               </a:rPr>
-              <a:t>class of sensitive system APIs and associated user data which in the native world always are dealt with as a part of a packaged application.  The next page outlines a possible way to “emulate” this functionality on the Open Web.   The primary advantages would be:</a:t>
+              <a:t>in </a:t>
+            </a:r>
+            <a:r>
+              <a:rPr lang="en-US" sz="1200" dirty="0" smtClean="0">
+                <a:solidFill>
+                  <a:schemeClr val="tx1"/>
+                </a:solidFill>
+                <a:latin typeface="Arial" panose="020B0604020202020204" pitchFamily="34" charset="0"/>
+                <a:cs typeface="Arial" panose="020B0604020202020204" pitchFamily="34" charset="0"/>
+              </a:rPr>
+              <a:t>the Open Web.   The primary advantages would be:</a:t>
             </a:r>
           </a:p>
           <a:p>
@@ -8080,8 +8082,35 @@
                 <a:latin typeface="Arial" panose="020B0604020202020204" pitchFamily="34" charset="0"/>
                 <a:cs typeface="Arial" panose="020B0604020202020204" pitchFamily="34" charset="0"/>
               </a:rPr>
-              <a:t>imit direct access to sensitive APIs</a:t>
-            </a:r>
+              <a:t>imit direct access to sensitive </a:t>
+            </a:r>
+            <a:r>
+              <a:rPr lang="en-US" sz="1200" dirty="0" smtClean="0">
+                <a:solidFill>
+                  <a:schemeClr val="tx1"/>
+                </a:solidFill>
+                <a:latin typeface="Arial" panose="020B0604020202020204" pitchFamily="34" charset="0"/>
+                <a:cs typeface="Arial" panose="020B0604020202020204" pitchFamily="34" charset="0"/>
+              </a:rPr>
+              <a:t>APIs </a:t>
+            </a:r>
+            <a:r>
+              <a:rPr lang="en-US" sz="1200" i="1" dirty="0" smtClean="0">
+                <a:solidFill>
+                  <a:schemeClr val="tx1"/>
+                </a:solidFill>
+                <a:latin typeface="Arial" panose="020B0604020202020204" pitchFamily="34" charset="0"/>
+                <a:cs typeface="Arial" panose="020B0604020202020204" pitchFamily="34" charset="0"/>
+              </a:rPr>
+              <a:t>by untrusted web-code</a:t>
+            </a:r>
+            <a:endParaRPr lang="en-US" sz="1200" i="1" dirty="0" smtClean="0">
+              <a:solidFill>
+                <a:schemeClr val="tx1"/>
+              </a:solidFill>
+              <a:latin typeface="Arial" panose="020B0604020202020204" pitchFamily="34" charset="0"/>
+              <a:cs typeface="Arial" panose="020B0604020202020204" pitchFamily="34" charset="0"/>
+            </a:endParaRPr>
           </a:p>
           <a:p>
             <a:pPr marL="171450" indent="-171450">

--- a/resources/docs/web2native-bridge.pptx
+++ b/resources/docs/web2native-bridge.pptx
@@ -3283,19 +3283,8 @@
                 <a:latin typeface="Arial" panose="020B0604020202020204" pitchFamily="34" charset="0"/>
                 <a:cs typeface="Arial" panose="020B0604020202020204" pitchFamily="34" charset="0"/>
               </a:rPr>
-              <a:t>, WebPKI.org, </a:t>
-            </a:r>
-            <a:r>
-              <a:rPr lang="en-US" sz="600" baseline="0" dirty="0" smtClean="0">
-                <a:latin typeface="Arial" panose="020B0604020202020204" pitchFamily="34" charset="0"/>
-                <a:cs typeface="Arial" panose="020B0604020202020204" pitchFamily="34" charset="0"/>
-              </a:rPr>
-              <a:t>V0.97, 2015-03-30</a:t>
-            </a:r>
-            <a:endParaRPr lang="en-US" sz="600" baseline="0" dirty="0" smtClean="0">
-              <a:latin typeface="Arial" panose="020B0604020202020204" pitchFamily="34" charset="0"/>
-              <a:cs typeface="Arial" panose="020B0604020202020204" pitchFamily="34" charset="0"/>
-            </a:endParaRPr>
+              <a:t>, WebPKI.org, V0.97, 2015-03-30</a:t>
+            </a:r>
           </a:p>
         </p:txBody>
       </p:sp>
@@ -3377,21 +3366,7 @@
                 <a:latin typeface="Arial" panose="020B0604020202020204" pitchFamily="34" charset="0"/>
                 <a:cs typeface="Arial" panose="020B0604020202020204" pitchFamily="34" charset="0"/>
               </a:rPr>
-              <a:t>Web2Native Bridge (Public Domain </a:t>
-            </a:r>
-            <a:r>
-              <a:rPr lang="en-US" sz="600" dirty="0" smtClean="0">
-                <a:latin typeface="Arial" panose="020B0604020202020204" pitchFamily="34" charset="0"/>
-                <a:cs typeface="Arial" panose="020B0604020202020204" pitchFamily="34" charset="0"/>
-              </a:rPr>
-              <a:t>Functional Specification</a:t>
-            </a:r>
-            <a:r>
-              <a:rPr lang="en-US" sz="600" dirty="0" smtClean="0">
-                <a:latin typeface="Arial" panose="020B0604020202020204" pitchFamily="34" charset="0"/>
-                <a:cs typeface="Arial" panose="020B0604020202020204" pitchFamily="34" charset="0"/>
-              </a:rPr>
-              <a:t>)</a:t>
+              <a:t>Web2Native Bridge (Public Domain Functional Specification)</a:t>
             </a:r>
             <a:endParaRPr lang="en-US" sz="600" dirty="0">
               <a:latin typeface="Arial" panose="020B0604020202020204" pitchFamily="34" charset="0"/>
@@ -5708,21 +5683,7 @@
                 <a:latin typeface="Arial" panose="020B0604020202020204" pitchFamily="34" charset="0"/>
                 <a:cs typeface="Arial" panose="020B0604020202020204" pitchFamily="34" charset="0"/>
               </a:rPr>
-              <a:t>A </a:t>
-            </a:r>
-            <a:r>
-              <a:rPr lang="en-US" sz="1000" dirty="0" smtClean="0">
-                <a:latin typeface="Arial" panose="020B0604020202020204" pitchFamily="34" charset="0"/>
-                <a:cs typeface="Arial" panose="020B0604020202020204" pitchFamily="34" charset="0"/>
-              </a:rPr>
-              <a:t>web-application </a:t>
-            </a:r>
-            <a:r>
-              <a:rPr lang="en-US" sz="1000" dirty="0" smtClean="0">
-                <a:latin typeface="Arial" panose="020B0604020202020204" pitchFamily="34" charset="0"/>
-                <a:cs typeface="Arial" panose="020B0604020202020204" pitchFamily="34" charset="0"/>
-              </a:rPr>
-              <a:t>wants to connect to a secure element.  Since a browser does not “understand” APDU it can only offer a primitive security prompt.</a:t>
+              <a:t>A web-application wants to connect to a secure element.  Since a browser does not “understand” APDU it can only offer a primitive security prompt.</a:t>
             </a:r>
           </a:p>
         </p:txBody>
@@ -8033,7 +7994,7 @@
                 <a:latin typeface="Arial" panose="020B0604020202020204" pitchFamily="34" charset="0"/>
                 <a:cs typeface="Arial" panose="020B0604020202020204" pitchFamily="34" charset="0"/>
               </a:rPr>
-              <a:t>ocation” but quite unsuitable for a large class of sensitive system APIs and associated user data which in the native world always are dealt with as a part of a packaged application.  The next page outlines a possible way to “emulate” this functionality </a:t>
+              <a:t>ocation” but quite unsuitable for a large class of sensitive system APIs and associated user data which in the native world always are dealt with as a part of a packaged application.  The next page outlines a possible way to “emulate” this functionality in the Open Web. </a:t>
             </a:r>
             <a:r>
               <a:rPr lang="en-US" sz="1200" dirty="0" smtClean="0">
@@ -8043,7 +8004,7 @@
                 <a:latin typeface="Arial" panose="020B0604020202020204" pitchFamily="34" charset="0"/>
                 <a:cs typeface="Arial" panose="020B0604020202020204" pitchFamily="34" charset="0"/>
               </a:rPr>
-              <a:t>in </a:t>
+              <a:t>  </a:t>
             </a:r>
             <a:r>
               <a:rPr lang="en-US" sz="1200" dirty="0" smtClean="0">
@@ -8053,8 +8014,25 @@
                 <a:latin typeface="Arial" panose="020B0604020202020204" pitchFamily="34" charset="0"/>
                 <a:cs typeface="Arial" panose="020B0604020202020204" pitchFamily="34" charset="0"/>
               </a:rPr>
-              <a:t>the Open Web.   The primary advantages would be:</a:t>
-            </a:r>
+              <a:t>The primary </a:t>
+            </a:r>
+            <a:r>
+              <a:rPr lang="en-US" sz="1200" dirty="0" smtClean="0">
+                <a:solidFill>
+                  <a:schemeClr val="tx1"/>
+                </a:solidFill>
+                <a:latin typeface="Arial" panose="020B0604020202020204" pitchFamily="34" charset="0"/>
+                <a:cs typeface="Arial" panose="020B0604020202020204" pitchFamily="34" charset="0"/>
+              </a:rPr>
+              <a:t>goals are:</a:t>
+            </a:r>
+            <a:endParaRPr lang="en-US" sz="1200" dirty="0" smtClean="0">
+              <a:solidFill>
+                <a:schemeClr val="tx1"/>
+              </a:solidFill>
+              <a:latin typeface="Arial" panose="020B0604020202020204" pitchFamily="34" charset="0"/>
+              <a:cs typeface="Arial" panose="020B0604020202020204" pitchFamily="34" charset="0"/>
+            </a:endParaRPr>
           </a:p>
           <a:p>
             <a:pPr marL="171450" indent="-171450">
@@ -8065,16 +8043,6 @@
               <a:buChar char="•"/>
             </a:pPr>
             <a:r>
-              <a:rPr lang="en-US" sz="1200" dirty="0">
-                <a:solidFill>
-                  <a:schemeClr val="tx1"/>
-                </a:solidFill>
-                <a:latin typeface="Arial" panose="020B0604020202020204" pitchFamily="34" charset="0"/>
-                <a:cs typeface="Arial" panose="020B0604020202020204" pitchFamily="34" charset="0"/>
-              </a:rPr>
-              <a:t>L</a:t>
-            </a:r>
-            <a:r>
               <a:rPr lang="en-US" sz="1200" dirty="0" smtClean="0">
                 <a:solidFill>
                   <a:schemeClr val="tx1"/>
@@ -8082,7 +8050,7 @@
                 <a:latin typeface="Arial" panose="020B0604020202020204" pitchFamily="34" charset="0"/>
                 <a:cs typeface="Arial" panose="020B0604020202020204" pitchFamily="34" charset="0"/>
               </a:rPr>
-              <a:t>imit direct access to sensitive </a:t>
+              <a:t>Limiting </a:t>
             </a:r>
             <a:r>
               <a:rPr lang="en-US" sz="1200" dirty="0" smtClean="0">
@@ -8092,7 +8060,7 @@
                 <a:latin typeface="Arial" panose="020B0604020202020204" pitchFamily="34" charset="0"/>
                 <a:cs typeface="Arial" panose="020B0604020202020204" pitchFamily="34" charset="0"/>
               </a:rPr>
-              <a:t>APIs </a:t>
+              <a:t>direct access to sensitive APIs </a:t>
             </a:r>
             <a:r>
               <a:rPr lang="en-US" sz="1200" i="1" dirty="0" smtClean="0">
@@ -8104,13 +8072,6 @@
               </a:rPr>
               <a:t>by untrusted web-code</a:t>
             </a:r>
-            <a:endParaRPr lang="en-US" sz="1200" i="1" dirty="0" smtClean="0">
-              <a:solidFill>
-                <a:schemeClr val="tx1"/>
-              </a:solidFill>
-              <a:latin typeface="Arial" panose="020B0604020202020204" pitchFamily="34" charset="0"/>
-              <a:cs typeface="Arial" panose="020B0604020202020204" pitchFamily="34" charset="0"/>
-            </a:endParaRPr>
           </a:p>
           <a:p>
             <a:pPr marL="171450" indent="-171450">
@@ -8128,7 +8089,7 @@
                 <a:latin typeface="Arial" panose="020B0604020202020204" pitchFamily="34" charset="0"/>
                 <a:cs typeface="Arial" panose="020B0604020202020204" pitchFamily="34" charset="0"/>
               </a:rPr>
-              <a:t>High-level </a:t>
+              <a:t>Supporting high-level </a:t>
             </a:r>
             <a:r>
               <a:rPr lang="en-US" sz="1200" i="1" dirty="0" smtClean="0">
@@ -8148,7 +8109,27 @@
                 <a:latin typeface="Arial" panose="020B0604020202020204" pitchFamily="34" charset="0"/>
                 <a:cs typeface="Arial" panose="020B0604020202020204" pitchFamily="34" charset="0"/>
               </a:rPr>
-              <a:t> schemes make applications less dependent on variations in platform APIs and architectures</a:t>
+              <a:t> schemes </a:t>
+            </a:r>
+            <a:r>
+              <a:rPr lang="en-US" sz="1200" dirty="0" smtClean="0">
+                <a:solidFill>
+                  <a:schemeClr val="tx1"/>
+                </a:solidFill>
+                <a:latin typeface="Arial" panose="020B0604020202020204" pitchFamily="34" charset="0"/>
+                <a:cs typeface="Arial" panose="020B0604020202020204" pitchFamily="34" charset="0"/>
+              </a:rPr>
+              <a:t>to make </a:t>
+            </a:r>
+            <a:r>
+              <a:rPr lang="en-US" sz="1200" dirty="0" smtClean="0">
+                <a:solidFill>
+                  <a:schemeClr val="tx1"/>
+                </a:solidFill>
+                <a:latin typeface="Arial" panose="020B0604020202020204" pitchFamily="34" charset="0"/>
+                <a:cs typeface="Arial" panose="020B0604020202020204" pitchFamily="34" charset="0"/>
+              </a:rPr>
+              <a:t>applications less dependent on variations in platform APIs and architectures</a:t>
             </a:r>
           </a:p>
           <a:p>
@@ -8167,7 +8148,7 @@
                 <a:latin typeface="Arial" panose="020B0604020202020204" pitchFamily="34" charset="0"/>
                 <a:cs typeface="Arial" panose="020B0604020202020204" pitchFamily="34" charset="0"/>
               </a:rPr>
-              <a:t>Provide </a:t>
+              <a:t>Providing </a:t>
             </a:r>
             <a:r>
               <a:rPr lang="en-US" sz="1200" i="1" dirty="0" smtClean="0">
@@ -8445,14 +8426,21 @@
                 <a:latin typeface="Arial" panose="020B0604020202020204" pitchFamily="34" charset="0"/>
                 <a:cs typeface="Arial" panose="020B0604020202020204" pitchFamily="34" charset="0"/>
               </a:rPr>
-              <a:t>service-oriented interfaces </a:t>
+              <a:t>service-oriented</a:t>
             </a:r>
             <a:r>
               <a:rPr lang="en-US" sz="1000" dirty="0" smtClean="0">
                 <a:latin typeface="Arial" panose="020B0604020202020204" pitchFamily="34" charset="0"/>
                 <a:cs typeface="Arial" panose="020B0604020202020204" pitchFamily="34" charset="0"/>
               </a:rPr>
-              <a:t>like shown above minimizes the need for annoying users with difficult security prompts.</a:t>
+              <a:t> applications like </a:t>
+            </a:r>
+            <a:r>
+              <a:rPr lang="en-US" sz="1000" dirty="0" smtClean="0">
+                <a:latin typeface="Arial" panose="020B0604020202020204" pitchFamily="34" charset="0"/>
+                <a:cs typeface="Arial" panose="020B0604020202020204" pitchFamily="34" charset="0"/>
+              </a:rPr>
+              <a:t>shown above minimizes the need for annoying users with difficult security prompts.</a:t>
             </a:r>
           </a:p>
           <a:p>

--- a/resources/docs/web2native-bridge.pptx
+++ b/resources/docs/web2native-bridge.pptx
@@ -7994,45 +7994,8 @@
                 <a:latin typeface="Arial" panose="020B0604020202020204" pitchFamily="34" charset="0"/>
                 <a:cs typeface="Arial" panose="020B0604020202020204" pitchFamily="34" charset="0"/>
               </a:rPr>
-              <a:t>ocation” but quite unsuitable for a large class of sensitive system APIs and associated user data which in the native world always are dealt with as a part of a packaged application.  The next page outlines a possible way to “emulate” this functionality in the Open Web. </a:t>
-            </a:r>
-            <a:r>
-              <a:rPr lang="en-US" sz="1200" dirty="0" smtClean="0">
-                <a:solidFill>
-                  <a:schemeClr val="tx1"/>
-                </a:solidFill>
-                <a:latin typeface="Arial" panose="020B0604020202020204" pitchFamily="34" charset="0"/>
-                <a:cs typeface="Arial" panose="020B0604020202020204" pitchFamily="34" charset="0"/>
-              </a:rPr>
-              <a:t>  </a:t>
-            </a:r>
-            <a:r>
-              <a:rPr lang="en-US" sz="1200" dirty="0" smtClean="0">
-                <a:solidFill>
-                  <a:schemeClr val="tx1"/>
-                </a:solidFill>
-                <a:latin typeface="Arial" panose="020B0604020202020204" pitchFamily="34" charset="0"/>
-                <a:cs typeface="Arial" panose="020B0604020202020204" pitchFamily="34" charset="0"/>
-              </a:rPr>
-              <a:t>The primary </a:t>
-            </a:r>
-            <a:r>
-              <a:rPr lang="en-US" sz="1200" dirty="0" smtClean="0">
-                <a:solidFill>
-                  <a:schemeClr val="tx1"/>
-                </a:solidFill>
-                <a:latin typeface="Arial" panose="020B0604020202020204" pitchFamily="34" charset="0"/>
-                <a:cs typeface="Arial" panose="020B0604020202020204" pitchFamily="34" charset="0"/>
-              </a:rPr>
-              <a:t>goals are:</a:t>
-            </a:r>
-            <a:endParaRPr lang="en-US" sz="1200" dirty="0" smtClean="0">
-              <a:solidFill>
-                <a:schemeClr val="tx1"/>
-              </a:solidFill>
-              <a:latin typeface="Arial" panose="020B0604020202020204" pitchFamily="34" charset="0"/>
-              <a:cs typeface="Arial" panose="020B0604020202020204" pitchFamily="34" charset="0"/>
-            </a:endParaRPr>
+              <a:t>ocation” but quite unsuitable for a large class of sensitive system APIs and associated user data which in the native world always are dealt with as a part of a packaged application.  The next page outlines a possible way to “emulate” this functionality in the Open Web.   The primary goals are:</a:t>
+            </a:r>
           </a:p>
           <a:p>
             <a:pPr marL="171450" indent="-171450">
@@ -8050,17 +8013,7 @@
                 <a:latin typeface="Arial" panose="020B0604020202020204" pitchFamily="34" charset="0"/>
                 <a:cs typeface="Arial" panose="020B0604020202020204" pitchFamily="34" charset="0"/>
               </a:rPr>
-              <a:t>Limiting </a:t>
-            </a:r>
-            <a:r>
-              <a:rPr lang="en-US" sz="1200" dirty="0" smtClean="0">
-                <a:solidFill>
-                  <a:schemeClr val="tx1"/>
-                </a:solidFill>
-                <a:latin typeface="Arial" panose="020B0604020202020204" pitchFamily="34" charset="0"/>
-                <a:cs typeface="Arial" panose="020B0604020202020204" pitchFamily="34" charset="0"/>
-              </a:rPr>
-              <a:t>direct access to sensitive APIs </a:t>
+              <a:t>Limiting direct access to sensitive APIs </a:t>
             </a:r>
             <a:r>
               <a:rPr lang="en-US" sz="1200" i="1" dirty="0" smtClean="0">
@@ -8109,7 +8062,27 @@
                 <a:latin typeface="Arial" panose="020B0604020202020204" pitchFamily="34" charset="0"/>
                 <a:cs typeface="Arial" panose="020B0604020202020204" pitchFamily="34" charset="0"/>
               </a:rPr>
-              <a:t> schemes </a:t>
+              <a:t> schemes to </a:t>
+            </a:r>
+            <a:r>
+              <a:rPr lang="en-US" sz="1200" smtClean="0">
+                <a:solidFill>
+                  <a:schemeClr val="tx1"/>
+                </a:solidFill>
+                <a:latin typeface="Arial" panose="020B0604020202020204" pitchFamily="34" charset="0"/>
+                <a:cs typeface="Arial" panose="020B0604020202020204" pitchFamily="34" charset="0"/>
+              </a:rPr>
+              <a:t>make </a:t>
+            </a:r>
+            <a:r>
+              <a:rPr lang="en-US" sz="1200" smtClean="0">
+                <a:solidFill>
+                  <a:schemeClr val="tx1"/>
+                </a:solidFill>
+                <a:latin typeface="Arial" panose="020B0604020202020204" pitchFamily="34" charset="0"/>
+                <a:cs typeface="Arial" panose="020B0604020202020204" pitchFamily="34" charset="0"/>
+              </a:rPr>
+              <a:t>web-applications </a:t>
             </a:r>
             <a:r>
               <a:rPr lang="en-US" sz="1200" dirty="0" smtClean="0">
@@ -8119,17 +8092,7 @@
                 <a:latin typeface="Arial" panose="020B0604020202020204" pitchFamily="34" charset="0"/>
                 <a:cs typeface="Arial" panose="020B0604020202020204" pitchFamily="34" charset="0"/>
               </a:rPr>
-              <a:t>to make </a:t>
-            </a:r>
-            <a:r>
-              <a:rPr lang="en-US" sz="1200" dirty="0" smtClean="0">
-                <a:solidFill>
-                  <a:schemeClr val="tx1"/>
-                </a:solidFill>
-                <a:latin typeface="Arial" panose="020B0604020202020204" pitchFamily="34" charset="0"/>
-                <a:cs typeface="Arial" panose="020B0604020202020204" pitchFamily="34" charset="0"/>
-              </a:rPr>
-              <a:t>applications less dependent on variations in platform APIs and architectures</a:t>
+              <a:t>less dependent on variations in platform APIs and architectures</a:t>
             </a:r>
           </a:p>
           <a:p>
@@ -8433,14 +8396,7 @@
                 <a:latin typeface="Arial" panose="020B0604020202020204" pitchFamily="34" charset="0"/>
                 <a:cs typeface="Arial" panose="020B0604020202020204" pitchFamily="34" charset="0"/>
               </a:rPr>
-              <a:t> applications like </a:t>
-            </a:r>
-            <a:r>
-              <a:rPr lang="en-US" sz="1000" dirty="0" smtClean="0">
-                <a:latin typeface="Arial" panose="020B0604020202020204" pitchFamily="34" charset="0"/>
-                <a:cs typeface="Arial" panose="020B0604020202020204" pitchFamily="34" charset="0"/>
-              </a:rPr>
-              <a:t>shown above minimizes the need for annoying users with difficult security prompts.</a:t>
+              <a:t> applications like shown above minimizes the need for annoying users with difficult security prompts.</a:t>
             </a:r>
           </a:p>
           <a:p>

--- a/resources/docs/web2native-bridge.pptx
+++ b/resources/docs/web2native-bridge.pptx
@@ -199,7 +199,7 @@
           <a:p>
             <a:fld id="{07A00844-99C3-4B4D-8665-83D6466F1606}" type="datetimeFigureOut">
               <a:rPr lang="en-US" smtClean="0"/>
-              <a:t>2015-03-30</a:t>
+              <a:t>2015-04-07</a:t>
             </a:fld>
             <a:endParaRPr lang="en-US"/>
           </a:p>
@@ -477,7 +477,7 @@
           <a:p>
             <a:fld id="{A1FD92F6-7B59-47F7-9C80-4F94E0E83D60}" type="datetimeFigureOut">
               <a:rPr lang="en-US" smtClean="0"/>
-              <a:t>2015-03-30</a:t>
+              <a:t>2015-04-07</a:t>
             </a:fld>
             <a:endParaRPr lang="en-US"/>
           </a:p>
@@ -694,7 +694,7 @@
           <a:p>
             <a:fld id="{A1FD92F6-7B59-47F7-9C80-4F94E0E83D60}" type="datetimeFigureOut">
               <a:rPr lang="en-US" smtClean="0"/>
-              <a:t>2015-03-30</a:t>
+              <a:t>2015-04-07</a:t>
             </a:fld>
             <a:endParaRPr lang="en-US"/>
           </a:p>
@@ -904,7 +904,7 @@
           <a:p>
             <a:fld id="{A1FD92F6-7B59-47F7-9C80-4F94E0E83D60}" type="datetimeFigureOut">
               <a:rPr lang="en-US" smtClean="0"/>
-              <a:t>2015-03-30</a:t>
+              <a:t>2015-04-07</a:t>
             </a:fld>
             <a:endParaRPr lang="en-US"/>
           </a:p>
@@ -1189,7 +1189,7 @@
           <a:p>
             <a:fld id="{A1FD92F6-7B59-47F7-9C80-4F94E0E83D60}" type="datetimeFigureOut">
               <a:rPr lang="en-US" smtClean="0"/>
-              <a:t>2015-03-30</a:t>
+              <a:t>2015-04-07</a:t>
             </a:fld>
             <a:endParaRPr lang="en-US"/>
           </a:p>
@@ -1472,7 +1472,7 @@
           <a:p>
             <a:fld id="{A1FD92F6-7B59-47F7-9C80-4F94E0E83D60}" type="datetimeFigureOut">
               <a:rPr lang="en-US" smtClean="0"/>
-              <a:t>2015-03-30</a:t>
+              <a:t>2015-04-07</a:t>
             </a:fld>
             <a:endParaRPr lang="en-US"/>
           </a:p>
@@ -1805,7 +1805,7 @@
           <a:p>
             <a:fld id="{A1FD92F6-7B59-47F7-9C80-4F94E0E83D60}" type="datetimeFigureOut">
               <a:rPr lang="en-US" smtClean="0"/>
-              <a:t>2015-03-30</a:t>
+              <a:t>2015-04-07</a:t>
             </a:fld>
             <a:endParaRPr lang="en-US"/>
           </a:p>
@@ -2271,7 +2271,7 @@
           <a:p>
             <a:fld id="{A1FD92F6-7B59-47F7-9C80-4F94E0E83D60}" type="datetimeFigureOut">
               <a:rPr lang="en-US" smtClean="0"/>
-              <a:t>2015-03-30</a:t>
+              <a:t>2015-04-07</a:t>
             </a:fld>
             <a:endParaRPr lang="en-US"/>
           </a:p>
@@ -2421,7 +2421,7 @@
           <a:p>
             <a:fld id="{A1FD92F6-7B59-47F7-9C80-4F94E0E83D60}" type="datetimeFigureOut">
               <a:rPr lang="en-US" smtClean="0"/>
-              <a:t>2015-03-30</a:t>
+              <a:t>2015-04-07</a:t>
             </a:fld>
             <a:endParaRPr lang="en-US"/>
           </a:p>
@@ -2540,7 +2540,7 @@
           <a:p>
             <a:fld id="{A1FD92F6-7B59-47F7-9C80-4F94E0E83D60}" type="datetimeFigureOut">
               <a:rPr lang="en-US" smtClean="0"/>
-              <a:t>2015-03-30</a:t>
+              <a:t>2015-04-07</a:t>
             </a:fld>
             <a:endParaRPr lang="en-US"/>
           </a:p>
@@ -2850,7 +2850,7 @@
           <a:p>
             <a:fld id="{A1FD92F6-7B59-47F7-9C80-4F94E0E83D60}" type="datetimeFigureOut">
               <a:rPr lang="en-US" smtClean="0"/>
-              <a:t>2015-03-30</a:t>
+              <a:t>2015-04-07</a:t>
             </a:fld>
             <a:endParaRPr lang="en-US"/>
           </a:p>
@@ -3136,7 +3136,7 @@
           <a:p>
             <a:fld id="{A1FD92F6-7B59-47F7-9C80-4F94E0E83D60}" type="datetimeFigureOut">
               <a:rPr lang="en-US" smtClean="0"/>
-              <a:t>2015-03-30</a:t>
+              <a:t>2015-04-07</a:t>
             </a:fld>
             <a:endParaRPr lang="en-US"/>
           </a:p>
@@ -8072,17 +8072,7 @@
                 <a:latin typeface="Arial" panose="020B0604020202020204" pitchFamily="34" charset="0"/>
                 <a:cs typeface="Arial" panose="020B0604020202020204" pitchFamily="34" charset="0"/>
               </a:rPr>
-              <a:t>make </a:t>
-            </a:r>
-            <a:r>
-              <a:rPr lang="en-US" sz="1200" smtClean="0">
-                <a:solidFill>
-                  <a:schemeClr val="tx1"/>
-                </a:solidFill>
-                <a:latin typeface="Arial" panose="020B0604020202020204" pitchFamily="34" charset="0"/>
-                <a:cs typeface="Arial" panose="020B0604020202020204" pitchFamily="34" charset="0"/>
-              </a:rPr>
-              <a:t>web-applications </a:t>
+              <a:t>make web-applications </a:t>
             </a:r>
             <a:r>
               <a:rPr lang="en-US" sz="1200" dirty="0" smtClean="0">
@@ -10639,7 +10629,7 @@
         </p:nvSpPr>
         <p:spPr>
           <a:xfrm>
-            <a:off x="4838700" y="1928785"/>
+            <a:off x="4694684" y="1928785"/>
             <a:ext cx="747367" cy="1168031"/>
           </a:xfrm>
           <a:custGeom>
@@ -10978,8 +10968,8 @@
         </p:nvSpPr>
         <p:spPr>
           <a:xfrm>
-            <a:off x="3923928" y="1789241"/>
-            <a:ext cx="897780" cy="216023"/>
+            <a:off x="3995936" y="1789241"/>
+            <a:ext cx="681756" cy="216023"/>
           </a:xfrm>
           <a:prstGeom prst="octagon">
             <a:avLst/>
@@ -11014,10 +11004,20 @@
           </a:fontRef>
         </p:style>
         <p:txBody>
-          <a:bodyPr lIns="0" tIns="0" rIns="0" bIns="18000" rtlCol="0" anchor="ctr" anchorCtr="1"/>
+          <a:bodyPr lIns="0" tIns="108000" rIns="0" bIns="108000" rtlCol="0" anchor="ctr" anchorCtr="1"/>
           <a:lstStyle/>
           <a:p>
             <a:pPr algn="ctr"/>
+            <a:r>
+              <a:rPr lang="en-US" sz="1200" dirty="0">
+                <a:solidFill>
+                  <a:schemeClr val="tx1"/>
+                </a:solidFill>
+                <a:latin typeface="Arial" panose="020B0604020202020204" pitchFamily="34" charset="0"/>
+                <a:cs typeface="Arial" panose="020B0604020202020204" pitchFamily="34" charset="0"/>
+              </a:rPr>
+              <a:t>W</a:t>
+            </a:r>
             <a:r>
               <a:rPr lang="en-US" sz="1200" dirty="0" smtClean="0">
                 <a:solidFill>
@@ -11026,8 +11026,15 @@
                 <a:latin typeface="Arial" panose="020B0604020202020204" pitchFamily="34" charset="0"/>
                 <a:cs typeface="Arial" panose="020B0604020202020204" pitchFamily="34" charset="0"/>
               </a:rPr>
-              <a:t>web2native</a:t>
-            </a:r>
+              <a:t>2NB</a:t>
+            </a:r>
+            <a:endParaRPr lang="en-US" sz="1200" dirty="0" smtClean="0">
+              <a:solidFill>
+                <a:schemeClr val="tx1"/>
+              </a:solidFill>
+              <a:latin typeface="Arial" panose="020B0604020202020204" pitchFamily="34" charset="0"/>
+              <a:cs typeface="Arial" panose="020B0604020202020204" pitchFamily="34" charset="0"/>
+            </a:endParaRPr>
           </a:p>
         </p:txBody>
       </p:sp>
@@ -11837,7 +11844,7 @@
         </p:nvSpPr>
         <p:spPr>
           <a:xfrm>
-            <a:off x="4831555" y="1871171"/>
+            <a:off x="4687539" y="1871171"/>
             <a:ext cx="837803" cy="1226835"/>
           </a:xfrm>
           <a:custGeom>
@@ -12088,7 +12095,7 @@
         </p:nvSpPr>
         <p:spPr>
           <a:xfrm>
-            <a:off x="5905889" y="1827145"/>
+            <a:off x="5761873" y="1827145"/>
             <a:ext cx="2194503" cy="457143"/>
           </a:xfrm>
           <a:prstGeom prst="wedgeRoundRectCallout">

--- a/resources/docs/web2native-bridge.pptx
+++ b/resources/docs/web2native-bridge.pptx
@@ -199,7 +199,7 @@
           <a:p>
             <a:fld id="{07A00844-99C3-4B4D-8665-83D6466F1606}" type="datetimeFigureOut">
               <a:rPr lang="en-US" smtClean="0"/>
-              <a:t>2015-04-07</a:t>
+              <a:t>2015-04-18</a:t>
             </a:fld>
             <a:endParaRPr lang="en-US"/>
           </a:p>
@@ -477,7 +477,7 @@
           <a:p>
             <a:fld id="{A1FD92F6-7B59-47F7-9C80-4F94E0E83D60}" type="datetimeFigureOut">
               <a:rPr lang="en-US" smtClean="0"/>
-              <a:t>2015-04-07</a:t>
+              <a:t>2015-04-18</a:t>
             </a:fld>
             <a:endParaRPr lang="en-US"/>
           </a:p>
@@ -694,7 +694,7 @@
           <a:p>
             <a:fld id="{A1FD92F6-7B59-47F7-9C80-4F94E0E83D60}" type="datetimeFigureOut">
               <a:rPr lang="en-US" smtClean="0"/>
-              <a:t>2015-04-07</a:t>
+              <a:t>2015-04-18</a:t>
             </a:fld>
             <a:endParaRPr lang="en-US"/>
           </a:p>
@@ -904,7 +904,7 @@
           <a:p>
             <a:fld id="{A1FD92F6-7B59-47F7-9C80-4F94E0E83D60}" type="datetimeFigureOut">
               <a:rPr lang="en-US" smtClean="0"/>
-              <a:t>2015-04-07</a:t>
+              <a:t>2015-04-18</a:t>
             </a:fld>
             <a:endParaRPr lang="en-US"/>
           </a:p>
@@ -1189,7 +1189,7 @@
           <a:p>
             <a:fld id="{A1FD92F6-7B59-47F7-9C80-4F94E0E83D60}" type="datetimeFigureOut">
               <a:rPr lang="en-US" smtClean="0"/>
-              <a:t>2015-04-07</a:t>
+              <a:t>2015-04-18</a:t>
             </a:fld>
             <a:endParaRPr lang="en-US"/>
           </a:p>
@@ -1472,7 +1472,7 @@
           <a:p>
             <a:fld id="{A1FD92F6-7B59-47F7-9C80-4F94E0E83D60}" type="datetimeFigureOut">
               <a:rPr lang="en-US" smtClean="0"/>
-              <a:t>2015-04-07</a:t>
+              <a:t>2015-04-18</a:t>
             </a:fld>
             <a:endParaRPr lang="en-US"/>
           </a:p>
@@ -1805,7 +1805,7 @@
           <a:p>
             <a:fld id="{A1FD92F6-7B59-47F7-9C80-4F94E0E83D60}" type="datetimeFigureOut">
               <a:rPr lang="en-US" smtClean="0"/>
-              <a:t>2015-04-07</a:t>
+              <a:t>2015-04-18</a:t>
             </a:fld>
             <a:endParaRPr lang="en-US"/>
           </a:p>
@@ -2271,7 +2271,7 @@
           <a:p>
             <a:fld id="{A1FD92F6-7B59-47F7-9C80-4F94E0E83D60}" type="datetimeFigureOut">
               <a:rPr lang="en-US" smtClean="0"/>
-              <a:t>2015-04-07</a:t>
+              <a:t>2015-04-18</a:t>
             </a:fld>
             <a:endParaRPr lang="en-US"/>
           </a:p>
@@ -2421,7 +2421,7 @@
           <a:p>
             <a:fld id="{A1FD92F6-7B59-47F7-9C80-4F94E0E83D60}" type="datetimeFigureOut">
               <a:rPr lang="en-US" smtClean="0"/>
-              <a:t>2015-04-07</a:t>
+              <a:t>2015-04-18</a:t>
             </a:fld>
             <a:endParaRPr lang="en-US"/>
           </a:p>
@@ -2540,7 +2540,7 @@
           <a:p>
             <a:fld id="{A1FD92F6-7B59-47F7-9C80-4F94E0E83D60}" type="datetimeFigureOut">
               <a:rPr lang="en-US" smtClean="0"/>
-              <a:t>2015-04-07</a:t>
+              <a:t>2015-04-18</a:t>
             </a:fld>
             <a:endParaRPr lang="en-US"/>
           </a:p>
@@ -2850,7 +2850,7 @@
           <a:p>
             <a:fld id="{A1FD92F6-7B59-47F7-9C80-4F94E0E83D60}" type="datetimeFigureOut">
               <a:rPr lang="en-US" smtClean="0"/>
-              <a:t>2015-04-07</a:t>
+              <a:t>2015-04-18</a:t>
             </a:fld>
             <a:endParaRPr lang="en-US"/>
           </a:p>
@@ -3136,7 +3136,7 @@
           <a:p>
             <a:fld id="{A1FD92F6-7B59-47F7-9C80-4F94E0E83D60}" type="datetimeFigureOut">
               <a:rPr lang="en-US" smtClean="0"/>
-              <a:t>2015-04-07</a:t>
+              <a:t>2015-04-18</a:t>
             </a:fld>
             <a:endParaRPr lang="en-US"/>
           </a:p>
@@ -3283,8 +3283,19 @@
                 <a:latin typeface="Arial" panose="020B0604020202020204" pitchFamily="34" charset="0"/>
                 <a:cs typeface="Arial" panose="020B0604020202020204" pitchFamily="34" charset="0"/>
               </a:rPr>
-              <a:t>, WebPKI.org, V0.97, 2015-03-30</a:t>
-            </a:r>
+              <a:t>, WebPKI.org, </a:t>
+            </a:r>
+            <a:r>
+              <a:rPr lang="en-US" sz="600" baseline="0" dirty="0" smtClean="0">
+                <a:latin typeface="Arial" panose="020B0604020202020204" pitchFamily="34" charset="0"/>
+                <a:cs typeface="Arial" panose="020B0604020202020204" pitchFamily="34" charset="0"/>
+              </a:rPr>
+              <a:t>V0.98, 2015-04-18</a:t>
+            </a:r>
+            <a:endParaRPr lang="en-US" sz="600" baseline="0" dirty="0" smtClean="0">
+              <a:latin typeface="Arial" panose="020B0604020202020204" pitchFamily="34" charset="0"/>
+              <a:cs typeface="Arial" panose="020B0604020202020204" pitchFamily="34" charset="0"/>
+            </a:endParaRPr>
           </a:p>
         </p:txBody>
       </p:sp>
@@ -5690,7 +5701,7 @@
       </p:sp>
       <p:grpSp>
         <p:nvGrpSpPr>
-          <p:cNvPr id="9" name="Group 8"/>
+          <p:cNvPr id="2" name="Group 1"/>
           <p:cNvGrpSpPr/>
           <p:nvPr/>
         </p:nvGrpSpPr>
@@ -5698,7 +5709,7 @@
           <a:xfrm>
             <a:off x="829443" y="1484784"/>
             <a:ext cx="3094486" cy="1656184"/>
-            <a:chOff x="1405507" y="2060848"/>
+            <a:chOff x="829443" y="1484784"/>
             <a:chExt cx="3094486" cy="1656184"/>
           </a:xfrm>
         </p:grpSpPr>
@@ -5712,7 +5723,7 @@
           </p:nvSpPr>
           <p:spPr>
             <a:xfrm>
-              <a:off x="1669345" y="2075394"/>
+              <a:off x="1093281" y="1499330"/>
               <a:ext cx="2830648" cy="1641638"/>
             </a:xfrm>
             <a:prstGeom prst="rect">
@@ -5856,7 +5867,7 @@
           </p:nvSpPr>
           <p:spPr>
             <a:xfrm>
-              <a:off x="1669591" y="2060848"/>
+              <a:off x="1093527" y="1484784"/>
               <a:ext cx="2830401" cy="244800"/>
             </a:xfrm>
             <a:prstGeom prst="rect">
@@ -6012,7 +6023,7 @@
         </p:sp>
         <p:sp>
           <p:nvSpPr>
-            <p:cNvPr id="24" name="Bevel 23"/>
+            <p:cNvPr id="24" name="Rounded Rectangle 23"/>
             <p:cNvSpPr>
               <a:spLocks/>
             </p:cNvSpPr>
@@ -6020,13 +6031,11 @@
           </p:nvSpPr>
           <p:spPr>
             <a:xfrm>
-              <a:off x="3646768" y="3345949"/>
+              <a:off x="3070704" y="2769885"/>
               <a:ext cx="637200" cy="236299"/>
             </a:xfrm>
-            <a:prstGeom prst="bevel">
-              <a:avLst>
-                <a:gd name="adj" fmla="val 14066"/>
-              </a:avLst>
+            <a:prstGeom prst="roundRect">
+              <a:avLst/>
             </a:prstGeom>
             <a:solidFill>
               <a:schemeClr val="accent3">
@@ -6044,6 +6053,13 @@
               <a:prstDash val="solid"/>
             </a:ln>
             <a:effectLst/>
+            <a:scene3d>
+              <a:camera prst="orthographicFront"/>
+              <a:lightRig rig="threePt" dir="t"/>
+            </a:scene3d>
+            <a:sp3d>
+              <a:bevelT w="57150" h="57150"/>
+            </a:sp3d>
           </p:spPr>
           <p:txBody>
             <a:bodyPr rot="0" spcFirstLastPara="0" vert="horz" wrap="square" lIns="0" tIns="0" rIns="0" bIns="0" numCol="1" spcCol="0" rtlCol="0" fromWordArt="0" anchor="ctr" anchorCtr="0" forceAA="0" compatLnSpc="1">
@@ -6179,7 +6195,7 @@
         </p:sp>
         <p:sp>
           <p:nvSpPr>
-            <p:cNvPr id="25" name="Bevel 24"/>
+            <p:cNvPr id="25" name="Rounded Rectangle 24"/>
             <p:cNvSpPr>
               <a:spLocks/>
             </p:cNvSpPr>
@@ -6187,13 +6203,11 @@
           </p:nvSpPr>
           <p:spPr>
             <a:xfrm>
-              <a:off x="1878876" y="3347776"/>
+              <a:off x="1302812" y="2771712"/>
               <a:ext cx="637287" cy="232645"/>
             </a:xfrm>
-            <a:prstGeom prst="bevel">
-              <a:avLst>
-                <a:gd name="adj" fmla="val 14066"/>
-              </a:avLst>
+            <a:prstGeom prst="roundRect">
+              <a:avLst/>
             </a:prstGeom>
             <a:solidFill>
               <a:sysClr val="window" lastClr="FFFFFF">
@@ -6210,6 +6224,13 @@
               <a:prstDash val="solid"/>
             </a:ln>
             <a:effectLst/>
+            <a:scene3d>
+              <a:camera prst="orthographicFront"/>
+              <a:lightRig rig="threePt" dir="t"/>
+            </a:scene3d>
+            <a:sp3d>
+              <a:bevelT w="57150" h="57150"/>
+            </a:sp3d>
           </p:spPr>
           <p:txBody>
             <a:bodyPr rot="0" spcFirstLastPara="0" vert="horz" wrap="square" lIns="0" tIns="0" rIns="0" bIns="0" numCol="1" spcCol="0" rtlCol="0" fromWordArt="0" anchor="ctr" anchorCtr="0" forceAA="0" compatLnSpc="1">
@@ -6352,7 +6373,7 @@
           </p:nvSpPr>
           <p:spPr bwMode="auto">
             <a:xfrm>
-              <a:off x="2485627" y="2460258"/>
+              <a:off x="1909563" y="1884194"/>
               <a:ext cx="1959829" cy="623248"/>
             </a:xfrm>
             <a:prstGeom prst="rect">
@@ -6526,7 +6547,7 @@
         </p:sp>
         <p:sp>
           <p:nvSpPr>
-            <p:cNvPr id="32" name="Bevel 31"/>
+            <p:cNvPr id="32" name="Rounded Rectangle 31"/>
             <p:cNvSpPr>
               <a:spLocks/>
             </p:cNvSpPr>
@@ -6534,13 +6555,11 @@
           </p:nvSpPr>
           <p:spPr>
             <a:xfrm>
-              <a:off x="2699792" y="3345949"/>
+              <a:off x="2123728" y="2769885"/>
               <a:ext cx="637200" cy="236299"/>
             </a:xfrm>
-            <a:prstGeom prst="bevel">
-              <a:avLst>
-                <a:gd name="adj" fmla="val 14066"/>
-              </a:avLst>
+            <a:prstGeom prst="roundRect">
+              <a:avLst/>
             </a:prstGeom>
             <a:solidFill>
               <a:schemeClr val="accent2">
@@ -6558,6 +6577,13 @@
               <a:prstDash val="solid"/>
             </a:ln>
             <a:effectLst/>
+            <a:scene3d>
+              <a:camera prst="orthographicFront"/>
+              <a:lightRig rig="threePt" dir="t"/>
+            </a:scene3d>
+            <a:sp3d>
+              <a:bevelT w="57150" h="57150"/>
+            </a:sp3d>
           </p:spPr>
           <p:txBody>
             <a:bodyPr rot="0" spcFirstLastPara="0" vert="horz" wrap="square" lIns="0" tIns="0" rIns="0" bIns="0" numCol="1" spcCol="0" rtlCol="0" fromWordArt="0" anchor="ctr" anchorCtr="0" forceAA="0" compatLnSpc="1">
@@ -6713,7 +6739,7 @@
           </p:blipFill>
           <p:spPr>
             <a:xfrm flipH="1">
-              <a:off x="1405507" y="2579450"/>
+              <a:off x="829443" y="2003386"/>
               <a:ext cx="966601" cy="847172"/>
             </a:xfrm>
             <a:prstGeom prst="rect">
@@ -6796,9 +6822,312 @@
           </a:p>
         </p:txBody>
       </p:sp>
+      <p:sp>
+        <p:nvSpPr>
+          <p:cNvPr id="51" name="TextBox 50"/>
+          <p:cNvSpPr txBox="1"/>
+          <p:nvPr/>
+        </p:nvSpPr>
+        <p:spPr>
+          <a:xfrm>
+            <a:off x="5312638" y="980728"/>
+            <a:ext cx="2690544" cy="400110"/>
+          </a:xfrm>
+          <a:prstGeom prst="rect">
+            <a:avLst/>
+          </a:prstGeom>
+          <a:noFill/>
+        </p:spPr>
+        <p:txBody>
+          <a:bodyPr wrap="none" rtlCol="0">
+            <a:spAutoFit/>
+          </a:bodyPr>
+          <a:lstStyle/>
+          <a:p>
+            <a:pPr algn="ctr"/>
+            <a:r>
+              <a:rPr lang="en-US" sz="2000" dirty="0" smtClean="0">
+                <a:latin typeface="Times New Roman" panose="02020603050405020304" pitchFamily="18" charset="0"/>
+                <a:cs typeface="Times New Roman" panose="02020603050405020304" pitchFamily="18" charset="0"/>
+              </a:rPr>
+              <a:t>PKCS #11 Level Access</a:t>
+            </a:r>
+            <a:endParaRPr lang="en-US" sz="2000" dirty="0">
+              <a:latin typeface="Times New Roman" panose="02020603050405020304" pitchFamily="18" charset="0"/>
+              <a:cs typeface="Times New Roman" panose="02020603050405020304" pitchFamily="18" charset="0"/>
+            </a:endParaRPr>
+          </a:p>
+        </p:txBody>
+      </p:sp>
+      <p:sp>
+        <p:nvSpPr>
+          <p:cNvPr id="52" name="TextBox 51"/>
+          <p:cNvSpPr txBox="1"/>
+          <p:nvPr/>
+        </p:nvSpPr>
+        <p:spPr>
+          <a:xfrm>
+            <a:off x="3868420" y="4293096"/>
+            <a:ext cx="1351652" cy="400110"/>
+          </a:xfrm>
+          <a:prstGeom prst="rect">
+            <a:avLst/>
+          </a:prstGeom>
+          <a:noFill/>
+        </p:spPr>
+        <p:txBody>
+          <a:bodyPr wrap="none" rtlCol="0">
+            <a:spAutoFit/>
+          </a:bodyPr>
+          <a:lstStyle/>
+          <a:p>
+            <a:pPr algn="ctr"/>
+            <a:r>
+              <a:rPr lang="en-US" sz="2000" dirty="0" smtClean="0">
+                <a:latin typeface="Times New Roman" panose="02020603050405020304" pitchFamily="18" charset="0"/>
+                <a:cs typeface="Times New Roman" panose="02020603050405020304" pitchFamily="18" charset="0"/>
+              </a:rPr>
+              <a:t>Conclusion</a:t>
+            </a:r>
+            <a:endParaRPr lang="en-US" sz="2000" dirty="0">
+              <a:latin typeface="Times New Roman" panose="02020603050405020304" pitchFamily="18" charset="0"/>
+              <a:cs typeface="Times New Roman" panose="02020603050405020304" pitchFamily="18" charset="0"/>
+            </a:endParaRPr>
+          </a:p>
+        </p:txBody>
+      </p:sp>
+      <p:sp>
+        <p:nvSpPr>
+          <p:cNvPr id="53" name="Rectangle 52"/>
+          <p:cNvSpPr/>
+          <p:nvPr/>
+        </p:nvSpPr>
+        <p:spPr>
+          <a:xfrm>
+            <a:off x="251520" y="4797152"/>
+            <a:ext cx="8568952" cy="1553484"/>
+          </a:xfrm>
+          <a:prstGeom prst="rect">
+            <a:avLst/>
+          </a:prstGeom>
+          <a:solidFill>
+            <a:schemeClr val="bg1"/>
+          </a:solidFill>
+          <a:ln w="6350">
+            <a:solidFill>
+              <a:schemeClr val="bg1">
+                <a:lumMod val="65000"/>
+              </a:schemeClr>
+            </a:solidFill>
+          </a:ln>
+          <a:effectLst>
+            <a:outerShdw blurRad="50800" dist="38100" dir="2700000" algn="tl" rotWithShape="0">
+              <a:prstClr val="black">
+                <a:alpha val="40000"/>
+              </a:prstClr>
+            </a:outerShdw>
+          </a:effectLst>
+        </p:spPr>
+        <p:style>
+          <a:lnRef idx="2">
+            <a:schemeClr val="accent1">
+              <a:shade val="50000"/>
+            </a:schemeClr>
+          </a:lnRef>
+          <a:fillRef idx="1">
+            <a:schemeClr val="accent1"/>
+          </a:fillRef>
+          <a:effectRef idx="0">
+            <a:schemeClr val="accent1"/>
+          </a:effectRef>
+          <a:fontRef idx="minor">
+            <a:schemeClr val="lt1"/>
+          </a:fontRef>
+        </p:style>
+        <p:txBody>
+          <a:bodyPr rot="0" spcFirstLastPara="0" vertOverflow="overflow" horzOverflow="overflow" vert="horz" wrap="square" lIns="144000" tIns="72000" rIns="91440" bIns="72000" numCol="1" spcCol="0" rtlCol="0" fromWordArt="0" anchor="ctr" anchorCtr="0" forceAA="0" compatLnSpc="1">
+            <a:prstTxWarp prst="textNoShape">
+              <a:avLst/>
+            </a:prstTxWarp>
+            <a:spAutoFit/>
+          </a:bodyPr>
+          <a:lstStyle/>
+          <a:p>
+            <a:pPr>
+              <a:spcBef>
+                <a:spcPts val="300"/>
+              </a:spcBef>
+            </a:pPr>
+            <a:r>
+              <a:rPr lang="en-US" sz="1200" dirty="0" smtClean="0">
+                <a:solidFill>
+                  <a:schemeClr val="tx1"/>
+                </a:solidFill>
+                <a:latin typeface="Arial" panose="020B0604020202020204" pitchFamily="34" charset="0"/>
+                <a:cs typeface="Arial" panose="020B0604020202020204" pitchFamily="34" charset="0"/>
+              </a:rPr>
+              <a:t>Permissions are fine for things that ordinary users can understand like “Your </a:t>
+            </a:r>
+            <a:r>
+              <a:rPr lang="en-US" sz="1200" dirty="0">
+                <a:solidFill>
+                  <a:schemeClr val="tx1"/>
+                </a:solidFill>
+                <a:latin typeface="Arial" panose="020B0604020202020204" pitchFamily="34" charset="0"/>
+                <a:cs typeface="Arial" panose="020B0604020202020204" pitchFamily="34" charset="0"/>
+              </a:rPr>
+              <a:t>L</a:t>
+            </a:r>
+            <a:r>
+              <a:rPr lang="en-US" sz="1200" dirty="0" smtClean="0">
+                <a:solidFill>
+                  <a:schemeClr val="tx1"/>
+                </a:solidFill>
+                <a:latin typeface="Arial" panose="020B0604020202020204" pitchFamily="34" charset="0"/>
+                <a:cs typeface="Arial" panose="020B0604020202020204" pitchFamily="34" charset="0"/>
+              </a:rPr>
+              <a:t>ocation” but quite unsuitable for a large class of sensitive system APIs and associated user data which in the native world always are dealt with as a part of a packaged application.  The next page outlines a possible way to “emulate” this functionality in the Open Web.   The primary goals are:</a:t>
+            </a:r>
+          </a:p>
+          <a:p>
+            <a:pPr marL="171450" indent="-171450">
+              <a:spcBef>
+                <a:spcPts val="300"/>
+              </a:spcBef>
+              <a:buFont typeface="Arial" panose="020B0604020202020204" pitchFamily="34" charset="0"/>
+              <a:buChar char="•"/>
+            </a:pPr>
+            <a:r>
+              <a:rPr lang="en-US" sz="1200" dirty="0" smtClean="0">
+                <a:solidFill>
+                  <a:schemeClr val="tx1"/>
+                </a:solidFill>
+                <a:latin typeface="Arial" panose="020B0604020202020204" pitchFamily="34" charset="0"/>
+                <a:cs typeface="Arial" panose="020B0604020202020204" pitchFamily="34" charset="0"/>
+              </a:rPr>
+              <a:t>Limiting direct access to sensitive APIs </a:t>
+            </a:r>
+            <a:r>
+              <a:rPr lang="en-US" sz="1200" i="1" dirty="0" smtClean="0">
+                <a:solidFill>
+                  <a:schemeClr val="tx1"/>
+                </a:solidFill>
+                <a:latin typeface="Arial" panose="020B0604020202020204" pitchFamily="34" charset="0"/>
+                <a:cs typeface="Arial" panose="020B0604020202020204" pitchFamily="34" charset="0"/>
+              </a:rPr>
+              <a:t>by untrusted web-code</a:t>
+            </a:r>
+          </a:p>
+          <a:p>
+            <a:pPr marL="171450" indent="-171450">
+              <a:spcBef>
+                <a:spcPts val="300"/>
+              </a:spcBef>
+              <a:buFont typeface="Arial" panose="020B0604020202020204" pitchFamily="34" charset="0"/>
+              <a:buChar char="•"/>
+            </a:pPr>
+            <a:r>
+              <a:rPr lang="en-US" sz="1200" dirty="0" smtClean="0">
+                <a:solidFill>
+                  <a:schemeClr val="tx1"/>
+                </a:solidFill>
+                <a:latin typeface="Arial" panose="020B0604020202020204" pitchFamily="34" charset="0"/>
+                <a:cs typeface="Arial" panose="020B0604020202020204" pitchFamily="34" charset="0"/>
+              </a:rPr>
+              <a:t>Supporting high-level </a:t>
+            </a:r>
+            <a:r>
+              <a:rPr lang="en-US" sz="1200" i="1" dirty="0" smtClean="0">
+                <a:solidFill>
+                  <a:schemeClr val="tx1"/>
+                </a:solidFill>
+                <a:latin typeface="Arial" panose="020B0604020202020204" pitchFamily="34" charset="0"/>
+                <a:cs typeface="Arial" panose="020B0604020202020204" pitchFamily="34" charset="0"/>
+              </a:rPr>
+              <a:t>service-oriented</a:t>
+            </a:r>
+            <a:r>
+              <a:rPr lang="en-US" sz="1200" dirty="0" smtClean="0">
+                <a:solidFill>
+                  <a:schemeClr val="tx1"/>
+                </a:solidFill>
+                <a:latin typeface="Arial" panose="020B0604020202020204" pitchFamily="34" charset="0"/>
+                <a:cs typeface="Arial" panose="020B0604020202020204" pitchFamily="34" charset="0"/>
+              </a:rPr>
+              <a:t> schemes to </a:t>
+            </a:r>
+            <a:r>
+              <a:rPr lang="en-US" sz="1200" smtClean="0">
+                <a:solidFill>
+                  <a:schemeClr val="tx1"/>
+                </a:solidFill>
+                <a:latin typeface="Arial" panose="020B0604020202020204" pitchFamily="34" charset="0"/>
+                <a:cs typeface="Arial" panose="020B0604020202020204" pitchFamily="34" charset="0"/>
+              </a:rPr>
+              <a:t>make web-applications </a:t>
+            </a:r>
+            <a:r>
+              <a:rPr lang="en-US" sz="1200" dirty="0" smtClean="0">
+                <a:solidFill>
+                  <a:schemeClr val="tx1"/>
+                </a:solidFill>
+                <a:latin typeface="Arial" panose="020B0604020202020204" pitchFamily="34" charset="0"/>
+                <a:cs typeface="Arial" panose="020B0604020202020204" pitchFamily="34" charset="0"/>
+              </a:rPr>
+              <a:t>less dependent on variations in platform APIs and architectures</a:t>
+            </a:r>
+          </a:p>
+          <a:p>
+            <a:pPr marL="171450" indent="-171450">
+              <a:spcBef>
+                <a:spcPts val="300"/>
+              </a:spcBef>
+              <a:buFont typeface="Arial" panose="020B0604020202020204" pitchFamily="34" charset="0"/>
+              <a:buChar char="•"/>
+            </a:pPr>
+            <a:r>
+              <a:rPr lang="en-US" sz="1200" dirty="0" smtClean="0">
+                <a:solidFill>
+                  <a:schemeClr val="tx1"/>
+                </a:solidFill>
+                <a:latin typeface="Arial" panose="020B0604020202020204" pitchFamily="34" charset="0"/>
+                <a:cs typeface="Arial" panose="020B0604020202020204" pitchFamily="34" charset="0"/>
+              </a:rPr>
+              <a:t>Providing </a:t>
+            </a:r>
+            <a:r>
+              <a:rPr lang="en-US" sz="1200" i="1" dirty="0" smtClean="0">
+                <a:solidFill>
+                  <a:schemeClr val="tx1"/>
+                </a:solidFill>
+                <a:latin typeface="Arial" panose="020B0604020202020204" pitchFamily="34" charset="0"/>
+                <a:cs typeface="Arial" panose="020B0604020202020204" pitchFamily="34" charset="0"/>
+              </a:rPr>
+              <a:t>meaningful</a:t>
+            </a:r>
+            <a:r>
+              <a:rPr lang="en-US" sz="1200" dirty="0" smtClean="0">
+                <a:solidFill>
+                  <a:schemeClr val="tx1"/>
+                </a:solidFill>
+                <a:latin typeface="Arial" panose="020B0604020202020204" pitchFamily="34" charset="0"/>
+                <a:cs typeface="Arial" panose="020B0604020202020204" pitchFamily="34" charset="0"/>
+              </a:rPr>
+              <a:t> information to users</a:t>
+            </a:r>
+            <a:endParaRPr lang="en-US" sz="1200" b="1" dirty="0" smtClean="0">
+              <a:solidFill>
+                <a:schemeClr val="tx1"/>
+              </a:solidFill>
+              <a:latin typeface="Courier New" panose="02070309020205020404" pitchFamily="49" charset="0"/>
+              <a:cs typeface="Courier New" panose="02070309020205020404" pitchFamily="49" charset="0"/>
+            </a:endParaRPr>
+          </a:p>
+        </p:txBody>
+      </p:sp>
       <p:grpSp>
         <p:nvGrpSpPr>
-          <p:cNvPr id="40" name="Group 39"/>
+          <p:cNvPr id="4" name="Group 3"/>
           <p:cNvGrpSpPr/>
           <p:nvPr/>
         </p:nvGrpSpPr>
@@ -6806,7 +7135,7 @@
           <a:xfrm>
             <a:off x="4970963" y="1484784"/>
             <a:ext cx="3100310" cy="1656184"/>
-            <a:chOff x="1399683" y="2060848"/>
+            <a:chOff x="4970963" y="1484784"/>
             <a:chExt cx="3100310" cy="1656184"/>
           </a:xfrm>
         </p:grpSpPr>
@@ -6820,7 +7149,7 @@
           </p:nvSpPr>
           <p:spPr>
             <a:xfrm>
-              <a:off x="1669345" y="2075394"/>
+              <a:off x="5240625" y="1499330"/>
               <a:ext cx="2830648" cy="1641638"/>
             </a:xfrm>
             <a:prstGeom prst="rect">
@@ -6964,7 +7293,7 @@
           </p:nvSpPr>
           <p:spPr>
             <a:xfrm>
-              <a:off x="1669591" y="2060848"/>
+              <a:off x="5240871" y="1484784"/>
               <a:ext cx="2830401" cy="244800"/>
             </a:xfrm>
             <a:prstGeom prst="rect">
@@ -7120,338 +7449,6 @@
         </p:sp>
         <p:sp>
           <p:nvSpPr>
-            <p:cNvPr id="46" name="Bevel 45"/>
-            <p:cNvSpPr>
-              <a:spLocks/>
-            </p:cNvSpPr>
-            <p:nvPr/>
-          </p:nvSpPr>
-          <p:spPr>
-            <a:xfrm>
-              <a:off x="3646768" y="3345949"/>
-              <a:ext cx="637200" cy="236299"/>
-            </a:xfrm>
-            <a:prstGeom prst="bevel">
-              <a:avLst>
-                <a:gd name="adj" fmla="val 14066"/>
-              </a:avLst>
-            </a:prstGeom>
-            <a:solidFill>
-              <a:schemeClr val="accent3">
-                <a:lumMod val="60000"/>
-                <a:lumOff val="40000"/>
-              </a:schemeClr>
-            </a:solidFill>
-            <a:ln w="6350" cap="flat" cmpd="sng" algn="ctr">
-              <a:solidFill>
-                <a:sysClr val="windowText" lastClr="000000">
-                  <a:lumMod val="50000"/>
-                  <a:lumOff val="50000"/>
-                </a:sysClr>
-              </a:solidFill>
-              <a:prstDash val="solid"/>
-            </a:ln>
-            <a:effectLst/>
-          </p:spPr>
-          <p:txBody>
-            <a:bodyPr rot="0" spcFirstLastPara="0" vert="horz" wrap="square" lIns="0" tIns="0" rIns="0" bIns="0" numCol="1" spcCol="0" rtlCol="0" fromWordArt="0" anchor="ctr" anchorCtr="0" forceAA="0" compatLnSpc="1">
-              <a:prstTxWarp prst="textNoShape">
-                <a:avLst/>
-              </a:prstTxWarp>
-              <a:noAutofit/>
-            </a:bodyPr>
-            <a:lstStyle>
-              <a:defPPr>
-                <a:defRPr lang="en-US"/>
-              </a:defPPr>
-              <a:lvl1pPr marL="0" algn="l" defTabSz="914400" rtl="0" eaLnBrk="1" latinLnBrk="0" hangingPunct="1">
-                <a:defRPr sz="1800" kern="1200">
-                  <a:solidFill>
-                    <a:schemeClr val="tx1"/>
-                  </a:solidFill>
-                  <a:latin typeface="+mn-lt"/>
-                  <a:ea typeface="+mn-ea"/>
-                  <a:cs typeface="+mn-cs"/>
-                </a:defRPr>
-              </a:lvl1pPr>
-              <a:lvl2pPr marL="457200" algn="l" defTabSz="914400" rtl="0" eaLnBrk="1" latinLnBrk="0" hangingPunct="1">
-                <a:defRPr sz="1800" kern="1200">
-                  <a:solidFill>
-                    <a:schemeClr val="tx1"/>
-                  </a:solidFill>
-                  <a:latin typeface="+mn-lt"/>
-                  <a:ea typeface="+mn-ea"/>
-                  <a:cs typeface="+mn-cs"/>
-                </a:defRPr>
-              </a:lvl2pPr>
-              <a:lvl3pPr marL="914400" algn="l" defTabSz="914400" rtl="0" eaLnBrk="1" latinLnBrk="0" hangingPunct="1">
-                <a:defRPr sz="1800" kern="1200">
-                  <a:solidFill>
-                    <a:schemeClr val="tx1"/>
-                  </a:solidFill>
-                  <a:latin typeface="+mn-lt"/>
-                  <a:ea typeface="+mn-ea"/>
-                  <a:cs typeface="+mn-cs"/>
-                </a:defRPr>
-              </a:lvl3pPr>
-              <a:lvl4pPr marL="1371600" algn="l" defTabSz="914400" rtl="0" eaLnBrk="1" latinLnBrk="0" hangingPunct="1">
-                <a:defRPr sz="1800" kern="1200">
-                  <a:solidFill>
-                    <a:schemeClr val="tx1"/>
-                  </a:solidFill>
-                  <a:latin typeface="+mn-lt"/>
-                  <a:ea typeface="+mn-ea"/>
-                  <a:cs typeface="+mn-cs"/>
-                </a:defRPr>
-              </a:lvl4pPr>
-              <a:lvl5pPr marL="1828800" algn="l" defTabSz="914400" rtl="0" eaLnBrk="1" latinLnBrk="0" hangingPunct="1">
-                <a:defRPr sz="1800" kern="1200">
-                  <a:solidFill>
-                    <a:schemeClr val="tx1"/>
-                  </a:solidFill>
-                  <a:latin typeface="+mn-lt"/>
-                  <a:ea typeface="+mn-ea"/>
-                  <a:cs typeface="+mn-cs"/>
-                </a:defRPr>
-              </a:lvl5pPr>
-              <a:lvl6pPr marL="2286000" algn="l" defTabSz="914400" rtl="0" eaLnBrk="1" latinLnBrk="0" hangingPunct="1">
-                <a:defRPr sz="1800" kern="1200">
-                  <a:solidFill>
-                    <a:schemeClr val="tx1"/>
-                  </a:solidFill>
-                  <a:latin typeface="+mn-lt"/>
-                  <a:ea typeface="+mn-ea"/>
-                  <a:cs typeface="+mn-cs"/>
-                </a:defRPr>
-              </a:lvl6pPr>
-              <a:lvl7pPr marL="2743200" algn="l" defTabSz="914400" rtl="0" eaLnBrk="1" latinLnBrk="0" hangingPunct="1">
-                <a:defRPr sz="1800" kern="1200">
-                  <a:solidFill>
-                    <a:schemeClr val="tx1"/>
-                  </a:solidFill>
-                  <a:latin typeface="+mn-lt"/>
-                  <a:ea typeface="+mn-ea"/>
-                  <a:cs typeface="+mn-cs"/>
-                </a:defRPr>
-              </a:lvl7pPr>
-              <a:lvl8pPr marL="3200400" algn="l" defTabSz="914400" rtl="0" eaLnBrk="1" latinLnBrk="0" hangingPunct="1">
-                <a:defRPr sz="1800" kern="1200">
-                  <a:solidFill>
-                    <a:schemeClr val="tx1"/>
-                  </a:solidFill>
-                  <a:latin typeface="+mn-lt"/>
-                  <a:ea typeface="+mn-ea"/>
-                  <a:cs typeface="+mn-cs"/>
-                </a:defRPr>
-              </a:lvl8pPr>
-              <a:lvl9pPr marL="3657600" algn="l" defTabSz="914400" rtl="0" eaLnBrk="1" latinLnBrk="0" hangingPunct="1">
-                <a:defRPr sz="1800" kern="1200">
-                  <a:solidFill>
-                    <a:schemeClr val="tx1"/>
-                  </a:solidFill>
-                  <a:latin typeface="+mn-lt"/>
-                  <a:ea typeface="+mn-ea"/>
-                  <a:cs typeface="+mn-cs"/>
-                </a:defRPr>
-              </a:lvl9pPr>
-            </a:lstStyle>
-            <a:p>
-              <a:pPr algn="ctr">
-                <a:lnSpc>
-                  <a:spcPct val="115000"/>
-                </a:lnSpc>
-                <a:spcAft>
-                  <a:spcPts val="1000"/>
-                </a:spcAft>
-              </a:pPr>
-              <a:r>
-                <a:rPr lang="en-US" sz="1000" dirty="0">
-                  <a:solidFill>
-                    <a:srgbClr val="000000"/>
-                  </a:solidFill>
-                  <a:effectLst/>
-                  <a:latin typeface="Arial"/>
-                  <a:ea typeface="Calibri"/>
-                  <a:cs typeface="Times New Roman"/>
-                </a:rPr>
-                <a:t>OK</a:t>
-              </a:r>
-              <a:endParaRPr lang="en-US" sz="1000" dirty="0">
-                <a:effectLst/>
-                <a:latin typeface="Calibri"/>
-                <a:ea typeface="Calibri"/>
-                <a:cs typeface="Times New Roman"/>
-              </a:endParaRPr>
-            </a:p>
-          </p:txBody>
-        </p:sp>
-        <p:sp>
-          <p:nvSpPr>
-            <p:cNvPr id="47" name="Bevel 46"/>
-            <p:cNvSpPr>
-              <a:spLocks/>
-            </p:cNvSpPr>
-            <p:nvPr/>
-          </p:nvSpPr>
-          <p:spPr>
-            <a:xfrm>
-              <a:off x="1878876" y="3347776"/>
-              <a:ext cx="637287" cy="232645"/>
-            </a:xfrm>
-            <a:prstGeom prst="bevel">
-              <a:avLst>
-                <a:gd name="adj" fmla="val 14066"/>
-              </a:avLst>
-            </a:prstGeom>
-            <a:solidFill>
-              <a:sysClr val="window" lastClr="FFFFFF">
-                <a:lumMod val="95000"/>
-              </a:sysClr>
-            </a:solidFill>
-            <a:ln w="6350" cap="flat" cmpd="sng" algn="ctr">
-              <a:solidFill>
-                <a:sysClr val="windowText" lastClr="000000">
-                  <a:lumMod val="50000"/>
-                  <a:lumOff val="50000"/>
-                </a:sysClr>
-              </a:solidFill>
-              <a:prstDash val="solid"/>
-            </a:ln>
-            <a:effectLst/>
-          </p:spPr>
-          <p:txBody>
-            <a:bodyPr rot="0" spcFirstLastPara="0" vert="horz" wrap="square" lIns="0" tIns="0" rIns="0" bIns="0" numCol="1" spcCol="0" rtlCol="0" fromWordArt="0" anchor="ctr" anchorCtr="0" forceAA="0" compatLnSpc="1">
-              <a:prstTxWarp prst="textNoShape">
-                <a:avLst/>
-              </a:prstTxWarp>
-              <a:noAutofit/>
-            </a:bodyPr>
-            <a:lstStyle>
-              <a:defPPr>
-                <a:defRPr lang="en-US"/>
-              </a:defPPr>
-              <a:lvl1pPr marL="0" algn="l" defTabSz="914400" rtl="0" eaLnBrk="1" latinLnBrk="0" hangingPunct="1">
-                <a:defRPr sz="1800" kern="1200">
-                  <a:solidFill>
-                    <a:schemeClr val="tx1"/>
-                  </a:solidFill>
-                  <a:latin typeface="+mn-lt"/>
-                  <a:ea typeface="+mn-ea"/>
-                  <a:cs typeface="+mn-cs"/>
-                </a:defRPr>
-              </a:lvl1pPr>
-              <a:lvl2pPr marL="457200" algn="l" defTabSz="914400" rtl="0" eaLnBrk="1" latinLnBrk="0" hangingPunct="1">
-                <a:defRPr sz="1800" kern="1200">
-                  <a:solidFill>
-                    <a:schemeClr val="tx1"/>
-                  </a:solidFill>
-                  <a:latin typeface="+mn-lt"/>
-                  <a:ea typeface="+mn-ea"/>
-                  <a:cs typeface="+mn-cs"/>
-                </a:defRPr>
-              </a:lvl2pPr>
-              <a:lvl3pPr marL="914400" algn="l" defTabSz="914400" rtl="0" eaLnBrk="1" latinLnBrk="0" hangingPunct="1">
-                <a:defRPr sz="1800" kern="1200">
-                  <a:solidFill>
-                    <a:schemeClr val="tx1"/>
-                  </a:solidFill>
-                  <a:latin typeface="+mn-lt"/>
-                  <a:ea typeface="+mn-ea"/>
-                  <a:cs typeface="+mn-cs"/>
-                </a:defRPr>
-              </a:lvl3pPr>
-              <a:lvl4pPr marL="1371600" algn="l" defTabSz="914400" rtl="0" eaLnBrk="1" latinLnBrk="0" hangingPunct="1">
-                <a:defRPr sz="1800" kern="1200">
-                  <a:solidFill>
-                    <a:schemeClr val="tx1"/>
-                  </a:solidFill>
-                  <a:latin typeface="+mn-lt"/>
-                  <a:ea typeface="+mn-ea"/>
-                  <a:cs typeface="+mn-cs"/>
-                </a:defRPr>
-              </a:lvl4pPr>
-              <a:lvl5pPr marL="1828800" algn="l" defTabSz="914400" rtl="0" eaLnBrk="1" latinLnBrk="0" hangingPunct="1">
-                <a:defRPr sz="1800" kern="1200">
-                  <a:solidFill>
-                    <a:schemeClr val="tx1"/>
-                  </a:solidFill>
-                  <a:latin typeface="+mn-lt"/>
-                  <a:ea typeface="+mn-ea"/>
-                  <a:cs typeface="+mn-cs"/>
-                </a:defRPr>
-              </a:lvl5pPr>
-              <a:lvl6pPr marL="2286000" algn="l" defTabSz="914400" rtl="0" eaLnBrk="1" latinLnBrk="0" hangingPunct="1">
-                <a:defRPr sz="1800" kern="1200">
-                  <a:solidFill>
-                    <a:schemeClr val="tx1"/>
-                  </a:solidFill>
-                  <a:latin typeface="+mn-lt"/>
-                  <a:ea typeface="+mn-ea"/>
-                  <a:cs typeface="+mn-cs"/>
-                </a:defRPr>
-              </a:lvl6pPr>
-              <a:lvl7pPr marL="2743200" algn="l" defTabSz="914400" rtl="0" eaLnBrk="1" latinLnBrk="0" hangingPunct="1">
-                <a:defRPr sz="1800" kern="1200">
-                  <a:solidFill>
-                    <a:schemeClr val="tx1"/>
-                  </a:solidFill>
-                  <a:latin typeface="+mn-lt"/>
-                  <a:ea typeface="+mn-ea"/>
-                  <a:cs typeface="+mn-cs"/>
-                </a:defRPr>
-              </a:lvl7pPr>
-              <a:lvl8pPr marL="3200400" algn="l" defTabSz="914400" rtl="0" eaLnBrk="1" latinLnBrk="0" hangingPunct="1">
-                <a:defRPr sz="1800" kern="1200">
-                  <a:solidFill>
-                    <a:schemeClr val="tx1"/>
-                  </a:solidFill>
-                  <a:latin typeface="+mn-lt"/>
-                  <a:ea typeface="+mn-ea"/>
-                  <a:cs typeface="+mn-cs"/>
-                </a:defRPr>
-              </a:lvl8pPr>
-              <a:lvl9pPr marL="3657600" algn="l" defTabSz="914400" rtl="0" eaLnBrk="1" latinLnBrk="0" hangingPunct="1">
-                <a:defRPr sz="1800" kern="1200">
-                  <a:solidFill>
-                    <a:schemeClr val="tx1"/>
-                  </a:solidFill>
-                  <a:latin typeface="+mn-lt"/>
-                  <a:ea typeface="+mn-ea"/>
-                  <a:cs typeface="+mn-cs"/>
-                </a:defRPr>
-              </a:lvl9pPr>
-            </a:lstStyle>
-            <a:p>
-              <a:pPr algn="ctr">
-                <a:lnSpc>
-                  <a:spcPct val="115000"/>
-                </a:lnSpc>
-                <a:spcAft>
-                  <a:spcPts val="1000"/>
-                </a:spcAft>
-              </a:pPr>
-              <a:r>
-                <a:rPr lang="en-US" sz="1000" dirty="0">
-                  <a:solidFill>
-                    <a:srgbClr val="000000"/>
-                  </a:solidFill>
-                  <a:effectLst/>
-                  <a:latin typeface="Arial"/>
-                  <a:ea typeface="Calibri"/>
-                  <a:cs typeface="Times New Roman"/>
-                </a:rPr>
-                <a:t>Cancel</a:t>
-              </a:r>
-              <a:endParaRPr lang="en-US" sz="1000" dirty="0">
-                <a:effectLst/>
-                <a:latin typeface="Times New Roman"/>
-                <a:ea typeface="Times New Roman"/>
-              </a:endParaRPr>
-            </a:p>
-          </p:txBody>
-        </p:sp>
-        <p:sp>
-          <p:nvSpPr>
             <p:cNvPr id="48" name="Text Box 2"/>
             <p:cNvSpPr txBox="1">
               <a:spLocks noChangeArrowheads="1"/>
@@ -7460,7 +7457,7 @@
           </p:nvSpPr>
           <p:spPr bwMode="auto">
             <a:xfrm>
-              <a:off x="2479803" y="2460258"/>
+              <a:off x="6051083" y="1884194"/>
               <a:ext cx="1959829" cy="623248"/>
             </a:xfrm>
             <a:prstGeom prst="rect">
@@ -7632,173 +7629,6 @@
             </a:p>
           </p:txBody>
         </p:sp>
-        <p:sp>
-          <p:nvSpPr>
-            <p:cNvPr id="49" name="Bevel 48"/>
-            <p:cNvSpPr>
-              <a:spLocks/>
-            </p:cNvSpPr>
-            <p:nvPr/>
-          </p:nvSpPr>
-          <p:spPr>
-            <a:xfrm>
-              <a:off x="2699792" y="3345949"/>
-              <a:ext cx="637200" cy="236299"/>
-            </a:xfrm>
-            <a:prstGeom prst="bevel">
-              <a:avLst>
-                <a:gd name="adj" fmla="val 14066"/>
-              </a:avLst>
-            </a:prstGeom>
-            <a:solidFill>
-              <a:schemeClr val="accent2">
-                <a:lumMod val="60000"/>
-                <a:lumOff val="40000"/>
-              </a:schemeClr>
-            </a:solidFill>
-            <a:ln w="6350" cap="flat" cmpd="sng" algn="ctr">
-              <a:solidFill>
-                <a:sysClr val="windowText" lastClr="000000">
-                  <a:lumMod val="50000"/>
-                  <a:lumOff val="50000"/>
-                </a:sysClr>
-              </a:solidFill>
-              <a:prstDash val="solid"/>
-            </a:ln>
-            <a:effectLst/>
-          </p:spPr>
-          <p:txBody>
-            <a:bodyPr rot="0" spcFirstLastPara="0" vert="horz" wrap="square" lIns="0" tIns="0" rIns="0" bIns="0" numCol="1" spcCol="0" rtlCol="0" fromWordArt="0" anchor="ctr" anchorCtr="0" forceAA="0" compatLnSpc="1">
-              <a:prstTxWarp prst="textNoShape">
-                <a:avLst/>
-              </a:prstTxWarp>
-              <a:noAutofit/>
-            </a:bodyPr>
-            <a:lstStyle>
-              <a:defPPr>
-                <a:defRPr lang="en-US"/>
-              </a:defPPr>
-              <a:lvl1pPr marL="0" algn="l" defTabSz="914400" rtl="0" eaLnBrk="1" latinLnBrk="0" hangingPunct="1">
-                <a:defRPr sz="1800" kern="1200">
-                  <a:solidFill>
-                    <a:schemeClr val="tx1"/>
-                  </a:solidFill>
-                  <a:latin typeface="+mn-lt"/>
-                  <a:ea typeface="+mn-ea"/>
-                  <a:cs typeface="+mn-cs"/>
-                </a:defRPr>
-              </a:lvl1pPr>
-              <a:lvl2pPr marL="457200" algn="l" defTabSz="914400" rtl="0" eaLnBrk="1" latinLnBrk="0" hangingPunct="1">
-                <a:defRPr sz="1800" kern="1200">
-                  <a:solidFill>
-                    <a:schemeClr val="tx1"/>
-                  </a:solidFill>
-                  <a:latin typeface="+mn-lt"/>
-                  <a:ea typeface="+mn-ea"/>
-                  <a:cs typeface="+mn-cs"/>
-                </a:defRPr>
-              </a:lvl2pPr>
-              <a:lvl3pPr marL="914400" algn="l" defTabSz="914400" rtl="0" eaLnBrk="1" latinLnBrk="0" hangingPunct="1">
-                <a:defRPr sz="1800" kern="1200">
-                  <a:solidFill>
-                    <a:schemeClr val="tx1"/>
-                  </a:solidFill>
-                  <a:latin typeface="+mn-lt"/>
-                  <a:ea typeface="+mn-ea"/>
-                  <a:cs typeface="+mn-cs"/>
-                </a:defRPr>
-              </a:lvl3pPr>
-              <a:lvl4pPr marL="1371600" algn="l" defTabSz="914400" rtl="0" eaLnBrk="1" latinLnBrk="0" hangingPunct="1">
-                <a:defRPr sz="1800" kern="1200">
-                  <a:solidFill>
-                    <a:schemeClr val="tx1"/>
-                  </a:solidFill>
-                  <a:latin typeface="+mn-lt"/>
-                  <a:ea typeface="+mn-ea"/>
-                  <a:cs typeface="+mn-cs"/>
-                </a:defRPr>
-              </a:lvl4pPr>
-              <a:lvl5pPr marL="1828800" algn="l" defTabSz="914400" rtl="0" eaLnBrk="1" latinLnBrk="0" hangingPunct="1">
-                <a:defRPr sz="1800" kern="1200">
-                  <a:solidFill>
-                    <a:schemeClr val="tx1"/>
-                  </a:solidFill>
-                  <a:latin typeface="+mn-lt"/>
-                  <a:ea typeface="+mn-ea"/>
-                  <a:cs typeface="+mn-cs"/>
-                </a:defRPr>
-              </a:lvl5pPr>
-              <a:lvl6pPr marL="2286000" algn="l" defTabSz="914400" rtl="0" eaLnBrk="1" latinLnBrk="0" hangingPunct="1">
-                <a:defRPr sz="1800" kern="1200">
-                  <a:solidFill>
-                    <a:schemeClr val="tx1"/>
-                  </a:solidFill>
-                  <a:latin typeface="+mn-lt"/>
-                  <a:ea typeface="+mn-ea"/>
-                  <a:cs typeface="+mn-cs"/>
-                </a:defRPr>
-              </a:lvl6pPr>
-              <a:lvl7pPr marL="2743200" algn="l" defTabSz="914400" rtl="0" eaLnBrk="1" latinLnBrk="0" hangingPunct="1">
-                <a:defRPr sz="1800" kern="1200">
-                  <a:solidFill>
-                    <a:schemeClr val="tx1"/>
-                  </a:solidFill>
-                  <a:latin typeface="+mn-lt"/>
-                  <a:ea typeface="+mn-ea"/>
-                  <a:cs typeface="+mn-cs"/>
-                </a:defRPr>
-              </a:lvl7pPr>
-              <a:lvl8pPr marL="3200400" algn="l" defTabSz="914400" rtl="0" eaLnBrk="1" latinLnBrk="0" hangingPunct="1">
-                <a:defRPr sz="1800" kern="1200">
-                  <a:solidFill>
-                    <a:schemeClr val="tx1"/>
-                  </a:solidFill>
-                  <a:latin typeface="+mn-lt"/>
-                  <a:ea typeface="+mn-ea"/>
-                  <a:cs typeface="+mn-cs"/>
-                </a:defRPr>
-              </a:lvl8pPr>
-              <a:lvl9pPr marL="3657600" algn="l" defTabSz="914400" rtl="0" eaLnBrk="1" latinLnBrk="0" hangingPunct="1">
-                <a:defRPr sz="1800" kern="1200">
-                  <a:solidFill>
-                    <a:schemeClr val="tx1"/>
-                  </a:solidFill>
-                  <a:latin typeface="+mn-lt"/>
-                  <a:ea typeface="+mn-ea"/>
-                  <a:cs typeface="+mn-cs"/>
-                </a:defRPr>
-              </a:lvl9pPr>
-            </a:lstStyle>
-            <a:p>
-              <a:pPr algn="ctr">
-                <a:lnSpc>
-                  <a:spcPct val="115000"/>
-                </a:lnSpc>
-                <a:spcAft>
-                  <a:spcPts val="1000"/>
-                </a:spcAft>
-              </a:pPr>
-              <a:r>
-                <a:rPr lang="en-US" sz="1000" dirty="0" smtClean="0">
-                  <a:solidFill>
-                    <a:srgbClr val="000000"/>
-                  </a:solidFill>
-                  <a:effectLst/>
-                  <a:latin typeface="Arial"/>
-                  <a:ea typeface="Calibri"/>
-                  <a:cs typeface="Times New Roman"/>
-                </a:rPr>
-                <a:t>Block</a:t>
-              </a:r>
-              <a:endParaRPr lang="en-US" sz="1000" dirty="0">
-                <a:effectLst/>
-                <a:latin typeface="Calibri"/>
-                <a:ea typeface="Calibri"/>
-                <a:cs typeface="Times New Roman"/>
-              </a:endParaRPr>
-            </a:p>
-          </p:txBody>
-        </p:sp>
         <p:pic>
           <p:nvPicPr>
             <p:cNvPr id="50" name="Picture 49"/>
@@ -7821,7 +7651,7 @@
           </p:blipFill>
           <p:spPr>
             <a:xfrm flipH="1">
-              <a:off x="1399683" y="2579450"/>
+              <a:off x="4970963" y="2003386"/>
               <a:ext cx="966601" cy="847172"/>
             </a:xfrm>
             <a:prstGeom prst="rect">
@@ -7829,310 +7659,521 @@
             </a:prstGeom>
           </p:spPr>
         </p:pic>
-      </p:grpSp>
-      <p:sp>
-        <p:nvSpPr>
-          <p:cNvPr id="51" name="TextBox 50"/>
-          <p:cNvSpPr txBox="1"/>
-          <p:nvPr/>
-        </p:nvSpPr>
-        <p:spPr>
-          <a:xfrm>
-            <a:off x="5312638" y="980728"/>
-            <a:ext cx="2690544" cy="400110"/>
-          </a:xfrm>
-          <a:prstGeom prst="rect">
-            <a:avLst/>
-          </a:prstGeom>
-          <a:noFill/>
-        </p:spPr>
-        <p:txBody>
-          <a:bodyPr wrap="none" rtlCol="0">
-            <a:spAutoFit/>
-          </a:bodyPr>
-          <a:lstStyle/>
-          <a:p>
-            <a:pPr algn="ctr"/>
-            <a:r>
-              <a:rPr lang="en-US" sz="2000" dirty="0" smtClean="0">
-                <a:latin typeface="Times New Roman" panose="02020603050405020304" pitchFamily="18" charset="0"/>
-                <a:cs typeface="Times New Roman" panose="02020603050405020304" pitchFamily="18" charset="0"/>
-              </a:rPr>
-              <a:t>PKCS #11 Level Access</a:t>
-            </a:r>
-            <a:endParaRPr lang="en-US" sz="2000" dirty="0">
-              <a:latin typeface="Times New Roman" panose="02020603050405020304" pitchFamily="18" charset="0"/>
-              <a:cs typeface="Times New Roman" panose="02020603050405020304" pitchFamily="18" charset="0"/>
-            </a:endParaRPr>
-          </a:p>
-        </p:txBody>
-      </p:sp>
-      <p:sp>
-        <p:nvSpPr>
-          <p:cNvPr id="52" name="TextBox 51"/>
-          <p:cNvSpPr txBox="1"/>
-          <p:nvPr/>
-        </p:nvSpPr>
-        <p:spPr>
-          <a:xfrm>
-            <a:off x="3868420" y="4293096"/>
-            <a:ext cx="1351652" cy="400110"/>
-          </a:xfrm>
-          <a:prstGeom prst="rect">
-            <a:avLst/>
-          </a:prstGeom>
-          <a:noFill/>
-        </p:spPr>
-        <p:txBody>
-          <a:bodyPr wrap="none" rtlCol="0">
-            <a:spAutoFit/>
-          </a:bodyPr>
-          <a:lstStyle/>
-          <a:p>
-            <a:pPr algn="ctr"/>
-            <a:r>
-              <a:rPr lang="en-US" sz="2000" dirty="0" smtClean="0">
-                <a:latin typeface="Times New Roman" panose="02020603050405020304" pitchFamily="18" charset="0"/>
-                <a:cs typeface="Times New Roman" panose="02020603050405020304" pitchFamily="18" charset="0"/>
-              </a:rPr>
-              <a:t>Conclusion</a:t>
-            </a:r>
-            <a:endParaRPr lang="en-US" sz="2000" dirty="0">
-              <a:latin typeface="Times New Roman" panose="02020603050405020304" pitchFamily="18" charset="0"/>
-              <a:cs typeface="Times New Roman" panose="02020603050405020304" pitchFamily="18" charset="0"/>
-            </a:endParaRPr>
-          </a:p>
-        </p:txBody>
-      </p:sp>
-      <p:sp>
-        <p:nvSpPr>
-          <p:cNvPr id="53" name="Rectangle 52"/>
-          <p:cNvSpPr/>
-          <p:nvPr/>
-        </p:nvSpPr>
-        <p:spPr>
-          <a:xfrm>
-            <a:off x="251520" y="4797152"/>
-            <a:ext cx="8568952" cy="1553484"/>
-          </a:xfrm>
-          <a:prstGeom prst="rect">
-            <a:avLst/>
-          </a:prstGeom>
-          <a:solidFill>
-            <a:schemeClr val="bg1"/>
-          </a:solidFill>
-          <a:ln w="6350">
+        <p:sp>
+          <p:nvSpPr>
+            <p:cNvPr id="30" name="Rounded Rectangle 29"/>
+            <p:cNvSpPr>
+              <a:spLocks/>
+            </p:cNvSpPr>
+            <p:nvPr/>
+          </p:nvSpPr>
+          <p:spPr>
+            <a:xfrm>
+              <a:off x="7229696" y="2775104"/>
+              <a:ext cx="637200" cy="236299"/>
+            </a:xfrm>
+            <a:prstGeom prst="roundRect">
+              <a:avLst/>
+            </a:prstGeom>
             <a:solidFill>
-              <a:schemeClr val="bg1">
-                <a:lumMod val="65000"/>
+              <a:schemeClr val="accent3">
+                <a:lumMod val="60000"/>
+                <a:lumOff val="40000"/>
               </a:schemeClr>
             </a:solidFill>
-          </a:ln>
-          <a:effectLst>
-            <a:outerShdw blurRad="50800" dist="38100" dir="2700000" algn="tl" rotWithShape="0">
-              <a:prstClr val="black">
-                <a:alpha val="40000"/>
-              </a:prstClr>
-            </a:outerShdw>
-          </a:effectLst>
-        </p:spPr>
-        <p:style>
-          <a:lnRef idx="2">
-            <a:schemeClr val="accent1">
-              <a:shade val="50000"/>
-            </a:schemeClr>
-          </a:lnRef>
-          <a:fillRef idx="1">
-            <a:schemeClr val="accent1"/>
-          </a:fillRef>
-          <a:effectRef idx="0">
-            <a:schemeClr val="accent1"/>
-          </a:effectRef>
-          <a:fontRef idx="minor">
-            <a:schemeClr val="lt1"/>
-          </a:fontRef>
-        </p:style>
-        <p:txBody>
-          <a:bodyPr rot="0" spcFirstLastPara="0" vertOverflow="overflow" horzOverflow="overflow" vert="horz" wrap="square" lIns="144000" tIns="72000" rIns="91440" bIns="72000" numCol="1" spcCol="0" rtlCol="0" fromWordArt="0" anchor="ctr" anchorCtr="0" forceAA="0" compatLnSpc="1">
-            <a:prstTxWarp prst="textNoShape">
+            <a:ln w="6350" cap="flat" cmpd="sng" algn="ctr">
+              <a:solidFill>
+                <a:sysClr val="windowText" lastClr="000000">
+                  <a:lumMod val="50000"/>
+                  <a:lumOff val="50000"/>
+                </a:sysClr>
+              </a:solidFill>
+              <a:prstDash val="solid"/>
+            </a:ln>
+            <a:effectLst/>
+            <a:scene3d>
+              <a:camera prst="orthographicFront"/>
+              <a:lightRig rig="threePt" dir="t"/>
+            </a:scene3d>
+            <a:sp3d>
+              <a:bevelT w="57150" h="57150"/>
+            </a:sp3d>
+          </p:spPr>
+          <p:txBody>
+            <a:bodyPr rot="0" spcFirstLastPara="0" vert="horz" wrap="square" lIns="0" tIns="0" rIns="0" bIns="0" numCol="1" spcCol="0" rtlCol="0" fromWordArt="0" anchor="ctr" anchorCtr="0" forceAA="0" compatLnSpc="1">
+              <a:prstTxWarp prst="textNoShape">
+                <a:avLst/>
+              </a:prstTxWarp>
+              <a:noAutofit/>
+            </a:bodyPr>
+            <a:lstStyle>
+              <a:defPPr>
+                <a:defRPr lang="en-US"/>
+              </a:defPPr>
+              <a:lvl1pPr marL="0" algn="l" defTabSz="914400" rtl="0" eaLnBrk="1" latinLnBrk="0" hangingPunct="1">
+                <a:defRPr sz="1800" kern="1200">
+                  <a:solidFill>
+                    <a:schemeClr val="tx1"/>
+                  </a:solidFill>
+                  <a:latin typeface="+mn-lt"/>
+                  <a:ea typeface="+mn-ea"/>
+                  <a:cs typeface="+mn-cs"/>
+                </a:defRPr>
+              </a:lvl1pPr>
+              <a:lvl2pPr marL="457200" algn="l" defTabSz="914400" rtl="0" eaLnBrk="1" latinLnBrk="0" hangingPunct="1">
+                <a:defRPr sz="1800" kern="1200">
+                  <a:solidFill>
+                    <a:schemeClr val="tx1"/>
+                  </a:solidFill>
+                  <a:latin typeface="+mn-lt"/>
+                  <a:ea typeface="+mn-ea"/>
+                  <a:cs typeface="+mn-cs"/>
+                </a:defRPr>
+              </a:lvl2pPr>
+              <a:lvl3pPr marL="914400" algn="l" defTabSz="914400" rtl="0" eaLnBrk="1" latinLnBrk="0" hangingPunct="1">
+                <a:defRPr sz="1800" kern="1200">
+                  <a:solidFill>
+                    <a:schemeClr val="tx1"/>
+                  </a:solidFill>
+                  <a:latin typeface="+mn-lt"/>
+                  <a:ea typeface="+mn-ea"/>
+                  <a:cs typeface="+mn-cs"/>
+                </a:defRPr>
+              </a:lvl3pPr>
+              <a:lvl4pPr marL="1371600" algn="l" defTabSz="914400" rtl="0" eaLnBrk="1" latinLnBrk="0" hangingPunct="1">
+                <a:defRPr sz="1800" kern="1200">
+                  <a:solidFill>
+                    <a:schemeClr val="tx1"/>
+                  </a:solidFill>
+                  <a:latin typeface="+mn-lt"/>
+                  <a:ea typeface="+mn-ea"/>
+                  <a:cs typeface="+mn-cs"/>
+                </a:defRPr>
+              </a:lvl4pPr>
+              <a:lvl5pPr marL="1828800" algn="l" defTabSz="914400" rtl="0" eaLnBrk="1" latinLnBrk="0" hangingPunct="1">
+                <a:defRPr sz="1800" kern="1200">
+                  <a:solidFill>
+                    <a:schemeClr val="tx1"/>
+                  </a:solidFill>
+                  <a:latin typeface="+mn-lt"/>
+                  <a:ea typeface="+mn-ea"/>
+                  <a:cs typeface="+mn-cs"/>
+                </a:defRPr>
+              </a:lvl5pPr>
+              <a:lvl6pPr marL="2286000" algn="l" defTabSz="914400" rtl="0" eaLnBrk="1" latinLnBrk="0" hangingPunct="1">
+                <a:defRPr sz="1800" kern="1200">
+                  <a:solidFill>
+                    <a:schemeClr val="tx1"/>
+                  </a:solidFill>
+                  <a:latin typeface="+mn-lt"/>
+                  <a:ea typeface="+mn-ea"/>
+                  <a:cs typeface="+mn-cs"/>
+                </a:defRPr>
+              </a:lvl6pPr>
+              <a:lvl7pPr marL="2743200" algn="l" defTabSz="914400" rtl="0" eaLnBrk="1" latinLnBrk="0" hangingPunct="1">
+                <a:defRPr sz="1800" kern="1200">
+                  <a:solidFill>
+                    <a:schemeClr val="tx1"/>
+                  </a:solidFill>
+                  <a:latin typeface="+mn-lt"/>
+                  <a:ea typeface="+mn-ea"/>
+                  <a:cs typeface="+mn-cs"/>
+                </a:defRPr>
+              </a:lvl7pPr>
+              <a:lvl8pPr marL="3200400" algn="l" defTabSz="914400" rtl="0" eaLnBrk="1" latinLnBrk="0" hangingPunct="1">
+                <a:defRPr sz="1800" kern="1200">
+                  <a:solidFill>
+                    <a:schemeClr val="tx1"/>
+                  </a:solidFill>
+                  <a:latin typeface="+mn-lt"/>
+                  <a:ea typeface="+mn-ea"/>
+                  <a:cs typeface="+mn-cs"/>
+                </a:defRPr>
+              </a:lvl8pPr>
+              <a:lvl9pPr marL="3657600" algn="l" defTabSz="914400" rtl="0" eaLnBrk="1" latinLnBrk="0" hangingPunct="1">
+                <a:defRPr sz="1800" kern="1200">
+                  <a:solidFill>
+                    <a:schemeClr val="tx1"/>
+                  </a:solidFill>
+                  <a:latin typeface="+mn-lt"/>
+                  <a:ea typeface="+mn-ea"/>
+                  <a:cs typeface="+mn-cs"/>
+                </a:defRPr>
+              </a:lvl9pPr>
+            </a:lstStyle>
+            <a:p>
+              <a:pPr algn="ctr">
+                <a:lnSpc>
+                  <a:spcPct val="115000"/>
+                </a:lnSpc>
+                <a:spcAft>
+                  <a:spcPts val="1000"/>
+                </a:spcAft>
+              </a:pPr>
+              <a:r>
+                <a:rPr lang="en-US" sz="1000" dirty="0">
+                  <a:solidFill>
+                    <a:srgbClr val="000000"/>
+                  </a:solidFill>
+                  <a:effectLst/>
+                  <a:latin typeface="Arial"/>
+                  <a:ea typeface="Calibri"/>
+                  <a:cs typeface="Times New Roman"/>
+                </a:rPr>
+                <a:t>OK</a:t>
+              </a:r>
+              <a:endParaRPr lang="en-US" sz="1000" dirty="0">
+                <a:effectLst/>
+                <a:latin typeface="Calibri"/>
+                <a:ea typeface="Calibri"/>
+                <a:cs typeface="Times New Roman"/>
+              </a:endParaRPr>
+            </a:p>
+          </p:txBody>
+        </p:sp>
+        <p:sp>
+          <p:nvSpPr>
+            <p:cNvPr id="31" name="Rounded Rectangle 30"/>
+            <p:cNvSpPr>
+              <a:spLocks/>
+            </p:cNvSpPr>
+            <p:nvPr/>
+          </p:nvSpPr>
+          <p:spPr>
+            <a:xfrm>
+              <a:off x="5461804" y="2776931"/>
+              <a:ext cx="637287" cy="232645"/>
+            </a:xfrm>
+            <a:prstGeom prst="roundRect">
               <a:avLst/>
-            </a:prstTxWarp>
-            <a:spAutoFit/>
-          </a:bodyPr>
-          <a:lstStyle/>
-          <a:p>
-            <a:pPr>
-              <a:spcBef>
-                <a:spcPts val="300"/>
-              </a:spcBef>
-            </a:pPr>
-            <a:r>
-              <a:rPr lang="en-US" sz="1200" dirty="0" smtClean="0">
-                <a:solidFill>
-                  <a:schemeClr val="tx1"/>
-                </a:solidFill>
-                <a:latin typeface="Arial" panose="020B0604020202020204" pitchFamily="34" charset="0"/>
-                <a:cs typeface="Arial" panose="020B0604020202020204" pitchFamily="34" charset="0"/>
-              </a:rPr>
-              <a:t>Permissions are fine for things that ordinary users can understand like “Your </a:t>
-            </a:r>
-            <a:r>
-              <a:rPr lang="en-US" sz="1200" dirty="0">
-                <a:solidFill>
-                  <a:schemeClr val="tx1"/>
-                </a:solidFill>
-                <a:latin typeface="Arial" panose="020B0604020202020204" pitchFamily="34" charset="0"/>
-                <a:cs typeface="Arial" panose="020B0604020202020204" pitchFamily="34" charset="0"/>
-              </a:rPr>
-              <a:t>L</a:t>
-            </a:r>
-            <a:r>
-              <a:rPr lang="en-US" sz="1200" dirty="0" smtClean="0">
-                <a:solidFill>
-                  <a:schemeClr val="tx1"/>
-                </a:solidFill>
-                <a:latin typeface="Arial" panose="020B0604020202020204" pitchFamily="34" charset="0"/>
-                <a:cs typeface="Arial" panose="020B0604020202020204" pitchFamily="34" charset="0"/>
-              </a:rPr>
-              <a:t>ocation” but quite unsuitable for a large class of sensitive system APIs and associated user data which in the native world always are dealt with as a part of a packaged application.  The next page outlines a possible way to “emulate” this functionality in the Open Web.   The primary goals are:</a:t>
-            </a:r>
-          </a:p>
-          <a:p>
-            <a:pPr marL="171450" indent="-171450">
-              <a:spcBef>
-                <a:spcPts val="300"/>
-              </a:spcBef>
-              <a:buFont typeface="Arial" panose="020B0604020202020204" pitchFamily="34" charset="0"/>
-              <a:buChar char="•"/>
-            </a:pPr>
-            <a:r>
-              <a:rPr lang="en-US" sz="1200" dirty="0" smtClean="0">
-                <a:solidFill>
-                  <a:schemeClr val="tx1"/>
-                </a:solidFill>
-                <a:latin typeface="Arial" panose="020B0604020202020204" pitchFamily="34" charset="0"/>
-                <a:cs typeface="Arial" panose="020B0604020202020204" pitchFamily="34" charset="0"/>
-              </a:rPr>
-              <a:t>Limiting direct access to sensitive APIs </a:t>
-            </a:r>
-            <a:r>
-              <a:rPr lang="en-US" sz="1200" i="1" dirty="0" smtClean="0">
-                <a:solidFill>
-                  <a:schemeClr val="tx1"/>
-                </a:solidFill>
-                <a:latin typeface="Arial" panose="020B0604020202020204" pitchFamily="34" charset="0"/>
-                <a:cs typeface="Arial" panose="020B0604020202020204" pitchFamily="34" charset="0"/>
-              </a:rPr>
-              <a:t>by untrusted web-code</a:t>
-            </a:r>
-          </a:p>
-          <a:p>
-            <a:pPr marL="171450" indent="-171450">
-              <a:spcBef>
-                <a:spcPts val="300"/>
-              </a:spcBef>
-              <a:buFont typeface="Arial" panose="020B0604020202020204" pitchFamily="34" charset="0"/>
-              <a:buChar char="•"/>
-            </a:pPr>
-            <a:r>
-              <a:rPr lang="en-US" sz="1200" dirty="0" smtClean="0">
-                <a:solidFill>
-                  <a:schemeClr val="tx1"/>
-                </a:solidFill>
-                <a:latin typeface="Arial" panose="020B0604020202020204" pitchFamily="34" charset="0"/>
-                <a:cs typeface="Arial" panose="020B0604020202020204" pitchFamily="34" charset="0"/>
-              </a:rPr>
-              <a:t>Supporting high-level </a:t>
-            </a:r>
-            <a:r>
-              <a:rPr lang="en-US" sz="1200" i="1" dirty="0" smtClean="0">
-                <a:solidFill>
-                  <a:schemeClr val="tx1"/>
-                </a:solidFill>
-                <a:latin typeface="Arial" panose="020B0604020202020204" pitchFamily="34" charset="0"/>
-                <a:cs typeface="Arial" panose="020B0604020202020204" pitchFamily="34" charset="0"/>
-              </a:rPr>
-              <a:t>service-oriented</a:t>
-            </a:r>
-            <a:r>
-              <a:rPr lang="en-US" sz="1200" dirty="0" smtClean="0">
-                <a:solidFill>
-                  <a:schemeClr val="tx1"/>
-                </a:solidFill>
-                <a:latin typeface="Arial" panose="020B0604020202020204" pitchFamily="34" charset="0"/>
-                <a:cs typeface="Arial" panose="020B0604020202020204" pitchFamily="34" charset="0"/>
-              </a:rPr>
-              <a:t> schemes to </a:t>
-            </a:r>
-            <a:r>
-              <a:rPr lang="en-US" sz="1200" smtClean="0">
-                <a:solidFill>
-                  <a:schemeClr val="tx1"/>
-                </a:solidFill>
-                <a:latin typeface="Arial" panose="020B0604020202020204" pitchFamily="34" charset="0"/>
-                <a:cs typeface="Arial" panose="020B0604020202020204" pitchFamily="34" charset="0"/>
-              </a:rPr>
-              <a:t>make web-applications </a:t>
-            </a:r>
-            <a:r>
-              <a:rPr lang="en-US" sz="1200" dirty="0" smtClean="0">
-                <a:solidFill>
-                  <a:schemeClr val="tx1"/>
-                </a:solidFill>
-                <a:latin typeface="Arial" panose="020B0604020202020204" pitchFamily="34" charset="0"/>
-                <a:cs typeface="Arial" panose="020B0604020202020204" pitchFamily="34" charset="0"/>
-              </a:rPr>
-              <a:t>less dependent on variations in platform APIs and architectures</a:t>
-            </a:r>
-          </a:p>
-          <a:p>
-            <a:pPr marL="171450" indent="-171450">
-              <a:spcBef>
-                <a:spcPts val="300"/>
-              </a:spcBef>
-              <a:buFont typeface="Arial" panose="020B0604020202020204" pitchFamily="34" charset="0"/>
-              <a:buChar char="•"/>
-            </a:pPr>
-            <a:r>
-              <a:rPr lang="en-US" sz="1200" dirty="0" smtClean="0">
-                <a:solidFill>
-                  <a:schemeClr val="tx1"/>
-                </a:solidFill>
-                <a:latin typeface="Arial" panose="020B0604020202020204" pitchFamily="34" charset="0"/>
-                <a:cs typeface="Arial" panose="020B0604020202020204" pitchFamily="34" charset="0"/>
-              </a:rPr>
-              <a:t>Providing </a:t>
-            </a:r>
-            <a:r>
-              <a:rPr lang="en-US" sz="1200" i="1" dirty="0" smtClean="0">
-                <a:solidFill>
-                  <a:schemeClr val="tx1"/>
-                </a:solidFill>
-                <a:latin typeface="Arial" panose="020B0604020202020204" pitchFamily="34" charset="0"/>
-                <a:cs typeface="Arial" panose="020B0604020202020204" pitchFamily="34" charset="0"/>
-              </a:rPr>
-              <a:t>meaningful</a:t>
-            </a:r>
-            <a:r>
-              <a:rPr lang="en-US" sz="1200" dirty="0" smtClean="0">
-                <a:solidFill>
-                  <a:schemeClr val="tx1"/>
-                </a:solidFill>
-                <a:latin typeface="Arial" panose="020B0604020202020204" pitchFamily="34" charset="0"/>
-                <a:cs typeface="Arial" panose="020B0604020202020204" pitchFamily="34" charset="0"/>
-              </a:rPr>
-              <a:t> information to users</a:t>
-            </a:r>
-            <a:endParaRPr lang="en-US" sz="1200" b="1" dirty="0" smtClean="0">
+            </a:prstGeom>
+            <a:solidFill>
+              <a:sysClr val="window" lastClr="FFFFFF">
+                <a:lumMod val="95000"/>
+              </a:sysClr>
+            </a:solidFill>
+            <a:ln w="6350" cap="flat" cmpd="sng" algn="ctr">
               <a:solidFill>
-                <a:schemeClr val="tx1"/>
+                <a:sysClr val="windowText" lastClr="000000">
+                  <a:lumMod val="50000"/>
+                  <a:lumOff val="50000"/>
+                </a:sysClr>
               </a:solidFill>
-              <a:latin typeface="Courier New" panose="02070309020205020404" pitchFamily="49" charset="0"/>
-              <a:cs typeface="Courier New" panose="02070309020205020404" pitchFamily="49" charset="0"/>
-            </a:endParaRPr>
-          </a:p>
-        </p:txBody>
-      </p:sp>
+              <a:prstDash val="solid"/>
+            </a:ln>
+            <a:effectLst/>
+            <a:scene3d>
+              <a:camera prst="orthographicFront"/>
+              <a:lightRig rig="threePt" dir="t"/>
+            </a:scene3d>
+            <a:sp3d>
+              <a:bevelT w="57150" h="57150"/>
+            </a:sp3d>
+          </p:spPr>
+          <p:txBody>
+            <a:bodyPr rot="0" spcFirstLastPara="0" vert="horz" wrap="square" lIns="0" tIns="0" rIns="0" bIns="0" numCol="1" spcCol="0" rtlCol="0" fromWordArt="0" anchor="ctr" anchorCtr="0" forceAA="0" compatLnSpc="1">
+              <a:prstTxWarp prst="textNoShape">
+                <a:avLst/>
+              </a:prstTxWarp>
+              <a:noAutofit/>
+            </a:bodyPr>
+            <a:lstStyle>
+              <a:defPPr>
+                <a:defRPr lang="en-US"/>
+              </a:defPPr>
+              <a:lvl1pPr marL="0" algn="l" defTabSz="914400" rtl="0" eaLnBrk="1" latinLnBrk="0" hangingPunct="1">
+                <a:defRPr sz="1800" kern="1200">
+                  <a:solidFill>
+                    <a:schemeClr val="tx1"/>
+                  </a:solidFill>
+                  <a:latin typeface="+mn-lt"/>
+                  <a:ea typeface="+mn-ea"/>
+                  <a:cs typeface="+mn-cs"/>
+                </a:defRPr>
+              </a:lvl1pPr>
+              <a:lvl2pPr marL="457200" algn="l" defTabSz="914400" rtl="0" eaLnBrk="1" latinLnBrk="0" hangingPunct="1">
+                <a:defRPr sz="1800" kern="1200">
+                  <a:solidFill>
+                    <a:schemeClr val="tx1"/>
+                  </a:solidFill>
+                  <a:latin typeface="+mn-lt"/>
+                  <a:ea typeface="+mn-ea"/>
+                  <a:cs typeface="+mn-cs"/>
+                </a:defRPr>
+              </a:lvl2pPr>
+              <a:lvl3pPr marL="914400" algn="l" defTabSz="914400" rtl="0" eaLnBrk="1" latinLnBrk="0" hangingPunct="1">
+                <a:defRPr sz="1800" kern="1200">
+                  <a:solidFill>
+                    <a:schemeClr val="tx1"/>
+                  </a:solidFill>
+                  <a:latin typeface="+mn-lt"/>
+                  <a:ea typeface="+mn-ea"/>
+                  <a:cs typeface="+mn-cs"/>
+                </a:defRPr>
+              </a:lvl3pPr>
+              <a:lvl4pPr marL="1371600" algn="l" defTabSz="914400" rtl="0" eaLnBrk="1" latinLnBrk="0" hangingPunct="1">
+                <a:defRPr sz="1800" kern="1200">
+                  <a:solidFill>
+                    <a:schemeClr val="tx1"/>
+                  </a:solidFill>
+                  <a:latin typeface="+mn-lt"/>
+                  <a:ea typeface="+mn-ea"/>
+                  <a:cs typeface="+mn-cs"/>
+                </a:defRPr>
+              </a:lvl4pPr>
+              <a:lvl5pPr marL="1828800" algn="l" defTabSz="914400" rtl="0" eaLnBrk="1" latinLnBrk="0" hangingPunct="1">
+                <a:defRPr sz="1800" kern="1200">
+                  <a:solidFill>
+                    <a:schemeClr val="tx1"/>
+                  </a:solidFill>
+                  <a:latin typeface="+mn-lt"/>
+                  <a:ea typeface="+mn-ea"/>
+                  <a:cs typeface="+mn-cs"/>
+                </a:defRPr>
+              </a:lvl5pPr>
+              <a:lvl6pPr marL="2286000" algn="l" defTabSz="914400" rtl="0" eaLnBrk="1" latinLnBrk="0" hangingPunct="1">
+                <a:defRPr sz="1800" kern="1200">
+                  <a:solidFill>
+                    <a:schemeClr val="tx1"/>
+                  </a:solidFill>
+                  <a:latin typeface="+mn-lt"/>
+                  <a:ea typeface="+mn-ea"/>
+                  <a:cs typeface="+mn-cs"/>
+                </a:defRPr>
+              </a:lvl6pPr>
+              <a:lvl7pPr marL="2743200" algn="l" defTabSz="914400" rtl="0" eaLnBrk="1" latinLnBrk="0" hangingPunct="1">
+                <a:defRPr sz="1800" kern="1200">
+                  <a:solidFill>
+                    <a:schemeClr val="tx1"/>
+                  </a:solidFill>
+                  <a:latin typeface="+mn-lt"/>
+                  <a:ea typeface="+mn-ea"/>
+                  <a:cs typeface="+mn-cs"/>
+                </a:defRPr>
+              </a:lvl7pPr>
+              <a:lvl8pPr marL="3200400" algn="l" defTabSz="914400" rtl="0" eaLnBrk="1" latinLnBrk="0" hangingPunct="1">
+                <a:defRPr sz="1800" kern="1200">
+                  <a:solidFill>
+                    <a:schemeClr val="tx1"/>
+                  </a:solidFill>
+                  <a:latin typeface="+mn-lt"/>
+                  <a:ea typeface="+mn-ea"/>
+                  <a:cs typeface="+mn-cs"/>
+                </a:defRPr>
+              </a:lvl8pPr>
+              <a:lvl9pPr marL="3657600" algn="l" defTabSz="914400" rtl="0" eaLnBrk="1" latinLnBrk="0" hangingPunct="1">
+                <a:defRPr sz="1800" kern="1200">
+                  <a:solidFill>
+                    <a:schemeClr val="tx1"/>
+                  </a:solidFill>
+                  <a:latin typeface="+mn-lt"/>
+                  <a:ea typeface="+mn-ea"/>
+                  <a:cs typeface="+mn-cs"/>
+                </a:defRPr>
+              </a:lvl9pPr>
+            </a:lstStyle>
+            <a:p>
+              <a:pPr algn="ctr">
+                <a:lnSpc>
+                  <a:spcPct val="115000"/>
+                </a:lnSpc>
+                <a:spcAft>
+                  <a:spcPts val="1000"/>
+                </a:spcAft>
+              </a:pPr>
+              <a:r>
+                <a:rPr lang="en-US" sz="1000" dirty="0">
+                  <a:solidFill>
+                    <a:srgbClr val="000000"/>
+                  </a:solidFill>
+                  <a:effectLst/>
+                  <a:latin typeface="Arial"/>
+                  <a:ea typeface="Calibri"/>
+                  <a:cs typeface="Times New Roman"/>
+                </a:rPr>
+                <a:t>Cancel</a:t>
+              </a:r>
+              <a:endParaRPr lang="en-US" sz="1000" dirty="0">
+                <a:effectLst/>
+                <a:latin typeface="Times New Roman"/>
+                <a:ea typeface="Times New Roman"/>
+              </a:endParaRPr>
+            </a:p>
+          </p:txBody>
+        </p:sp>
+        <p:sp>
+          <p:nvSpPr>
+            <p:cNvPr id="33" name="Rounded Rectangle 32"/>
+            <p:cNvSpPr>
+              <a:spLocks/>
+            </p:cNvSpPr>
+            <p:nvPr/>
+          </p:nvSpPr>
+          <p:spPr>
+            <a:xfrm>
+              <a:off x="6282720" y="2775104"/>
+              <a:ext cx="637200" cy="236299"/>
+            </a:xfrm>
+            <a:prstGeom prst="roundRect">
+              <a:avLst/>
+            </a:prstGeom>
+            <a:solidFill>
+              <a:schemeClr val="accent2">
+                <a:lumMod val="60000"/>
+                <a:lumOff val="40000"/>
+              </a:schemeClr>
+            </a:solidFill>
+            <a:ln w="6350" cap="flat" cmpd="sng" algn="ctr">
+              <a:solidFill>
+                <a:sysClr val="windowText" lastClr="000000">
+                  <a:lumMod val="50000"/>
+                  <a:lumOff val="50000"/>
+                </a:sysClr>
+              </a:solidFill>
+              <a:prstDash val="solid"/>
+            </a:ln>
+            <a:effectLst/>
+            <a:scene3d>
+              <a:camera prst="orthographicFront"/>
+              <a:lightRig rig="threePt" dir="t"/>
+            </a:scene3d>
+            <a:sp3d>
+              <a:bevelT w="57150" h="57150"/>
+            </a:sp3d>
+          </p:spPr>
+          <p:txBody>
+            <a:bodyPr rot="0" spcFirstLastPara="0" vert="horz" wrap="square" lIns="0" tIns="0" rIns="0" bIns="0" numCol="1" spcCol="0" rtlCol="0" fromWordArt="0" anchor="ctr" anchorCtr="0" forceAA="0" compatLnSpc="1">
+              <a:prstTxWarp prst="textNoShape">
+                <a:avLst/>
+              </a:prstTxWarp>
+              <a:noAutofit/>
+            </a:bodyPr>
+            <a:lstStyle>
+              <a:defPPr>
+                <a:defRPr lang="en-US"/>
+              </a:defPPr>
+              <a:lvl1pPr marL="0" algn="l" defTabSz="914400" rtl="0" eaLnBrk="1" latinLnBrk="0" hangingPunct="1">
+                <a:defRPr sz="1800" kern="1200">
+                  <a:solidFill>
+                    <a:schemeClr val="tx1"/>
+                  </a:solidFill>
+                  <a:latin typeface="+mn-lt"/>
+                  <a:ea typeface="+mn-ea"/>
+                  <a:cs typeface="+mn-cs"/>
+                </a:defRPr>
+              </a:lvl1pPr>
+              <a:lvl2pPr marL="457200" algn="l" defTabSz="914400" rtl="0" eaLnBrk="1" latinLnBrk="0" hangingPunct="1">
+                <a:defRPr sz="1800" kern="1200">
+                  <a:solidFill>
+                    <a:schemeClr val="tx1"/>
+                  </a:solidFill>
+                  <a:latin typeface="+mn-lt"/>
+                  <a:ea typeface="+mn-ea"/>
+                  <a:cs typeface="+mn-cs"/>
+                </a:defRPr>
+              </a:lvl2pPr>
+              <a:lvl3pPr marL="914400" algn="l" defTabSz="914400" rtl="0" eaLnBrk="1" latinLnBrk="0" hangingPunct="1">
+                <a:defRPr sz="1800" kern="1200">
+                  <a:solidFill>
+                    <a:schemeClr val="tx1"/>
+                  </a:solidFill>
+                  <a:latin typeface="+mn-lt"/>
+                  <a:ea typeface="+mn-ea"/>
+                  <a:cs typeface="+mn-cs"/>
+                </a:defRPr>
+              </a:lvl3pPr>
+              <a:lvl4pPr marL="1371600" algn="l" defTabSz="914400" rtl="0" eaLnBrk="1" latinLnBrk="0" hangingPunct="1">
+                <a:defRPr sz="1800" kern="1200">
+                  <a:solidFill>
+                    <a:schemeClr val="tx1"/>
+                  </a:solidFill>
+                  <a:latin typeface="+mn-lt"/>
+                  <a:ea typeface="+mn-ea"/>
+                  <a:cs typeface="+mn-cs"/>
+                </a:defRPr>
+              </a:lvl4pPr>
+              <a:lvl5pPr marL="1828800" algn="l" defTabSz="914400" rtl="0" eaLnBrk="1" latinLnBrk="0" hangingPunct="1">
+                <a:defRPr sz="1800" kern="1200">
+                  <a:solidFill>
+                    <a:schemeClr val="tx1"/>
+                  </a:solidFill>
+                  <a:latin typeface="+mn-lt"/>
+                  <a:ea typeface="+mn-ea"/>
+                  <a:cs typeface="+mn-cs"/>
+                </a:defRPr>
+              </a:lvl5pPr>
+              <a:lvl6pPr marL="2286000" algn="l" defTabSz="914400" rtl="0" eaLnBrk="1" latinLnBrk="0" hangingPunct="1">
+                <a:defRPr sz="1800" kern="1200">
+                  <a:solidFill>
+                    <a:schemeClr val="tx1"/>
+                  </a:solidFill>
+                  <a:latin typeface="+mn-lt"/>
+                  <a:ea typeface="+mn-ea"/>
+                  <a:cs typeface="+mn-cs"/>
+                </a:defRPr>
+              </a:lvl6pPr>
+              <a:lvl7pPr marL="2743200" algn="l" defTabSz="914400" rtl="0" eaLnBrk="1" latinLnBrk="0" hangingPunct="1">
+                <a:defRPr sz="1800" kern="1200">
+                  <a:solidFill>
+                    <a:schemeClr val="tx1"/>
+                  </a:solidFill>
+                  <a:latin typeface="+mn-lt"/>
+                  <a:ea typeface="+mn-ea"/>
+                  <a:cs typeface="+mn-cs"/>
+                </a:defRPr>
+              </a:lvl7pPr>
+              <a:lvl8pPr marL="3200400" algn="l" defTabSz="914400" rtl="0" eaLnBrk="1" latinLnBrk="0" hangingPunct="1">
+                <a:defRPr sz="1800" kern="1200">
+                  <a:solidFill>
+                    <a:schemeClr val="tx1"/>
+                  </a:solidFill>
+                  <a:latin typeface="+mn-lt"/>
+                  <a:ea typeface="+mn-ea"/>
+                  <a:cs typeface="+mn-cs"/>
+                </a:defRPr>
+              </a:lvl8pPr>
+              <a:lvl9pPr marL="3657600" algn="l" defTabSz="914400" rtl="0" eaLnBrk="1" latinLnBrk="0" hangingPunct="1">
+                <a:defRPr sz="1800" kern="1200">
+                  <a:solidFill>
+                    <a:schemeClr val="tx1"/>
+                  </a:solidFill>
+                  <a:latin typeface="+mn-lt"/>
+                  <a:ea typeface="+mn-ea"/>
+                  <a:cs typeface="+mn-cs"/>
+                </a:defRPr>
+              </a:lvl9pPr>
+            </a:lstStyle>
+            <a:p>
+              <a:pPr algn="ctr">
+                <a:lnSpc>
+                  <a:spcPct val="115000"/>
+                </a:lnSpc>
+                <a:spcAft>
+                  <a:spcPts val="1000"/>
+                </a:spcAft>
+              </a:pPr>
+              <a:r>
+                <a:rPr lang="en-US" sz="1000" dirty="0" smtClean="0">
+                  <a:solidFill>
+                    <a:srgbClr val="000000"/>
+                  </a:solidFill>
+                  <a:effectLst/>
+                  <a:latin typeface="Arial"/>
+                  <a:ea typeface="Calibri"/>
+                  <a:cs typeface="Times New Roman"/>
+                </a:rPr>
+                <a:t>Block</a:t>
+              </a:r>
+              <a:endParaRPr lang="en-US" sz="1000" dirty="0">
+                <a:effectLst/>
+                <a:latin typeface="Calibri"/>
+                <a:ea typeface="Calibri"/>
+                <a:cs typeface="Times New Roman"/>
+              </a:endParaRPr>
+            </a:p>
+          </p:txBody>
+        </p:sp>
+      </p:grpSp>
     </p:spTree>
     <p:extLst>
       <p:ext uri="{BB962C8B-B14F-4D97-AF65-F5344CB8AC3E}">
@@ -8402,7 +8443,7 @@
       </p:sp>
       <p:grpSp>
         <p:nvGrpSpPr>
-          <p:cNvPr id="19" name="Group 18"/>
+          <p:cNvPr id="3" name="Group 2"/>
           <p:cNvGrpSpPr/>
           <p:nvPr/>
         </p:nvGrpSpPr>
@@ -8410,7 +8451,7 @@
           <a:xfrm>
             <a:off x="2505668" y="3104824"/>
             <a:ext cx="3657448" cy="1868490"/>
-            <a:chOff x="2505668" y="3255192"/>
+            <a:chOff x="2505668" y="3104824"/>
             <a:chExt cx="3657448" cy="1868490"/>
           </a:xfrm>
         </p:grpSpPr>
@@ -8424,7 +8465,7 @@
           </p:nvSpPr>
           <p:spPr>
             <a:xfrm>
-              <a:off x="2699356" y="3257653"/>
+              <a:off x="2699356" y="3107285"/>
               <a:ext cx="3463513" cy="1866029"/>
             </a:xfrm>
             <a:prstGeom prst="rect">
@@ -8568,7 +8609,7 @@
           </p:nvSpPr>
           <p:spPr>
             <a:xfrm>
-              <a:off x="2699603" y="3255192"/>
+              <a:off x="2699603" y="3104824"/>
               <a:ext cx="3463513" cy="244800"/>
             </a:xfrm>
             <a:prstGeom prst="rect">
@@ -8736,7 +8777,7 @@
         </p:sp>
         <p:sp>
           <p:nvSpPr>
-            <p:cNvPr id="10" name="Bevel 9"/>
+            <p:cNvPr id="10" name="Rounded Rectangle 9"/>
             <p:cNvSpPr>
               <a:spLocks/>
             </p:cNvSpPr>
@@ -8744,13 +8785,11 @@
           </p:nvSpPr>
           <p:spPr>
             <a:xfrm>
-              <a:off x="4074885" y="4747285"/>
+              <a:off x="4074885" y="4596917"/>
               <a:ext cx="637200" cy="236299"/>
             </a:xfrm>
-            <a:prstGeom prst="bevel">
-              <a:avLst>
-                <a:gd name="adj" fmla="val 14066"/>
-              </a:avLst>
+            <a:prstGeom prst="roundRect">
+              <a:avLst/>
             </a:prstGeom>
             <a:solidFill>
               <a:sysClr val="window" lastClr="FFFFFF">
@@ -8767,6 +8806,13 @@
               <a:prstDash val="solid"/>
             </a:ln>
             <a:effectLst/>
+            <a:scene3d>
+              <a:camera prst="orthographicFront"/>
+              <a:lightRig rig="threePt" dir="t"/>
+            </a:scene3d>
+            <a:sp3d>
+              <a:bevelT w="57150" h="57150"/>
+            </a:sp3d>
           </p:spPr>
           <p:txBody>
             <a:bodyPr rot="0" spcFirstLastPara="0" vert="horz" wrap="square" lIns="0" tIns="0" rIns="0" bIns="0" numCol="1" spcCol="0" rtlCol="0" fromWordArt="0" anchor="ctr" anchorCtr="0" forceAA="0" compatLnSpc="1">
@@ -8902,7 +8948,7 @@
         </p:sp>
         <p:sp>
           <p:nvSpPr>
-            <p:cNvPr id="12" name="Bevel 11"/>
+            <p:cNvPr id="12" name="Rounded Rectangle 11"/>
             <p:cNvSpPr>
               <a:spLocks/>
             </p:cNvSpPr>
@@ -8910,13 +8956,11 @@
           </p:nvSpPr>
           <p:spPr>
             <a:xfrm>
-              <a:off x="2908888" y="4751548"/>
+              <a:off x="2908888" y="4601180"/>
               <a:ext cx="637287" cy="232645"/>
             </a:xfrm>
-            <a:prstGeom prst="bevel">
-              <a:avLst>
-                <a:gd name="adj" fmla="val 14066"/>
-              </a:avLst>
+            <a:prstGeom prst="roundRect">
+              <a:avLst/>
             </a:prstGeom>
             <a:solidFill>
               <a:sysClr val="window" lastClr="FFFFFF">
@@ -8933,6 +8977,13 @@
               <a:prstDash val="solid"/>
             </a:ln>
             <a:effectLst/>
+            <a:scene3d>
+              <a:camera prst="orthographicFront"/>
+              <a:lightRig rig="threePt" dir="t"/>
+            </a:scene3d>
+            <a:sp3d>
+              <a:bevelT w="57150" h="57150"/>
+            </a:sp3d>
           </p:spPr>
           <p:txBody>
             <a:bodyPr rot="0" spcFirstLastPara="0" vert="horz" wrap="square" lIns="0" tIns="0" rIns="0" bIns="0" numCol="1" spcCol="0" rtlCol="0" fromWordArt="0" anchor="ctr" anchorCtr="0" forceAA="0" compatLnSpc="1">
@@ -9075,7 +9126,7 @@
           </p:nvSpPr>
           <p:spPr bwMode="auto">
             <a:xfrm>
-              <a:off x="2582307" y="3653595"/>
+              <a:off x="2582307" y="3503227"/>
               <a:ext cx="791155" cy="262486"/>
             </a:xfrm>
             <a:prstGeom prst="rect">
@@ -9224,7 +9275,7 @@
           </p:nvSpPr>
           <p:spPr bwMode="auto">
             <a:xfrm>
-              <a:off x="2505668" y="3944686"/>
+              <a:off x="2505668" y="3794318"/>
               <a:ext cx="871921" cy="262486"/>
             </a:xfrm>
             <a:prstGeom prst="rect">
@@ -9373,7 +9424,7 @@
           </p:nvSpPr>
           <p:spPr bwMode="auto">
             <a:xfrm>
-              <a:off x="3347864" y="3695008"/>
+              <a:off x="3347864" y="3544640"/>
               <a:ext cx="1272804" cy="198000"/>
             </a:xfrm>
             <a:prstGeom prst="rect">
@@ -9529,7 +9580,7 @@
           </p:nvSpPr>
           <p:spPr bwMode="auto">
             <a:xfrm>
-              <a:off x="3347864" y="3980021"/>
+              <a:off x="3347864" y="3829653"/>
               <a:ext cx="941486" cy="198000"/>
             </a:xfrm>
             <a:prstGeom prst="rect">
@@ -9686,7 +9737,7 @@
           </p:nvSpPr>
           <p:spPr bwMode="auto">
             <a:xfrm>
-              <a:off x="2509205" y="4320948"/>
+              <a:off x="2509205" y="4170580"/>
               <a:ext cx="871921" cy="262486"/>
             </a:xfrm>
             <a:prstGeom prst="rect">
@@ -9835,7 +9886,7 @@
           </p:nvSpPr>
           <p:spPr bwMode="auto">
             <a:xfrm>
-              <a:off x="3347864" y="4356270"/>
+              <a:off x="3347864" y="4205902"/>
               <a:ext cx="941486" cy="198000"/>
             </a:xfrm>
             <a:prstGeom prst="rect">
@@ -10002,201 +10053,291 @@
             </a:p>
           </p:txBody>
         </p:sp>
-      </p:grpSp>
-      <p:grpSp>
-        <p:nvGrpSpPr>
-          <p:cNvPr id="9" name="Group 8"/>
-          <p:cNvGrpSpPr/>
-          <p:nvPr/>
-        </p:nvGrpSpPr>
-        <p:grpSpPr>
-          <a:xfrm>
-            <a:off x="4821708" y="3700607"/>
-            <a:ext cx="1224135" cy="670213"/>
-            <a:chOff x="6660233" y="4342963"/>
-            <a:chExt cx="1224135" cy="670213"/>
-          </a:xfrm>
-          <a:effectLst>
-            <a:outerShdw blurRad="50800" dist="38100" dir="2700000" algn="tl" rotWithShape="0">
-              <a:prstClr val="black">
-                <a:alpha val="40000"/>
-              </a:prstClr>
-            </a:outerShdw>
-          </a:effectLst>
-        </p:grpSpPr>
+        <p:grpSp>
+          <p:nvGrpSpPr>
+            <p:cNvPr id="9" name="Group 8"/>
+            <p:cNvGrpSpPr/>
+            <p:nvPr/>
+          </p:nvGrpSpPr>
+          <p:grpSpPr>
+            <a:xfrm>
+              <a:off x="4821708" y="3700607"/>
+              <a:ext cx="1224135" cy="670213"/>
+              <a:chOff x="6660233" y="4342963"/>
+              <a:chExt cx="1224135" cy="670213"/>
+            </a:xfrm>
+            <a:effectLst>
+              <a:outerShdw blurRad="50800" dist="38100" dir="2700000" algn="tl" rotWithShape="0">
+                <a:prstClr val="black">
+                  <a:alpha val="40000"/>
+                </a:prstClr>
+              </a:outerShdw>
+            </a:effectLst>
+          </p:grpSpPr>
+          <p:sp>
+            <p:nvSpPr>
+              <p:cNvPr id="31" name="Rounded Rectangle 30"/>
+              <p:cNvSpPr/>
+              <p:nvPr/>
+            </p:nvSpPr>
+            <p:spPr>
+              <a:xfrm>
+                <a:off x="6660233" y="4342963"/>
+                <a:ext cx="1178345" cy="670213"/>
+              </a:xfrm>
+              <a:prstGeom prst="roundRect">
+                <a:avLst/>
+              </a:prstGeom>
+              <a:gradFill flip="none" rotWithShape="1">
+                <a:gsLst>
+                  <a:gs pos="0">
+                    <a:srgbClr val="FFB115"/>
+                  </a:gs>
+                  <a:gs pos="50000">
+                    <a:srgbClr val="FFFF00"/>
+                  </a:gs>
+                  <a:gs pos="100000">
+                    <a:srgbClr val="FFC000"/>
+                  </a:gs>
+                </a:gsLst>
+                <a:lin ang="13500000" scaled="1"/>
+                <a:tileRect/>
+              </a:gradFill>
+              <a:ln w="6350">
+                <a:solidFill>
+                  <a:schemeClr val="bg1">
+                    <a:lumMod val="65000"/>
+                  </a:schemeClr>
+                </a:solidFill>
+              </a:ln>
+              <a:effectLst/>
+            </p:spPr>
+            <p:style>
+              <a:lnRef idx="2">
+                <a:schemeClr val="accent1">
+                  <a:shade val="50000"/>
+                </a:schemeClr>
+              </a:lnRef>
+              <a:fillRef idx="1">
+                <a:schemeClr val="accent1"/>
+              </a:fillRef>
+              <a:effectRef idx="0">
+                <a:schemeClr val="accent1"/>
+              </a:effectRef>
+              <a:fontRef idx="minor">
+                <a:schemeClr val="lt1"/>
+              </a:fontRef>
+            </p:style>
+            <p:txBody>
+              <a:bodyPr rtlCol="0" anchor="ctr"/>
+              <a:lstStyle/>
+              <a:p>
+                <a:pPr algn="ctr"/>
+                <a:endParaRPr lang="en-US" sz="5400" b="1" dirty="0">
+                  <a:solidFill>
+                    <a:srgbClr val="6D8838"/>
+                  </a:solidFill>
+                  <a:latin typeface="Sylfaen" panose="010A0502050306030303" pitchFamily="18" charset="0"/>
+                  <a:ea typeface="Verdana" panose="020B0604030504040204" pitchFamily="34" charset="0"/>
+                  <a:cs typeface="Verdana" panose="020B0604030504040204" pitchFamily="34" charset="0"/>
+                </a:endParaRPr>
+              </a:p>
+            </p:txBody>
+          </p:sp>
+          <p:sp>
+            <p:nvSpPr>
+              <p:cNvPr id="32" name="TextBox 31"/>
+              <p:cNvSpPr txBox="1"/>
+              <p:nvPr/>
+            </p:nvSpPr>
+            <p:spPr>
+              <a:xfrm>
+                <a:off x="6674872" y="4406214"/>
+                <a:ext cx="295274" cy="276999"/>
+              </a:xfrm>
+              <a:prstGeom prst="rect">
+                <a:avLst/>
+              </a:prstGeom>
+              <a:noFill/>
+            </p:spPr>
+            <p:txBody>
+              <a:bodyPr wrap="none" tIns="0" bIns="0" rtlCol="0" anchor="ctr" anchorCtr="1">
+                <a:noAutofit/>
+              </a:bodyPr>
+              <a:lstStyle/>
+              <a:p>
+                <a:pPr algn="ctr"/>
+                <a:r>
+                  <a:rPr lang="en-US" b="1" dirty="0" smtClean="0">
+                    <a:solidFill>
+                      <a:srgbClr val="9E0A11"/>
+                    </a:solidFill>
+                    <a:latin typeface="Sylfaen" panose="010A0502050306030303" pitchFamily="18" charset="0"/>
+                    <a:ea typeface="Verdana" panose="020B0604030504040204" pitchFamily="34" charset="0"/>
+                    <a:cs typeface="Verdana" panose="020B0604030504040204" pitchFamily="34" charset="0"/>
+                  </a:rPr>
+                  <a:t>S</a:t>
+                </a:r>
+                <a:endParaRPr lang="en-US" b="1" dirty="0">
+                  <a:solidFill>
+                    <a:srgbClr val="9E0A11"/>
+                  </a:solidFill>
+                  <a:latin typeface="Sylfaen" panose="010A0502050306030303" pitchFamily="18" charset="0"/>
+                  <a:ea typeface="Verdana" panose="020B0604030504040204" pitchFamily="34" charset="0"/>
+                  <a:cs typeface="Verdana" panose="020B0604030504040204" pitchFamily="34" charset="0"/>
+                </a:endParaRPr>
+              </a:p>
+            </p:txBody>
+          </p:sp>
+          <p:sp>
+            <p:nvSpPr>
+              <p:cNvPr id="33" name="Rectangle 32"/>
+              <p:cNvSpPr/>
+              <p:nvPr/>
+            </p:nvSpPr>
+            <p:spPr>
+              <a:xfrm>
+                <a:off x="6734525" y="4430957"/>
+                <a:ext cx="165600" cy="216000"/>
+              </a:xfrm>
+              <a:prstGeom prst="rect">
+                <a:avLst/>
+              </a:prstGeom>
+              <a:noFill/>
+              <a:ln w="9525">
+                <a:solidFill>
+                  <a:schemeClr val="accent5">
+                    <a:lumMod val="75000"/>
+                  </a:schemeClr>
+                </a:solidFill>
+              </a:ln>
+            </p:spPr>
+            <p:style>
+              <a:lnRef idx="2">
+                <a:schemeClr val="accent1">
+                  <a:shade val="50000"/>
+                </a:schemeClr>
+              </a:lnRef>
+              <a:fillRef idx="1">
+                <a:schemeClr val="accent1"/>
+              </a:fillRef>
+              <a:effectRef idx="0">
+                <a:schemeClr val="accent1"/>
+              </a:effectRef>
+              <a:fontRef idx="minor">
+                <a:schemeClr val="lt1"/>
+              </a:fontRef>
+            </p:style>
+            <p:txBody>
+              <a:bodyPr rtlCol="0" anchor="ctr"/>
+              <a:lstStyle/>
+              <a:p>
+                <a:pPr algn="ctr"/>
+                <a:endParaRPr lang="en-US"/>
+              </a:p>
+            </p:txBody>
+          </p:sp>
+          <p:sp>
+            <p:nvSpPr>
+              <p:cNvPr id="34" name="TextBox 33"/>
+              <p:cNvSpPr txBox="1"/>
+              <p:nvPr/>
+            </p:nvSpPr>
+            <p:spPr>
+              <a:xfrm>
+                <a:off x="6844849" y="4426003"/>
+                <a:ext cx="1039519" cy="276999"/>
+              </a:xfrm>
+              <a:prstGeom prst="rect">
+                <a:avLst/>
+              </a:prstGeom>
+              <a:noFill/>
+            </p:spPr>
+            <p:txBody>
+              <a:bodyPr wrap="square" rtlCol="0">
+                <a:spAutoFit/>
+              </a:bodyPr>
+              <a:lstStyle/>
+              <a:p>
+                <a:r>
+                  <a:rPr lang="en-US" sz="1200" b="1" spc="100" dirty="0" err="1" smtClean="0">
+                    <a:solidFill>
+                      <a:srgbClr val="6D8838"/>
+                    </a:solidFill>
+                    <a:latin typeface="Sylfaen" panose="010A0502050306030303" pitchFamily="18" charset="0"/>
+                    <a:ea typeface="Verdana" panose="020B0604030504040204" pitchFamily="34" charset="0"/>
+                    <a:cs typeface="Verdana" panose="020B0604030504040204" pitchFamily="34" charset="0"/>
+                  </a:rPr>
+                  <a:t>uperCard</a:t>
+                </a:r>
+                <a:r>
+                  <a:rPr lang="en-US" sz="800" b="1" spc="100" baseline="70000" dirty="0" err="1" smtClean="0">
+                    <a:solidFill>
+                      <a:srgbClr val="6D8838"/>
+                    </a:solidFill>
+                    <a:latin typeface="Arial" panose="020B0604020202020204" pitchFamily="34" charset="0"/>
+                    <a:ea typeface="Verdana" panose="020B0604030504040204" pitchFamily="34" charset="0"/>
+                    <a:cs typeface="Arial" panose="020B0604020202020204" pitchFamily="34" charset="0"/>
+                  </a:rPr>
+                  <a:t>TM</a:t>
+                </a:r>
+                <a:endParaRPr lang="en-US" sz="800" b="1" spc="100" baseline="70000" dirty="0">
+                  <a:latin typeface="Arial" panose="020B0604020202020204" pitchFamily="34" charset="0"/>
+                  <a:cs typeface="Arial" panose="020B0604020202020204" pitchFamily="34" charset="0"/>
+                </a:endParaRPr>
+              </a:p>
+            </p:txBody>
+          </p:sp>
+          <p:sp>
+            <p:nvSpPr>
+              <p:cNvPr id="4" name="TextBox 3"/>
+              <p:cNvSpPr txBox="1"/>
+              <p:nvPr/>
+            </p:nvSpPr>
+            <p:spPr>
+              <a:xfrm>
+                <a:off x="6700314" y="4727353"/>
+                <a:ext cx="1099981" cy="230832"/>
+              </a:xfrm>
+              <a:prstGeom prst="rect">
+                <a:avLst/>
+              </a:prstGeom>
+              <a:noFill/>
+            </p:spPr>
+            <p:txBody>
+              <a:bodyPr wrap="none" rtlCol="0">
+                <a:spAutoFit/>
+              </a:bodyPr>
+              <a:lstStyle/>
+              <a:p>
+                <a:pPr algn="ctr"/>
+                <a:r>
+                  <a:rPr lang="en-US" sz="900" dirty="0" smtClean="0">
+                    <a:latin typeface="Verdana" panose="020B0604030504040204" pitchFamily="34" charset="0"/>
+                    <a:ea typeface="Verdana" panose="020B0604030504040204" pitchFamily="34" charset="0"/>
+                    <a:cs typeface="Verdana" panose="020B0604030504040204" pitchFamily="34" charset="0"/>
+                  </a:rPr>
+                  <a:t>Luke Skywalker</a:t>
+                </a:r>
+                <a:endParaRPr lang="en-US" sz="900" dirty="0">
+                  <a:latin typeface="Verdana" panose="020B0604030504040204" pitchFamily="34" charset="0"/>
+                  <a:ea typeface="Verdana" panose="020B0604030504040204" pitchFamily="34" charset="0"/>
+                  <a:cs typeface="Verdana" panose="020B0604030504040204" pitchFamily="34" charset="0"/>
+                </a:endParaRPr>
+              </a:p>
+            </p:txBody>
+          </p:sp>
+        </p:grpSp>
         <p:sp>
           <p:nvSpPr>
-            <p:cNvPr id="31" name="Rounded Rectangle 30"/>
-            <p:cNvSpPr/>
-            <p:nvPr/>
-          </p:nvSpPr>
-          <p:spPr>
-            <a:xfrm>
-              <a:off x="6660233" y="4342963"/>
-              <a:ext cx="1178345" cy="670213"/>
-            </a:xfrm>
-            <a:prstGeom prst="roundRect">
-              <a:avLst/>
-            </a:prstGeom>
-            <a:gradFill flip="none" rotWithShape="1">
-              <a:gsLst>
-                <a:gs pos="0">
-                  <a:srgbClr val="FFB115"/>
-                </a:gs>
-                <a:gs pos="50000">
-                  <a:srgbClr val="FFFF00"/>
-                </a:gs>
-                <a:gs pos="100000">
-                  <a:srgbClr val="FFC000"/>
-                </a:gs>
-              </a:gsLst>
-              <a:lin ang="13500000" scaled="1"/>
-              <a:tileRect/>
-            </a:gradFill>
-            <a:ln w="6350">
-              <a:solidFill>
-                <a:schemeClr val="bg1">
-                  <a:lumMod val="65000"/>
-                </a:schemeClr>
-              </a:solidFill>
-            </a:ln>
-            <a:effectLst/>
-          </p:spPr>
-          <p:style>
-            <a:lnRef idx="2">
-              <a:schemeClr val="accent1">
-                <a:shade val="50000"/>
-              </a:schemeClr>
-            </a:lnRef>
-            <a:fillRef idx="1">
-              <a:schemeClr val="accent1"/>
-            </a:fillRef>
-            <a:effectRef idx="0">
-              <a:schemeClr val="accent1"/>
-            </a:effectRef>
-            <a:fontRef idx="minor">
-              <a:schemeClr val="lt1"/>
-            </a:fontRef>
-          </p:style>
-          <p:txBody>
-            <a:bodyPr rtlCol="0" anchor="ctr"/>
-            <a:lstStyle/>
-            <a:p>
-              <a:pPr algn="ctr"/>
-              <a:endParaRPr lang="en-US" sz="5400" b="1" dirty="0">
-                <a:solidFill>
-                  <a:srgbClr val="6D8838"/>
-                </a:solidFill>
-                <a:latin typeface="Sylfaen" panose="010A0502050306030303" pitchFamily="18" charset="0"/>
-                <a:ea typeface="Verdana" panose="020B0604030504040204" pitchFamily="34" charset="0"/>
-                <a:cs typeface="Verdana" panose="020B0604030504040204" pitchFamily="34" charset="0"/>
-              </a:endParaRPr>
-            </a:p>
-          </p:txBody>
-        </p:sp>
-        <p:sp>
-          <p:nvSpPr>
-            <p:cNvPr id="32" name="TextBox 31"/>
+            <p:cNvPr id="23" name="TextBox 22"/>
             <p:cNvSpPr txBox="1"/>
             <p:nvPr/>
           </p:nvSpPr>
           <p:spPr>
             <a:xfrm>
-              <a:off x="6674872" y="4406214"/>
-              <a:ext cx="295274" cy="276999"/>
-            </a:xfrm>
-            <a:prstGeom prst="rect">
-              <a:avLst/>
-            </a:prstGeom>
-            <a:noFill/>
-          </p:spPr>
-          <p:txBody>
-            <a:bodyPr wrap="none" tIns="0" bIns="0" rtlCol="0" anchor="ctr" anchorCtr="1">
-              <a:noAutofit/>
-            </a:bodyPr>
-            <a:lstStyle/>
-            <a:p>
-              <a:pPr algn="ctr"/>
-              <a:r>
-                <a:rPr lang="en-US" b="1" dirty="0" smtClean="0">
-                  <a:solidFill>
-                    <a:srgbClr val="9E0A11"/>
-                  </a:solidFill>
-                  <a:latin typeface="Sylfaen" panose="010A0502050306030303" pitchFamily="18" charset="0"/>
-                  <a:ea typeface="Verdana" panose="020B0604030504040204" pitchFamily="34" charset="0"/>
-                  <a:cs typeface="Verdana" panose="020B0604030504040204" pitchFamily="34" charset="0"/>
-                </a:rPr>
-                <a:t>S</a:t>
-              </a:r>
-              <a:endParaRPr lang="en-US" b="1" dirty="0">
-                <a:solidFill>
-                  <a:srgbClr val="9E0A11"/>
-                </a:solidFill>
-                <a:latin typeface="Sylfaen" panose="010A0502050306030303" pitchFamily="18" charset="0"/>
-                <a:ea typeface="Verdana" panose="020B0604030504040204" pitchFamily="34" charset="0"/>
-                <a:cs typeface="Verdana" panose="020B0604030504040204" pitchFamily="34" charset="0"/>
-              </a:endParaRPr>
-            </a:p>
-          </p:txBody>
-        </p:sp>
-        <p:sp>
-          <p:nvSpPr>
-            <p:cNvPr id="33" name="Rectangle 32"/>
-            <p:cNvSpPr/>
-            <p:nvPr/>
-          </p:nvSpPr>
-          <p:spPr>
-            <a:xfrm>
-              <a:off x="6734525" y="4430957"/>
-              <a:ext cx="165600" cy="216000"/>
-            </a:xfrm>
-            <a:prstGeom prst="rect">
-              <a:avLst/>
-            </a:prstGeom>
-            <a:noFill/>
-            <a:ln w="9525">
-              <a:solidFill>
-                <a:schemeClr val="accent5">
-                  <a:lumMod val="75000"/>
-                </a:schemeClr>
-              </a:solidFill>
-            </a:ln>
-          </p:spPr>
-          <p:style>
-            <a:lnRef idx="2">
-              <a:schemeClr val="accent1">
-                <a:shade val="50000"/>
-              </a:schemeClr>
-            </a:lnRef>
-            <a:fillRef idx="1">
-              <a:schemeClr val="accent1"/>
-            </a:fillRef>
-            <a:effectRef idx="0">
-              <a:schemeClr val="accent1"/>
-            </a:effectRef>
-            <a:fontRef idx="minor">
-              <a:schemeClr val="lt1"/>
-            </a:fontRef>
-          </p:style>
-          <p:txBody>
-            <a:bodyPr rtlCol="0" anchor="ctr"/>
-            <a:lstStyle/>
-            <a:p>
-              <a:pPr algn="ctr"/>
-              <a:endParaRPr lang="en-US"/>
-            </a:p>
-          </p:txBody>
-        </p:sp>
-        <p:sp>
-          <p:nvSpPr>
-            <p:cNvPr id="34" name="TextBox 33"/>
-            <p:cNvSpPr txBox="1"/>
-            <p:nvPr/>
-          </p:nvSpPr>
-          <p:spPr>
-            <a:xfrm>
-              <a:off x="6844849" y="4426003"/>
-              <a:ext cx="1039519" cy="276999"/>
+              <a:off x="4744224" y="4398787"/>
+              <a:ext cx="1368152" cy="200055"/>
             </a:xfrm>
             <a:prstGeom prst="rect">
               <a:avLst/>
@@ -10209,114 +10350,24 @@
             </a:bodyPr>
             <a:lstStyle/>
             <a:p>
-              <a:r>
-                <a:rPr lang="en-US" sz="1200" b="1" spc="100" dirty="0" err="1" smtClean="0">
-                  <a:solidFill>
-                    <a:srgbClr val="6D8838"/>
-                  </a:solidFill>
-                  <a:latin typeface="Sylfaen" panose="010A0502050306030303" pitchFamily="18" charset="0"/>
-                  <a:ea typeface="Verdana" panose="020B0604030504040204" pitchFamily="34" charset="0"/>
-                  <a:cs typeface="Verdana" panose="020B0604030504040204" pitchFamily="34" charset="0"/>
-                </a:rPr>
-                <a:t>uperCard</a:t>
-              </a:r>
-              <a:r>
-                <a:rPr lang="en-US" sz="800" b="1" spc="100" baseline="70000" dirty="0" err="1" smtClean="0">
-                  <a:solidFill>
-                    <a:srgbClr val="6D8838"/>
-                  </a:solidFill>
-                  <a:latin typeface="Arial" panose="020B0604020202020204" pitchFamily="34" charset="0"/>
-                  <a:ea typeface="Verdana" panose="020B0604030504040204" pitchFamily="34" charset="0"/>
-                  <a:cs typeface="Arial" panose="020B0604020202020204" pitchFamily="34" charset="0"/>
-                </a:rPr>
-                <a:t>TM</a:t>
-              </a:r>
-              <a:endParaRPr lang="en-US" sz="800" b="1" spc="100" baseline="70000" dirty="0">
-                <a:latin typeface="Arial" panose="020B0604020202020204" pitchFamily="34" charset="0"/>
-                <a:cs typeface="Arial" panose="020B0604020202020204" pitchFamily="34" charset="0"/>
-              </a:endParaRPr>
-            </a:p>
-          </p:txBody>
-        </p:sp>
-        <p:sp>
-          <p:nvSpPr>
-            <p:cNvPr id="4" name="TextBox 3"/>
-            <p:cNvSpPr txBox="1"/>
-            <p:nvPr/>
-          </p:nvSpPr>
-          <p:spPr>
-            <a:xfrm>
-              <a:off x="6700314" y="4727353"/>
-              <a:ext cx="1099981" cy="230832"/>
-            </a:xfrm>
-            <a:prstGeom prst="rect">
-              <a:avLst/>
-            </a:prstGeom>
-            <a:noFill/>
-          </p:spPr>
-          <p:txBody>
-            <a:bodyPr wrap="none" rtlCol="0">
-              <a:spAutoFit/>
-            </a:bodyPr>
-            <a:lstStyle/>
-            <a:p>
               <a:pPr algn="ctr"/>
               <a:r>
-                <a:rPr lang="en-US" sz="900" dirty="0" smtClean="0">
-                  <a:latin typeface="Verdana" panose="020B0604030504040204" pitchFamily="34" charset="0"/>
+                <a:rPr lang="en-US" sz="700" b="1" dirty="0" smtClean="0">
+                  <a:latin typeface="Courier New" panose="02070309020205020404" pitchFamily="49" charset="0"/>
                   <a:ea typeface="Verdana" panose="020B0604030504040204" pitchFamily="34" charset="0"/>
-                  <a:cs typeface="Verdana" panose="020B0604030504040204" pitchFamily="34" charset="0"/>
+                  <a:cs typeface="Courier New" panose="02070309020205020404" pitchFamily="49" charset="0"/>
                 </a:rPr>
-                <a:t>Luke Skywalker</a:t>
+                <a:t>8743 4532 0231 9356</a:t>
               </a:r>
-              <a:endParaRPr lang="en-US" sz="900" dirty="0">
-                <a:latin typeface="Verdana" panose="020B0604030504040204" pitchFamily="34" charset="0"/>
+              <a:endParaRPr lang="en-US" sz="700" b="1" dirty="0">
+                <a:latin typeface="Courier New" panose="02070309020205020404" pitchFamily="49" charset="0"/>
                 <a:ea typeface="Verdana" panose="020B0604030504040204" pitchFamily="34" charset="0"/>
-                <a:cs typeface="Verdana" panose="020B0604030504040204" pitchFamily="34" charset="0"/>
+                <a:cs typeface="Courier New" panose="02070309020205020404" pitchFamily="49" charset="0"/>
               </a:endParaRPr>
             </a:p>
           </p:txBody>
         </p:sp>
       </p:grpSp>
-      <p:sp>
-        <p:nvSpPr>
-          <p:cNvPr id="23" name="TextBox 22"/>
-          <p:cNvSpPr txBox="1"/>
-          <p:nvPr/>
-        </p:nvSpPr>
-        <p:spPr>
-          <a:xfrm>
-            <a:off x="4744224" y="4398787"/>
-            <a:ext cx="1368152" cy="200055"/>
-          </a:xfrm>
-          <a:prstGeom prst="rect">
-            <a:avLst/>
-          </a:prstGeom>
-          <a:noFill/>
-        </p:spPr>
-        <p:txBody>
-          <a:bodyPr wrap="square" rtlCol="0">
-            <a:spAutoFit/>
-          </a:bodyPr>
-          <a:lstStyle/>
-          <a:p>
-            <a:pPr algn="ctr"/>
-            <a:r>
-              <a:rPr lang="en-US" sz="700" b="1" dirty="0" smtClean="0">
-                <a:latin typeface="Courier New" panose="02070309020205020404" pitchFamily="49" charset="0"/>
-                <a:ea typeface="Verdana" panose="020B0604030504040204" pitchFamily="34" charset="0"/>
-                <a:cs typeface="Courier New" panose="02070309020205020404" pitchFamily="49" charset="0"/>
-              </a:rPr>
-              <a:t>8743 4532 0231 9356</a:t>
-            </a:r>
-            <a:endParaRPr lang="en-US" sz="700" b="1" dirty="0">
-              <a:latin typeface="Courier New" panose="02070309020205020404" pitchFamily="49" charset="0"/>
-              <a:ea typeface="Verdana" panose="020B0604030504040204" pitchFamily="34" charset="0"/>
-              <a:cs typeface="Courier New" panose="02070309020205020404" pitchFamily="49" charset="0"/>
-            </a:endParaRPr>
-          </a:p>
-        </p:txBody>
-      </p:sp>
       <p:sp>
         <p:nvSpPr>
           <p:cNvPr id="28" name="Rounded Rectangular Callout 27"/>
@@ -11028,13 +11079,6 @@
               </a:rPr>
               <a:t>2NB</a:t>
             </a:r>
-            <a:endParaRPr lang="en-US" sz="1200" dirty="0" smtClean="0">
-              <a:solidFill>
-                <a:schemeClr val="tx1"/>
-              </a:solidFill>
-              <a:latin typeface="Arial" panose="020B0604020202020204" pitchFamily="34" charset="0"/>
-              <a:cs typeface="Arial" panose="020B0604020202020204" pitchFamily="34" charset="0"/>
-            </a:endParaRPr>
           </a:p>
         </p:txBody>
       </p:sp>
@@ -14245,7 +14289,7 @@
       </p:sp>
       <p:grpSp>
         <p:nvGrpSpPr>
-          <p:cNvPr id="27" name="Group 26"/>
+          <p:cNvPr id="2" name="Group 1"/>
           <p:cNvGrpSpPr/>
           <p:nvPr/>
         </p:nvGrpSpPr>
@@ -14253,16 +14297,9 @@
           <a:xfrm>
             <a:off x="2268336" y="836712"/>
             <a:ext cx="4269179" cy="2101522"/>
-            <a:chOff x="2952144" y="6477006"/>
-            <a:chExt cx="3313928" cy="1890389"/>
+            <a:chOff x="2268336" y="836712"/>
+            <a:chExt cx="4269179" cy="2101522"/>
           </a:xfrm>
-          <a:effectLst>
-            <a:outerShdw blurRad="50800" dist="38100" dir="2700000" algn="tl" rotWithShape="0">
-              <a:prstClr val="black">
-                <a:alpha val="40000"/>
-              </a:prstClr>
-            </a:outerShdw>
-          </a:effectLst>
         </p:grpSpPr>
         <p:sp>
           <p:nvSpPr>
@@ -14274,8 +14311,8 @@
           </p:nvSpPr>
           <p:spPr>
             <a:xfrm>
-              <a:off x="2952144" y="6501366"/>
-              <a:ext cx="3313928" cy="1866029"/>
+              <a:off x="2268336" y="863793"/>
+              <a:ext cx="4269179" cy="2074441"/>
             </a:xfrm>
             <a:prstGeom prst="rect">
               <a:avLst/>
@@ -14293,7 +14330,13 @@
               </a:solidFill>
               <a:prstDash val="solid"/>
             </a:ln>
-            <a:effectLst/>
+            <a:effectLst>
+              <a:outerShdw blurRad="50800" dist="38100" dir="2700000" algn="tl" rotWithShape="0">
+                <a:prstClr val="black">
+                  <a:alpha val="40000"/>
+                </a:prstClr>
+              </a:outerShdw>
+            </a:effectLst>
           </p:spPr>
           <p:txBody>
             <a:bodyPr rot="0" spcFirstLastPara="0" vert="horz" wrap="square" lIns="91440" tIns="45720" rIns="91440" bIns="45720" numCol="1" spcCol="0" rtlCol="0" fromWordArt="0" anchor="ctr" anchorCtr="0" forceAA="0" compatLnSpc="1">
@@ -14412,8 +14455,8 @@
           </p:nvSpPr>
           <p:spPr>
             <a:xfrm>
-              <a:off x="2952144" y="6477006"/>
-              <a:ext cx="3313928" cy="241171"/>
+              <a:off x="2268336" y="836712"/>
+              <a:ext cx="4269179" cy="268107"/>
             </a:xfrm>
             <a:prstGeom prst="rect">
               <a:avLst/>
@@ -14571,7 +14614,7 @@
         </p:sp>
         <p:sp>
           <p:nvSpPr>
-            <p:cNvPr id="33" name="Bevel 32"/>
+            <p:cNvPr id="33" name="Rounded Rectangle 32"/>
             <p:cNvSpPr>
               <a:spLocks/>
             </p:cNvSpPr>
@@ -14579,13 +14622,11 @@
           </p:nvSpPr>
           <p:spPr>
             <a:xfrm>
-              <a:off x="4908039" y="7969098"/>
-              <a:ext cx="487359" cy="236299"/>
+              <a:off x="4788024" y="2495452"/>
+              <a:ext cx="627842" cy="262691"/>
             </a:xfrm>
-            <a:prstGeom prst="bevel">
-              <a:avLst>
-                <a:gd name="adj" fmla="val 14066"/>
-              </a:avLst>
+            <a:prstGeom prst="roundRect">
+              <a:avLst/>
             </a:prstGeom>
             <a:solidFill>
               <a:sysClr val="window" lastClr="FFFFFF">
@@ -14602,6 +14643,13 @@
               <a:prstDash val="solid"/>
             </a:ln>
             <a:effectLst/>
+            <a:scene3d>
+              <a:camera prst="orthographicFront"/>
+              <a:lightRig rig="threePt" dir="t"/>
+            </a:scene3d>
+            <a:sp3d>
+              <a:bevelT w="57150" h="57150"/>
+            </a:sp3d>
           </p:spPr>
           <p:txBody>
             <a:bodyPr rot="0" spcFirstLastPara="0" vert="horz" wrap="square" lIns="0" tIns="0" rIns="0" bIns="0" numCol="1" spcCol="0" rtlCol="0" fromWordArt="0" anchor="ctr" anchorCtr="0" forceAA="0" compatLnSpc="1">
@@ -14737,7 +14785,7 @@
         </p:sp>
         <p:sp>
           <p:nvSpPr>
-            <p:cNvPr id="34" name="Bevel 33"/>
+            <p:cNvPr id="34" name="Rounded Rectangle 33"/>
             <p:cNvSpPr>
               <a:spLocks/>
             </p:cNvSpPr>
@@ -14745,13 +14793,11 @@
           </p:nvSpPr>
           <p:spPr>
             <a:xfrm>
-              <a:off x="5507189" y="7973361"/>
-              <a:ext cx="525940" cy="232645"/>
+              <a:off x="5559881" y="2500191"/>
+              <a:ext cx="677544" cy="258629"/>
             </a:xfrm>
-            <a:prstGeom prst="bevel">
-              <a:avLst>
-                <a:gd name="adj" fmla="val 14066"/>
-              </a:avLst>
+            <a:prstGeom prst="roundRect">
+              <a:avLst/>
             </a:prstGeom>
             <a:solidFill>
               <a:sysClr val="window" lastClr="FFFFFF">
@@ -14768,6 +14814,13 @@
               <a:prstDash val="solid"/>
             </a:ln>
             <a:effectLst/>
+            <a:scene3d>
+              <a:camera prst="orthographicFront"/>
+              <a:lightRig rig="threePt" dir="t"/>
+            </a:scene3d>
+            <a:sp3d>
+              <a:bevelT w="57150" h="57150"/>
+            </a:sp3d>
           </p:spPr>
           <p:txBody>
             <a:bodyPr rot="0" spcFirstLastPara="0" vert="horz" wrap="square" lIns="0" tIns="0" rIns="0" bIns="0" numCol="1" spcCol="0" rtlCol="0" fromWordArt="0" anchor="ctr" anchorCtr="0" forceAA="0" compatLnSpc="1">
@@ -14910,8 +14963,8 @@
           </p:nvSpPr>
           <p:spPr bwMode="auto">
             <a:xfrm>
-              <a:off x="3137723" y="6877602"/>
-              <a:ext cx="2965896" cy="325759"/>
+              <a:off x="2507409" y="1282050"/>
+              <a:ext cx="3820826" cy="362142"/>
             </a:xfrm>
             <a:prstGeom prst="rect">
               <a:avLst/>
@@ -15060,7 +15113,7 @@
         </p:sp>
         <p:sp>
           <p:nvSpPr>
-            <p:cNvPr id="48" name="Bevel 47"/>
+            <p:cNvPr id="48" name="Rounded Rectangle 47"/>
             <p:cNvSpPr>
               <a:spLocks/>
             </p:cNvSpPr>
@@ -15068,13 +15121,11 @@
           </p:nvSpPr>
           <p:spPr>
             <a:xfrm>
-              <a:off x="3175266" y="7982189"/>
-              <a:ext cx="1285605" cy="236299"/>
+              <a:off x="2555774" y="2510005"/>
+              <a:ext cx="1656185" cy="262691"/>
             </a:xfrm>
-            <a:prstGeom prst="bevel">
-              <a:avLst>
-                <a:gd name="adj" fmla="val 14066"/>
-              </a:avLst>
+            <a:prstGeom prst="roundRect">
+              <a:avLst/>
             </a:prstGeom>
             <a:solidFill>
               <a:sysClr val="window" lastClr="FFFFFF">
@@ -15091,6 +15142,13 @@
               <a:prstDash val="solid"/>
             </a:ln>
             <a:effectLst/>
+            <a:scene3d>
+              <a:camera prst="orthographicFront"/>
+              <a:lightRig rig="threePt" dir="t"/>
+            </a:scene3d>
+            <a:sp3d>
+              <a:bevelT w="57150" h="57150"/>
+            </a:sp3d>
           </p:spPr>
           <p:txBody>
             <a:bodyPr rot="0" spcFirstLastPara="0" vert="horz" wrap="square" lIns="0" tIns="0" rIns="0" bIns="0" numCol="1" spcCol="0" rtlCol="0" fromWordArt="0" anchor="ctr" anchorCtr="0" forceAA="0" compatLnSpc="1">
@@ -15234,8 +15292,8 @@
           </p:nvSpPr>
           <p:spPr bwMode="auto">
             <a:xfrm>
-              <a:off x="3175268" y="7212136"/>
-              <a:ext cx="2850688" cy="637070"/>
+              <a:off x="2555776" y="1653947"/>
+              <a:ext cx="3672408" cy="708223"/>
             </a:xfrm>
             <a:prstGeom prst="rect">
               <a:avLst/>
@@ -15380,8 +15438,8 @@
           </p:nvSpPr>
           <p:spPr bwMode="auto">
             <a:xfrm>
-              <a:off x="3175266" y="7201470"/>
-              <a:ext cx="2850689" cy="194320"/>
+              <a:off x="2555774" y="1642090"/>
+              <a:ext cx="3672410" cy="216023"/>
             </a:xfrm>
             <a:prstGeom prst="rect">
               <a:avLst/>

--- a/resources/docs/web2native-bridge.pptx
+++ b/resources/docs/web2native-bridge.pptx
@@ -199,7 +199,7 @@
           <a:p>
             <a:fld id="{07A00844-99C3-4B4D-8665-83D6466F1606}" type="datetimeFigureOut">
               <a:rPr lang="en-US" smtClean="0"/>
-              <a:t>2015-04-18</a:t>
+              <a:t>2015-04-21</a:t>
             </a:fld>
             <a:endParaRPr lang="en-US"/>
           </a:p>
@@ -477,7 +477,7 @@
           <a:p>
             <a:fld id="{A1FD92F6-7B59-47F7-9C80-4F94E0E83D60}" type="datetimeFigureOut">
               <a:rPr lang="en-US" smtClean="0"/>
-              <a:t>2015-04-18</a:t>
+              <a:t>2015-04-21</a:t>
             </a:fld>
             <a:endParaRPr lang="en-US"/>
           </a:p>
@@ -694,7 +694,7 @@
           <a:p>
             <a:fld id="{A1FD92F6-7B59-47F7-9C80-4F94E0E83D60}" type="datetimeFigureOut">
               <a:rPr lang="en-US" smtClean="0"/>
-              <a:t>2015-04-18</a:t>
+              <a:t>2015-04-21</a:t>
             </a:fld>
             <a:endParaRPr lang="en-US"/>
           </a:p>
@@ -904,7 +904,7 @@
           <a:p>
             <a:fld id="{A1FD92F6-7B59-47F7-9C80-4F94E0E83D60}" type="datetimeFigureOut">
               <a:rPr lang="en-US" smtClean="0"/>
-              <a:t>2015-04-18</a:t>
+              <a:t>2015-04-21</a:t>
             </a:fld>
             <a:endParaRPr lang="en-US"/>
           </a:p>
@@ -1189,7 +1189,7 @@
           <a:p>
             <a:fld id="{A1FD92F6-7B59-47F7-9C80-4F94E0E83D60}" type="datetimeFigureOut">
               <a:rPr lang="en-US" smtClean="0"/>
-              <a:t>2015-04-18</a:t>
+              <a:t>2015-04-21</a:t>
             </a:fld>
             <a:endParaRPr lang="en-US"/>
           </a:p>
@@ -1472,7 +1472,7 @@
           <a:p>
             <a:fld id="{A1FD92F6-7B59-47F7-9C80-4F94E0E83D60}" type="datetimeFigureOut">
               <a:rPr lang="en-US" smtClean="0"/>
-              <a:t>2015-04-18</a:t>
+              <a:t>2015-04-21</a:t>
             </a:fld>
             <a:endParaRPr lang="en-US"/>
           </a:p>
@@ -1805,7 +1805,7 @@
           <a:p>
             <a:fld id="{A1FD92F6-7B59-47F7-9C80-4F94E0E83D60}" type="datetimeFigureOut">
               <a:rPr lang="en-US" smtClean="0"/>
-              <a:t>2015-04-18</a:t>
+              <a:t>2015-04-21</a:t>
             </a:fld>
             <a:endParaRPr lang="en-US"/>
           </a:p>
@@ -2271,7 +2271,7 @@
           <a:p>
             <a:fld id="{A1FD92F6-7B59-47F7-9C80-4F94E0E83D60}" type="datetimeFigureOut">
               <a:rPr lang="en-US" smtClean="0"/>
-              <a:t>2015-04-18</a:t>
+              <a:t>2015-04-21</a:t>
             </a:fld>
             <a:endParaRPr lang="en-US"/>
           </a:p>
@@ -2421,7 +2421,7 @@
           <a:p>
             <a:fld id="{A1FD92F6-7B59-47F7-9C80-4F94E0E83D60}" type="datetimeFigureOut">
               <a:rPr lang="en-US" smtClean="0"/>
-              <a:t>2015-04-18</a:t>
+              <a:t>2015-04-21</a:t>
             </a:fld>
             <a:endParaRPr lang="en-US"/>
           </a:p>
@@ -2540,7 +2540,7 @@
           <a:p>
             <a:fld id="{A1FD92F6-7B59-47F7-9C80-4F94E0E83D60}" type="datetimeFigureOut">
               <a:rPr lang="en-US" smtClean="0"/>
-              <a:t>2015-04-18</a:t>
+              <a:t>2015-04-21</a:t>
             </a:fld>
             <a:endParaRPr lang="en-US"/>
           </a:p>
@@ -2850,7 +2850,7 @@
           <a:p>
             <a:fld id="{A1FD92F6-7B59-47F7-9C80-4F94E0E83D60}" type="datetimeFigureOut">
               <a:rPr lang="en-US" smtClean="0"/>
-              <a:t>2015-04-18</a:t>
+              <a:t>2015-04-21</a:t>
             </a:fld>
             <a:endParaRPr lang="en-US"/>
           </a:p>
@@ -3136,7 +3136,7 @@
           <a:p>
             <a:fld id="{A1FD92F6-7B59-47F7-9C80-4F94E0E83D60}" type="datetimeFigureOut">
               <a:rPr lang="en-US" smtClean="0"/>
-              <a:t>2015-04-18</a:t>
+              <a:t>2015-04-21</a:t>
             </a:fld>
             <a:endParaRPr lang="en-US"/>
           </a:p>
@@ -3283,19 +3283,8 @@
                 <a:latin typeface="Arial" panose="020B0604020202020204" pitchFamily="34" charset="0"/>
                 <a:cs typeface="Arial" panose="020B0604020202020204" pitchFamily="34" charset="0"/>
               </a:rPr>
-              <a:t>, WebPKI.org, </a:t>
-            </a:r>
-            <a:r>
-              <a:rPr lang="en-US" sz="600" baseline="0" dirty="0" smtClean="0">
-                <a:latin typeface="Arial" panose="020B0604020202020204" pitchFamily="34" charset="0"/>
-                <a:cs typeface="Arial" panose="020B0604020202020204" pitchFamily="34" charset="0"/>
-              </a:rPr>
-              <a:t>V0.98, 2015-04-18</a:t>
-            </a:r>
-            <a:endParaRPr lang="en-US" sz="600" baseline="0" dirty="0" smtClean="0">
-              <a:latin typeface="Arial" panose="020B0604020202020204" pitchFamily="34" charset="0"/>
-              <a:cs typeface="Arial" panose="020B0604020202020204" pitchFamily="34" charset="0"/>
-            </a:endParaRPr>
+              <a:t>, WebPKI.org, V0.98, 2015-04-18</a:t>
+            </a:r>
           </a:p>
         </p:txBody>
       </p:sp>
@@ -6563,8 +6552,8 @@
             </a:prstGeom>
             <a:solidFill>
               <a:schemeClr val="accent2">
-                <a:lumMod val="60000"/>
-                <a:lumOff val="40000"/>
+                <a:lumMod val="40000"/>
+                <a:lumOff val="60000"/>
               </a:schemeClr>
             </a:solidFill>
             <a:ln w="6350" cap="flat" cmpd="sng" algn="ctr">
@@ -8019,8 +8008,8 @@
             </a:prstGeom>
             <a:solidFill>
               <a:schemeClr val="accent2">
-                <a:lumMod val="60000"/>
-                <a:lumOff val="40000"/>
+                <a:lumMod val="40000"/>
+                <a:lumOff val="60000"/>
               </a:schemeClr>
             </a:solidFill>
             <a:ln w="6350" cap="flat" cmpd="sng" algn="ctr">
@@ -8792,9 +8781,10 @@
               <a:avLst/>
             </a:prstGeom>
             <a:solidFill>
-              <a:sysClr val="window" lastClr="FFFFFF">
-                <a:lumMod val="95000"/>
-              </a:sysClr>
+              <a:schemeClr val="accent3">
+                <a:lumMod val="60000"/>
+                <a:lumOff val="40000"/>
+              </a:schemeClr>
             </a:solidFill>
             <a:ln w="6350" cap="flat" cmpd="sng" algn="ctr">
               <a:solidFill>
@@ -8963,9 +8953,10 @@
               <a:avLst/>
             </a:prstGeom>
             <a:solidFill>
-              <a:sysClr val="window" lastClr="FFFFFF">
-                <a:lumMod val="95000"/>
-              </a:sysClr>
+              <a:schemeClr val="accent2">
+                <a:lumMod val="40000"/>
+                <a:lumOff val="60000"/>
+              </a:schemeClr>
             </a:solidFill>
             <a:ln w="6350" cap="flat" cmpd="sng" algn="ctr">
               <a:solidFill>
@@ -14622,7 +14613,7 @@
           </p:nvSpPr>
           <p:spPr>
             <a:xfrm>
-              <a:off x="4788024" y="2495452"/>
+              <a:off x="4716016" y="2495452"/>
               <a:ext cx="627842" cy="262691"/>
             </a:xfrm>
             <a:prstGeom prst="roundRect">
@@ -14793,7 +14784,7 @@
           </p:nvSpPr>
           <p:spPr>
             <a:xfrm>
-              <a:off x="5559881" y="2500191"/>
+              <a:off x="5537981" y="2500191"/>
               <a:ext cx="677544" cy="258629"/>
             </a:xfrm>
             <a:prstGeom prst="roundRect">

--- a/resources/docs/web2native-bridge.pptx
+++ b/resources/docs/web2native-bridge.pptx
@@ -199,7 +199,7 @@
           <a:p>
             <a:fld id="{07A00844-99C3-4B4D-8665-83D6466F1606}" type="datetimeFigureOut">
               <a:rPr lang="en-US" smtClean="0"/>
-              <a:t>2015-04-21</a:t>
+              <a:t>2015-04-25</a:t>
             </a:fld>
             <a:endParaRPr lang="en-US"/>
           </a:p>
@@ -477,7 +477,7 @@
           <a:p>
             <a:fld id="{A1FD92F6-7B59-47F7-9C80-4F94E0E83D60}" type="datetimeFigureOut">
               <a:rPr lang="en-US" smtClean="0"/>
-              <a:t>2015-04-21</a:t>
+              <a:t>2015-04-25</a:t>
             </a:fld>
             <a:endParaRPr lang="en-US"/>
           </a:p>
@@ -694,7 +694,7 @@
           <a:p>
             <a:fld id="{A1FD92F6-7B59-47F7-9C80-4F94E0E83D60}" type="datetimeFigureOut">
               <a:rPr lang="en-US" smtClean="0"/>
-              <a:t>2015-04-21</a:t>
+              <a:t>2015-04-25</a:t>
             </a:fld>
             <a:endParaRPr lang="en-US"/>
           </a:p>
@@ -904,7 +904,7 @@
           <a:p>
             <a:fld id="{A1FD92F6-7B59-47F7-9C80-4F94E0E83D60}" type="datetimeFigureOut">
               <a:rPr lang="en-US" smtClean="0"/>
-              <a:t>2015-04-21</a:t>
+              <a:t>2015-04-25</a:t>
             </a:fld>
             <a:endParaRPr lang="en-US"/>
           </a:p>
@@ -1189,7 +1189,7 @@
           <a:p>
             <a:fld id="{A1FD92F6-7B59-47F7-9C80-4F94E0E83D60}" type="datetimeFigureOut">
               <a:rPr lang="en-US" smtClean="0"/>
-              <a:t>2015-04-21</a:t>
+              <a:t>2015-04-25</a:t>
             </a:fld>
             <a:endParaRPr lang="en-US"/>
           </a:p>
@@ -1472,7 +1472,7 @@
           <a:p>
             <a:fld id="{A1FD92F6-7B59-47F7-9C80-4F94E0E83D60}" type="datetimeFigureOut">
               <a:rPr lang="en-US" smtClean="0"/>
-              <a:t>2015-04-21</a:t>
+              <a:t>2015-04-25</a:t>
             </a:fld>
             <a:endParaRPr lang="en-US"/>
           </a:p>
@@ -1805,7 +1805,7 @@
           <a:p>
             <a:fld id="{A1FD92F6-7B59-47F7-9C80-4F94E0E83D60}" type="datetimeFigureOut">
               <a:rPr lang="en-US" smtClean="0"/>
-              <a:t>2015-04-21</a:t>
+              <a:t>2015-04-25</a:t>
             </a:fld>
             <a:endParaRPr lang="en-US"/>
           </a:p>
@@ -2271,7 +2271,7 @@
           <a:p>
             <a:fld id="{A1FD92F6-7B59-47F7-9C80-4F94E0E83D60}" type="datetimeFigureOut">
               <a:rPr lang="en-US" smtClean="0"/>
-              <a:t>2015-04-21</a:t>
+              <a:t>2015-04-25</a:t>
             </a:fld>
             <a:endParaRPr lang="en-US"/>
           </a:p>
@@ -2421,7 +2421,7 @@
           <a:p>
             <a:fld id="{A1FD92F6-7B59-47F7-9C80-4F94E0E83D60}" type="datetimeFigureOut">
               <a:rPr lang="en-US" smtClean="0"/>
-              <a:t>2015-04-21</a:t>
+              <a:t>2015-04-25</a:t>
             </a:fld>
             <a:endParaRPr lang="en-US"/>
           </a:p>
@@ -2540,7 +2540,7 @@
           <a:p>
             <a:fld id="{A1FD92F6-7B59-47F7-9C80-4F94E0E83D60}" type="datetimeFigureOut">
               <a:rPr lang="en-US" smtClean="0"/>
-              <a:t>2015-04-21</a:t>
+              <a:t>2015-04-25</a:t>
             </a:fld>
             <a:endParaRPr lang="en-US"/>
           </a:p>
@@ -2850,7 +2850,7 @@
           <a:p>
             <a:fld id="{A1FD92F6-7B59-47F7-9C80-4F94E0E83D60}" type="datetimeFigureOut">
               <a:rPr lang="en-US" smtClean="0"/>
-              <a:t>2015-04-21</a:t>
+              <a:t>2015-04-25</a:t>
             </a:fld>
             <a:endParaRPr lang="en-US"/>
           </a:p>
@@ -3136,7 +3136,7 @@
           <a:p>
             <a:fld id="{A1FD92F6-7B59-47F7-9C80-4F94E0E83D60}" type="datetimeFigureOut">
               <a:rPr lang="en-US" smtClean="0"/>
-              <a:t>2015-04-21</a:t>
+              <a:t>2015-04-25</a:t>
             </a:fld>
             <a:endParaRPr lang="en-US"/>
           </a:p>
@@ -3712,7 +3712,7 @@
         </p:nvSpPr>
         <p:spPr>
           <a:xfrm>
-            <a:off x="2501705" y="1548081"/>
+            <a:off x="2501705" y="1195513"/>
             <a:ext cx="4142481" cy="643253"/>
           </a:xfrm>
           <a:prstGeom prst="rect">
@@ -3776,8 +3776,8 @@
         </p:nvSpPr>
         <p:spPr>
           <a:xfrm>
-            <a:off x="955174" y="2456952"/>
-            <a:ext cx="7258000" cy="2772248"/>
+            <a:off x="955174" y="1987602"/>
+            <a:ext cx="7258000" cy="3345834"/>
           </a:xfrm>
           <a:prstGeom prst="roundRect">
             <a:avLst>
@@ -3891,7 +3891,14 @@
                 <a:latin typeface="Arial" panose="020B0604020202020204" pitchFamily="34" charset="0"/>
                 <a:cs typeface="Arial" panose="020B0604020202020204" pitchFamily="34" charset="0"/>
               </a:rPr>
-              <a:t> the functionality of the native level in the Web.</a:t>
+              <a:t> the functionality of the native level in the Web</a:t>
+            </a:r>
+            <a:r>
+              <a:rPr lang="en-US" sz="1600" dirty="0" smtClean="0">
+                <a:latin typeface="Arial" panose="020B0604020202020204" pitchFamily="34" charset="0"/>
+                <a:cs typeface="Arial" panose="020B0604020202020204" pitchFamily="34" charset="0"/>
+              </a:rPr>
+              <a:t>.</a:t>
             </a:r>
           </a:p>
           <a:p>
@@ -3901,11 +3908,18 @@
               </a:spcAft>
             </a:pPr>
             <a:r>
+              <a:rPr lang="en-US" sz="1600" dirty="0" smtClean="0">
+                <a:latin typeface="Arial" panose="020B0604020202020204" pitchFamily="34" charset="0"/>
+                <a:cs typeface="Arial" panose="020B0604020202020204" pitchFamily="34" charset="0"/>
+              </a:rPr>
+              <a:t>A </a:t>
+            </a:r>
+            <a:r>
               <a:rPr lang="en-US" sz="1600" dirty="0">
                 <a:latin typeface="Arial" panose="020B0604020202020204" pitchFamily="34" charset="0"/>
                 <a:cs typeface="Arial" panose="020B0604020202020204" pitchFamily="34" charset="0"/>
               </a:rPr>
-              <a:t>A core feature of </a:t>
+              <a:t>core feature of </a:t>
             </a:r>
             <a:r>
               <a:rPr lang="en-US" sz="1600" dirty="0" smtClean="0">
@@ -3961,8 +3975,68 @@
                 <a:latin typeface="Arial" panose="020B0604020202020204" pitchFamily="34" charset="0"/>
                 <a:cs typeface="Arial" panose="020B0604020202020204" pitchFamily="34" charset="0"/>
               </a:rPr>
-              <a:t>innovation.</a:t>
-            </a:r>
+              <a:t>innovation</a:t>
+            </a:r>
+            <a:r>
+              <a:rPr lang="en-US" sz="1600" i="1" dirty="0" smtClean="0">
+                <a:latin typeface="Arial" panose="020B0604020202020204" pitchFamily="34" charset="0"/>
+                <a:cs typeface="Arial" panose="020B0604020202020204" pitchFamily="34" charset="0"/>
+              </a:rPr>
+              <a:t>.</a:t>
+            </a:r>
+          </a:p>
+          <a:p>
+            <a:pPr>
+              <a:spcAft>
+                <a:spcPts val="800"/>
+              </a:spcAft>
+            </a:pPr>
+            <a:r>
+              <a:rPr lang="en-US" sz="1600" dirty="0" smtClean="0">
+                <a:latin typeface="Arial" panose="020B0604020202020204" pitchFamily="34" charset="0"/>
+                <a:cs typeface="Arial" panose="020B0604020202020204" pitchFamily="34" charset="0"/>
+              </a:rPr>
+              <a:t>In </a:t>
+            </a:r>
+            <a:r>
+              <a:rPr lang="en-US" sz="1600" dirty="0">
+                <a:latin typeface="Arial" panose="020B0604020202020204" pitchFamily="34" charset="0"/>
+                <a:cs typeface="Arial" panose="020B0604020202020204" pitchFamily="34" charset="0"/>
+              </a:rPr>
+              <a:t>contrast to jumping between the Web and single-purpose </a:t>
+            </a:r>
+            <a:r>
+              <a:rPr lang="en-US" sz="1600" dirty="0" smtClean="0">
+                <a:latin typeface="Arial" panose="020B0604020202020204" pitchFamily="34" charset="0"/>
+                <a:cs typeface="Arial" panose="020B0604020202020204" pitchFamily="34" charset="0"/>
+              </a:rPr>
+              <a:t>“Apps”, a more </a:t>
+            </a:r>
+            <a:r>
+              <a:rPr lang="en-US" sz="1600" i="1" dirty="0">
+                <a:latin typeface="Arial" panose="020B0604020202020204" pitchFamily="34" charset="0"/>
+                <a:cs typeface="Arial" panose="020B0604020202020204" pitchFamily="34" charset="0"/>
+              </a:rPr>
+              <a:t>seamless Web </a:t>
+            </a:r>
+            <a:r>
+              <a:rPr lang="en-US" sz="1600" i="1" dirty="0" smtClean="0">
+                <a:latin typeface="Arial" panose="020B0604020202020204" pitchFamily="34" charset="0"/>
+                <a:cs typeface="Arial" panose="020B0604020202020204" pitchFamily="34" charset="0"/>
+              </a:rPr>
+              <a:t>experience</a:t>
+            </a:r>
+            <a:r>
+              <a:rPr lang="en-US" sz="1600" dirty="0" smtClean="0">
+                <a:latin typeface="Arial" panose="020B0604020202020204" pitchFamily="34" charset="0"/>
+                <a:cs typeface="Arial" panose="020B0604020202020204" pitchFamily="34" charset="0"/>
+              </a:rPr>
+              <a:t> is facilitated.</a:t>
+            </a:r>
+            <a:endParaRPr lang="en-US" sz="1600" dirty="0">
+              <a:latin typeface="Arial" panose="020B0604020202020204" pitchFamily="34" charset="0"/>
+              <a:cs typeface="Arial" panose="020B0604020202020204" pitchFamily="34" charset="0"/>
+            </a:endParaRPr>
           </a:p>
           <a:p>
             <a:pPr>
@@ -4206,7 +4280,7 @@
         </p:nvSpPr>
         <p:spPr>
           <a:xfrm>
-            <a:off x="2860400" y="908720"/>
+            <a:off x="2860400" y="620688"/>
             <a:ext cx="3447547" cy="643253"/>
           </a:xfrm>
           <a:prstGeom prst="rect">

--- a/resources/docs/web2native-bridge.pptx
+++ b/resources/docs/web2native-bridge.pptx
@@ -199,7 +199,7 @@
           <a:p>
             <a:fld id="{07A00844-99C3-4B4D-8665-83D6466F1606}" type="datetimeFigureOut">
               <a:rPr lang="en-US" smtClean="0"/>
-              <a:t>2015-04-25</a:t>
+              <a:t>2015-04-28</a:t>
             </a:fld>
             <a:endParaRPr lang="en-US"/>
           </a:p>
@@ -477,7 +477,7 @@
           <a:p>
             <a:fld id="{A1FD92F6-7B59-47F7-9C80-4F94E0E83D60}" type="datetimeFigureOut">
               <a:rPr lang="en-US" smtClean="0"/>
-              <a:t>2015-04-25</a:t>
+              <a:t>2015-04-28</a:t>
             </a:fld>
             <a:endParaRPr lang="en-US"/>
           </a:p>
@@ -694,7 +694,7 @@
           <a:p>
             <a:fld id="{A1FD92F6-7B59-47F7-9C80-4F94E0E83D60}" type="datetimeFigureOut">
               <a:rPr lang="en-US" smtClean="0"/>
-              <a:t>2015-04-25</a:t>
+              <a:t>2015-04-28</a:t>
             </a:fld>
             <a:endParaRPr lang="en-US"/>
           </a:p>
@@ -904,7 +904,7 @@
           <a:p>
             <a:fld id="{A1FD92F6-7B59-47F7-9C80-4F94E0E83D60}" type="datetimeFigureOut">
               <a:rPr lang="en-US" smtClean="0"/>
-              <a:t>2015-04-25</a:t>
+              <a:t>2015-04-28</a:t>
             </a:fld>
             <a:endParaRPr lang="en-US"/>
           </a:p>
@@ -1189,7 +1189,7 @@
           <a:p>
             <a:fld id="{A1FD92F6-7B59-47F7-9C80-4F94E0E83D60}" type="datetimeFigureOut">
               <a:rPr lang="en-US" smtClean="0"/>
-              <a:t>2015-04-25</a:t>
+              <a:t>2015-04-28</a:t>
             </a:fld>
             <a:endParaRPr lang="en-US"/>
           </a:p>
@@ -1472,7 +1472,7 @@
           <a:p>
             <a:fld id="{A1FD92F6-7B59-47F7-9C80-4F94E0E83D60}" type="datetimeFigureOut">
               <a:rPr lang="en-US" smtClean="0"/>
-              <a:t>2015-04-25</a:t>
+              <a:t>2015-04-28</a:t>
             </a:fld>
             <a:endParaRPr lang="en-US"/>
           </a:p>
@@ -1805,7 +1805,7 @@
           <a:p>
             <a:fld id="{A1FD92F6-7B59-47F7-9C80-4F94E0E83D60}" type="datetimeFigureOut">
               <a:rPr lang="en-US" smtClean="0"/>
-              <a:t>2015-04-25</a:t>
+              <a:t>2015-04-28</a:t>
             </a:fld>
             <a:endParaRPr lang="en-US"/>
           </a:p>
@@ -2271,7 +2271,7 @@
           <a:p>
             <a:fld id="{A1FD92F6-7B59-47F7-9C80-4F94E0E83D60}" type="datetimeFigureOut">
               <a:rPr lang="en-US" smtClean="0"/>
-              <a:t>2015-04-25</a:t>
+              <a:t>2015-04-28</a:t>
             </a:fld>
             <a:endParaRPr lang="en-US"/>
           </a:p>
@@ -2421,7 +2421,7 @@
           <a:p>
             <a:fld id="{A1FD92F6-7B59-47F7-9C80-4F94E0E83D60}" type="datetimeFigureOut">
               <a:rPr lang="en-US" smtClean="0"/>
-              <a:t>2015-04-25</a:t>
+              <a:t>2015-04-28</a:t>
             </a:fld>
             <a:endParaRPr lang="en-US"/>
           </a:p>
@@ -2540,7 +2540,7 @@
           <a:p>
             <a:fld id="{A1FD92F6-7B59-47F7-9C80-4F94E0E83D60}" type="datetimeFigureOut">
               <a:rPr lang="en-US" smtClean="0"/>
-              <a:t>2015-04-25</a:t>
+              <a:t>2015-04-28</a:t>
             </a:fld>
             <a:endParaRPr lang="en-US"/>
           </a:p>
@@ -2850,7 +2850,7 @@
           <a:p>
             <a:fld id="{A1FD92F6-7B59-47F7-9C80-4F94E0E83D60}" type="datetimeFigureOut">
               <a:rPr lang="en-US" smtClean="0"/>
-              <a:t>2015-04-25</a:t>
+              <a:t>2015-04-28</a:t>
             </a:fld>
             <a:endParaRPr lang="en-US"/>
           </a:p>
@@ -3136,7 +3136,7 @@
           <a:p>
             <a:fld id="{A1FD92F6-7B59-47F7-9C80-4F94E0E83D60}" type="datetimeFigureOut">
               <a:rPr lang="en-US" smtClean="0"/>
-              <a:t>2015-04-25</a:t>
+              <a:t>2015-04-28</a:t>
             </a:fld>
             <a:endParaRPr lang="en-US"/>
           </a:p>
@@ -3891,14 +3891,7 @@
                 <a:latin typeface="Arial" panose="020B0604020202020204" pitchFamily="34" charset="0"/>
                 <a:cs typeface="Arial" panose="020B0604020202020204" pitchFamily="34" charset="0"/>
               </a:rPr>
-              <a:t> the functionality of the native level in the Web</a:t>
-            </a:r>
-            <a:r>
-              <a:rPr lang="en-US" sz="1600" dirty="0" smtClean="0">
-                <a:latin typeface="Arial" panose="020B0604020202020204" pitchFamily="34" charset="0"/>
-                <a:cs typeface="Arial" panose="020B0604020202020204" pitchFamily="34" charset="0"/>
-              </a:rPr>
-              <a:t>.</a:t>
+              <a:t> the functionality of the native level in the Web.</a:t>
             </a:r>
           </a:p>
           <a:p>
@@ -3975,14 +3968,7 @@
                 <a:latin typeface="Arial" panose="020B0604020202020204" pitchFamily="34" charset="0"/>
                 <a:cs typeface="Arial" panose="020B0604020202020204" pitchFamily="34" charset="0"/>
               </a:rPr>
-              <a:t>innovation</a:t>
-            </a:r>
-            <a:r>
-              <a:rPr lang="en-US" sz="1600" i="1" dirty="0" smtClean="0">
-                <a:latin typeface="Arial" panose="020B0604020202020204" pitchFamily="34" charset="0"/>
-                <a:cs typeface="Arial" panose="020B0604020202020204" pitchFamily="34" charset="0"/>
-              </a:rPr>
-              <a:t>.</a:t>
+              <a:t>innovation.</a:t>
             </a:r>
           </a:p>
           <a:p>
@@ -12999,8 +12985,8 @@
         </p:nvSpPr>
         <p:spPr>
           <a:xfrm>
-            <a:off x="395536" y="734208"/>
-            <a:ext cx="8280920" cy="6093976"/>
+            <a:off x="395536" y="721296"/>
+            <a:ext cx="8280920" cy="5770811"/>
           </a:xfrm>
           <a:prstGeom prst="rect">
             <a:avLst/>
@@ -13008,7 +12994,7 @@
           <a:noFill/>
         </p:spPr>
         <p:txBody>
-          <a:bodyPr wrap="square" rtlCol="0">
+          <a:bodyPr wrap="square" tIns="0" bIns="0" rtlCol="0" anchor="ctr" anchorCtr="0">
             <a:spAutoFit/>
           </a:bodyPr>
           <a:lstStyle/>
@@ -13019,25 +13005,18 @@
               </a:spcAft>
             </a:pPr>
             <a:r>
-              <a:rPr lang="en-US" sz="1000" dirty="0" smtClean="0">
-                <a:latin typeface="Arial" panose="020B0604020202020204" pitchFamily="34" charset="0"/>
-                <a:cs typeface="Arial" panose="020B0604020202020204" pitchFamily="34" charset="0"/>
-              </a:rPr>
-              <a:t>Note: This section does not deal </a:t>
-            </a:r>
-            <a:r>
-              <a:rPr lang="en-US" sz="1000" dirty="0">
-                <a:latin typeface="Arial" panose="020B0604020202020204" pitchFamily="34" charset="0"/>
-                <a:cs typeface="Arial" panose="020B0604020202020204" pitchFamily="34" charset="0"/>
-              </a:rPr>
-              <a:t>with </a:t>
-            </a:r>
-            <a:r>
-              <a:rPr lang="en-US" sz="1000" dirty="0" smtClean="0">
-                <a:latin typeface="Arial" panose="020B0604020202020204" pitchFamily="34" charset="0"/>
-                <a:cs typeface="Arial" panose="020B0604020202020204" pitchFamily="34" charset="0"/>
-              </a:rPr>
-              <a:t>robustness of implementations or how the system operates if the platform is compromised.</a:t>
+              <a:rPr lang="en-US" sz="1000" b="1" dirty="0" smtClean="0">
+                <a:latin typeface="Arial" panose="020B0604020202020204" pitchFamily="34" charset="0"/>
+                <a:cs typeface="Arial" panose="020B0604020202020204" pitchFamily="34" charset="0"/>
+              </a:rPr>
+              <a:t>Browser </a:t>
+            </a:r>
+            <a:r>
+              <a:rPr lang="en-US" sz="1000" b="1" dirty="0" smtClean="0">
+                <a:latin typeface="Arial" panose="020B0604020202020204" pitchFamily="34" charset="0"/>
+                <a:cs typeface="Arial" panose="020B0604020202020204" pitchFamily="34" charset="0"/>
+              </a:rPr>
+              <a:t>Security</a:t>
             </a:r>
           </a:p>
           <a:p>
@@ -13047,12 +13026,79 @@
               </a:spcAft>
             </a:pPr>
             <a:r>
-              <a:rPr lang="en-US" sz="1000" b="1" dirty="0" smtClean="0">
-                <a:latin typeface="Arial" panose="020B0604020202020204" pitchFamily="34" charset="0"/>
-                <a:cs typeface="Arial" panose="020B0604020202020204" pitchFamily="34" charset="0"/>
-              </a:rPr>
-              <a:t>Browser Security</a:t>
-            </a:r>
+              <a:rPr lang="en-US" sz="1000" dirty="0">
+                <a:latin typeface="Arial" panose="020B0604020202020204" pitchFamily="34" charset="0"/>
+                <a:cs typeface="Arial" panose="020B0604020202020204" pitchFamily="34" charset="0"/>
+              </a:rPr>
+              <a:t>The Web2Native Bridge introduces </a:t>
+            </a:r>
+            <a:r>
+              <a:rPr lang="en-US" sz="1000" dirty="0" smtClean="0">
+                <a:latin typeface="Arial" panose="020B0604020202020204" pitchFamily="34" charset="0"/>
+                <a:cs typeface="Arial" panose="020B0604020202020204" pitchFamily="34" charset="0"/>
+              </a:rPr>
+              <a:t>a mechanism </a:t>
+            </a:r>
+            <a:r>
+              <a:rPr lang="en-US" sz="1000" dirty="0">
+                <a:latin typeface="Arial" panose="020B0604020202020204" pitchFamily="34" charset="0"/>
+                <a:cs typeface="Arial" panose="020B0604020202020204" pitchFamily="34" charset="0"/>
+              </a:rPr>
+              <a:t>which </a:t>
+            </a:r>
+            <a:r>
+              <a:rPr lang="en-US" sz="1000" dirty="0" smtClean="0">
+                <a:latin typeface="Arial" panose="020B0604020202020204" pitchFamily="34" charset="0"/>
+                <a:cs typeface="Arial" panose="020B0604020202020204" pitchFamily="34" charset="0"/>
+              </a:rPr>
+              <a:t>enables standard web-applications invoking </a:t>
+            </a:r>
+            <a:r>
+              <a:rPr lang="en-US" sz="1000" i="1" dirty="0" smtClean="0">
+                <a:latin typeface="Arial" panose="020B0604020202020204" pitchFamily="34" charset="0"/>
+                <a:cs typeface="Arial" panose="020B0604020202020204" pitchFamily="34" charset="0"/>
+              </a:rPr>
+              <a:t>external</a:t>
+            </a:r>
+            <a:r>
+              <a:rPr lang="en-US" sz="1000" dirty="0" smtClean="0">
+                <a:latin typeface="Arial" panose="020B0604020202020204" pitchFamily="34" charset="0"/>
+                <a:cs typeface="Arial" panose="020B0604020202020204" pitchFamily="34" charset="0"/>
+              </a:rPr>
+              <a:t> (local) applications through a new interface (TBD).  This does not in itself present a risk </a:t>
+            </a:r>
+            <a:r>
+              <a:rPr lang="en-US" sz="1000" dirty="0" smtClean="0">
+                <a:latin typeface="Arial" panose="020B0604020202020204" pitchFamily="34" charset="0"/>
+                <a:cs typeface="Arial" panose="020B0604020202020204" pitchFamily="34" charset="0"/>
+              </a:rPr>
+              <a:t>specifically to </a:t>
+            </a:r>
+            <a:r>
+              <a:rPr lang="en-US" sz="1000" dirty="0" smtClean="0">
+                <a:latin typeface="Arial" panose="020B0604020202020204" pitchFamily="34" charset="0"/>
+                <a:cs typeface="Arial" panose="020B0604020202020204" pitchFamily="34" charset="0"/>
+              </a:rPr>
+              <a:t>the </a:t>
+            </a:r>
+            <a:r>
+              <a:rPr lang="en-US" sz="1000" i="1" dirty="0" smtClean="0">
+                <a:latin typeface="Arial" panose="020B0604020202020204" pitchFamily="34" charset="0"/>
+                <a:cs typeface="Arial" panose="020B0604020202020204" pitchFamily="34" charset="0"/>
+              </a:rPr>
+              <a:t>browser environment</a:t>
+            </a:r>
+            <a:r>
+              <a:rPr lang="en-US" sz="1000" dirty="0" smtClean="0">
+                <a:latin typeface="Arial" panose="020B0604020202020204" pitchFamily="34" charset="0"/>
+                <a:cs typeface="Arial" panose="020B0604020202020204" pitchFamily="34" charset="0"/>
+              </a:rPr>
+              <a:t>.</a:t>
+            </a:r>
+            <a:endParaRPr lang="en-US" sz="1000" dirty="0">
+              <a:latin typeface="Arial" panose="020B0604020202020204" pitchFamily="34" charset="0"/>
+              <a:cs typeface="Arial" panose="020B0604020202020204" pitchFamily="34" charset="0"/>
+            </a:endParaRPr>
           </a:p>
           <a:p>
             <a:pPr>
@@ -13061,65 +13107,114 @@
               </a:spcAft>
             </a:pPr>
             <a:r>
-              <a:rPr lang="en-US" sz="1000" dirty="0">
-                <a:latin typeface="Arial" panose="020B0604020202020204" pitchFamily="34" charset="0"/>
-                <a:cs typeface="Arial" panose="020B0604020202020204" pitchFamily="34" charset="0"/>
-              </a:rPr>
-              <a:t>The Web2Native Bridge introduces </a:t>
-            </a:r>
-            <a:r>
               <a:rPr lang="en-US" sz="1000" dirty="0" smtClean="0">
                 <a:latin typeface="Arial" panose="020B0604020202020204" pitchFamily="34" charset="0"/>
                 <a:cs typeface="Arial" panose="020B0604020202020204" pitchFamily="34" charset="0"/>
               </a:rPr>
-              <a:t>a mechanism </a:t>
-            </a:r>
-            <a:r>
-              <a:rPr lang="en-US" sz="1000" dirty="0">
-                <a:latin typeface="Arial" panose="020B0604020202020204" pitchFamily="34" charset="0"/>
-                <a:cs typeface="Arial" panose="020B0604020202020204" pitchFamily="34" charset="0"/>
-              </a:rPr>
-              <a:t>which </a:t>
+              <a:t>After successful invocation the Web2Native Bridge creates a </a:t>
+            </a:r>
+            <a:r>
+              <a:rPr lang="en-US" sz="1000" i="1" dirty="0">
+                <a:latin typeface="Arial" panose="020B0604020202020204" pitchFamily="34" charset="0"/>
+                <a:cs typeface="Arial" panose="020B0604020202020204" pitchFamily="34" charset="0"/>
+              </a:rPr>
+              <a:t>bi-directional </a:t>
+            </a:r>
+            <a:r>
+              <a:rPr lang="en-US" sz="1000" i="1" dirty="0" smtClean="0">
+                <a:latin typeface="Arial" panose="020B0604020202020204" pitchFamily="34" charset="0"/>
+                <a:cs typeface="Arial" panose="020B0604020202020204" pitchFamily="34" charset="0"/>
+              </a:rPr>
+              <a:t>trusted message channel</a:t>
             </a:r>
             <a:r>
               <a:rPr lang="en-US" sz="1000" dirty="0" smtClean="0">
                 <a:latin typeface="Arial" panose="020B0604020202020204" pitchFamily="34" charset="0"/>
                 <a:cs typeface="Arial" panose="020B0604020202020204" pitchFamily="34" charset="0"/>
               </a:rPr>
-              <a:t>enables standard web-applications invoking </a:t>
-            </a:r>
-            <a:r>
-              <a:rPr lang="en-US" sz="1000" i="1" dirty="0" smtClean="0">
-                <a:latin typeface="Arial" panose="020B0604020202020204" pitchFamily="34" charset="0"/>
-                <a:cs typeface="Arial" panose="020B0604020202020204" pitchFamily="34" charset="0"/>
-              </a:rPr>
-              <a:t>external</a:t>
+              <a:t> to the invoked application which from the browser’s side has similar properties to the already established </a:t>
+            </a:r>
+            <a:r>
+              <a:rPr lang="en-US" sz="1000" b="1" dirty="0" err="1" smtClean="0">
+                <a:latin typeface="Courier New" panose="02070309020205020404" pitchFamily="49" charset="0"/>
+                <a:cs typeface="Courier New" panose="02070309020205020404" pitchFamily="49" charset="0"/>
+              </a:rPr>
+              <a:t>postMessage</a:t>
+            </a:r>
+            <a:r>
+              <a:rPr lang="en-US" sz="1000" b="1" dirty="0" smtClean="0">
+                <a:latin typeface="Courier New" panose="02070309020205020404" pitchFamily="49" charset="0"/>
+                <a:cs typeface="Courier New" panose="02070309020205020404" pitchFamily="49" charset="0"/>
+              </a:rPr>
+              <a:t>()</a:t>
             </a:r>
             <a:r>
               <a:rPr lang="en-US" sz="1000" dirty="0" smtClean="0">
                 <a:latin typeface="Arial" panose="020B0604020202020204" pitchFamily="34" charset="0"/>
                 <a:cs typeface="Arial" panose="020B0604020202020204" pitchFamily="34" charset="0"/>
               </a:rPr>
-              <a:t> (local) applications through a new interface (TBD).  This does not in itself present a risk to the </a:t>
-            </a:r>
-            <a:r>
-              <a:rPr lang="en-US" sz="1000" i="1" dirty="0" smtClean="0">
-                <a:latin typeface="Arial" panose="020B0604020202020204" pitchFamily="34" charset="0"/>
-                <a:cs typeface="Arial" panose="020B0604020202020204" pitchFamily="34" charset="0"/>
-              </a:rPr>
-              <a:t>browser environment</a:t>
+              <a:t> and </a:t>
+            </a:r>
+            <a:r>
+              <a:rPr lang="en-US" sz="1000" b="1" dirty="0" err="1" smtClean="0">
+                <a:latin typeface="Courier New" panose="02070309020205020404" pitchFamily="49" charset="0"/>
+                <a:cs typeface="Courier New" panose="02070309020205020404" pitchFamily="49" charset="0"/>
+              </a:rPr>
+              <a:t>addEventListener</a:t>
+            </a:r>
+            <a:r>
+              <a:rPr lang="en-US" sz="1000" b="1" dirty="0" smtClean="0">
+                <a:latin typeface="Courier New" panose="02070309020205020404" pitchFamily="49" charset="0"/>
+                <a:cs typeface="Courier New" panose="02070309020205020404" pitchFamily="49" charset="0"/>
+              </a:rPr>
+              <a:t>()</a:t>
             </a:r>
             <a:r>
               <a:rPr lang="en-US" sz="1000" dirty="0" smtClean="0">
                 <a:latin typeface="Arial" panose="020B0604020202020204" pitchFamily="34" charset="0"/>
                 <a:cs typeface="Arial" panose="020B0604020202020204" pitchFamily="34" charset="0"/>
               </a:rPr>
-              <a:t>.</a:t>
-            </a:r>
-            <a:endParaRPr lang="en-US" sz="1000" dirty="0">
+              <a:t> </a:t>
+            </a:r>
+            <a:r>
+              <a:rPr lang="en-US" sz="1000" dirty="0" smtClean="0">
+                <a:latin typeface="Arial" panose="020B0604020202020204" pitchFamily="34" charset="0"/>
+                <a:cs typeface="Arial" panose="020B0604020202020204" pitchFamily="34" charset="0"/>
+              </a:rPr>
+              <a:t>methods.</a:t>
+            </a:r>
+            <a:endParaRPr lang="en-US" sz="1000" dirty="0" smtClean="0">
               <a:latin typeface="Arial" panose="020B0604020202020204" pitchFamily="34" charset="0"/>
               <a:cs typeface="Arial" panose="020B0604020202020204" pitchFamily="34" charset="0"/>
             </a:endParaRPr>
+          </a:p>
+          <a:p>
+            <a:pPr>
+              <a:spcAft>
+                <a:spcPts val="1200"/>
+              </a:spcAft>
+            </a:pPr>
+            <a:r>
+              <a:rPr lang="en-US" sz="1000" dirty="0" smtClean="0">
+                <a:latin typeface="Arial" panose="020B0604020202020204" pitchFamily="34" charset="0"/>
+                <a:cs typeface="Arial" panose="020B0604020202020204" pitchFamily="34" charset="0"/>
+              </a:rPr>
+              <a:t>That is, the </a:t>
+            </a:r>
+            <a:r>
+              <a:rPr lang="en-US" sz="1000" dirty="0">
+                <a:latin typeface="Arial" panose="020B0604020202020204" pitchFamily="34" charset="0"/>
+                <a:cs typeface="Arial" panose="020B0604020202020204" pitchFamily="34" charset="0"/>
+              </a:rPr>
+              <a:t>Web2Native Bridge </a:t>
+            </a:r>
+            <a:r>
+              <a:rPr lang="en-US" sz="1000" dirty="0" smtClean="0">
+                <a:latin typeface="Arial" panose="020B0604020202020204" pitchFamily="34" charset="0"/>
+                <a:cs typeface="Arial" panose="020B0604020202020204" pitchFamily="34" charset="0"/>
+              </a:rPr>
+              <a:t>does not rely on installing custom code directly in the browser like the deprecated NPAPI did.</a:t>
+            </a:r>
           </a:p>
           <a:p>
             <a:pPr>
@@ -13128,88 +13223,199 @@
               </a:spcAft>
             </a:pPr>
             <a:r>
+              <a:rPr lang="en-US" sz="1000" b="1" dirty="0" smtClean="0">
+                <a:latin typeface="Arial" panose="020B0604020202020204" pitchFamily="34" charset="0"/>
+                <a:cs typeface="Arial" panose="020B0604020202020204" pitchFamily="34" charset="0"/>
+              </a:rPr>
+              <a:t>Platform Security</a:t>
+            </a:r>
+          </a:p>
+          <a:p>
+            <a:pPr>
+              <a:spcAft>
+                <a:spcPts val="600"/>
+              </a:spcAft>
+            </a:pPr>
+            <a:r>
               <a:rPr lang="en-US" sz="1000" dirty="0" smtClean="0">
                 <a:latin typeface="Arial" panose="020B0604020202020204" pitchFamily="34" charset="0"/>
                 <a:cs typeface="Arial" panose="020B0604020202020204" pitchFamily="34" charset="0"/>
               </a:rPr>
-              <a:t>After successful invocation the Web2Native Bridge creates a </a:t>
-            </a:r>
-            <a:r>
-              <a:rPr lang="en-US" sz="1000" i="1" dirty="0">
-                <a:latin typeface="Arial" panose="020B0604020202020204" pitchFamily="34" charset="0"/>
-                <a:cs typeface="Arial" panose="020B0604020202020204" pitchFamily="34" charset="0"/>
-              </a:rPr>
-              <a:t>bi-directional </a:t>
+              <a:t>An external application of the type used by the Web2Native Bridge would most likely have the same possibilities as any other local application running in the user’s context.</a:t>
+            </a:r>
+          </a:p>
+          <a:p>
+            <a:pPr>
+              <a:spcAft>
+                <a:spcPts val="600"/>
+              </a:spcAft>
+            </a:pPr>
+            <a:r>
+              <a:rPr lang="en-US" sz="1000" dirty="0" smtClean="0">
+                <a:latin typeface="Arial" panose="020B0604020202020204" pitchFamily="34" charset="0"/>
+                <a:cs typeface="Arial" panose="020B0604020202020204" pitchFamily="34" charset="0"/>
+              </a:rPr>
+              <a:t>In contrast to traditional local applications, </a:t>
             </a:r>
             <a:r>
               <a:rPr lang="en-US" sz="1000" i="1" dirty="0" smtClean="0">
                 <a:latin typeface="Arial" panose="020B0604020202020204" pitchFamily="34" charset="0"/>
                 <a:cs typeface="Arial" panose="020B0604020202020204" pitchFamily="34" charset="0"/>
               </a:rPr>
-              <a:t>trusted </a:t>
-            </a:r>
-            <a:r>
-              <a:rPr lang="en-US" sz="1000" i="1" smtClean="0">
-                <a:latin typeface="Arial" panose="020B0604020202020204" pitchFamily="34" charset="0"/>
-                <a:cs typeface="Arial" panose="020B0604020202020204" pitchFamily="34" charset="0"/>
-              </a:rPr>
-              <a:t>message channel</a:t>
-            </a:r>
-            <a:r>
-              <a:rPr lang="en-US" sz="1000" smtClean="0">
-                <a:latin typeface="Arial" panose="020B0604020202020204" pitchFamily="34" charset="0"/>
-                <a:cs typeface="Arial" panose="020B0604020202020204" pitchFamily="34" charset="0"/>
-              </a:rPr>
-              <a:t> to </a:t>
+              <a:t>Web2Native Bridge applications can typically be invoked by any web-site</a:t>
             </a:r>
             <a:r>
               <a:rPr lang="en-US" sz="1000" dirty="0" smtClean="0">
                 <a:latin typeface="Arial" panose="020B0604020202020204" pitchFamily="34" charset="0"/>
                 <a:cs typeface="Arial" panose="020B0604020202020204" pitchFamily="34" charset="0"/>
               </a:rPr>
-              <a:t>the invoked application which from the browser’s side has similar properties to the already established </a:t>
-            </a:r>
-            <a:r>
-              <a:rPr lang="en-US" sz="1000" b="1" dirty="0" err="1" smtClean="0">
-                <a:latin typeface="Courier New" panose="02070309020205020404" pitchFamily="49" charset="0"/>
-                <a:cs typeface="Courier New" panose="02070309020205020404" pitchFamily="49" charset="0"/>
-              </a:rPr>
-              <a:t>postMessage</a:t>
-            </a:r>
-            <a:r>
-              <a:rPr lang="en-US" sz="1000" b="1" dirty="0" smtClean="0">
-                <a:latin typeface="Courier New" panose="02070309020205020404" pitchFamily="49" charset="0"/>
-                <a:cs typeface="Courier New" panose="02070309020205020404" pitchFamily="49" charset="0"/>
-              </a:rPr>
-              <a:t>()</a:t>
+              <a:t>.  For large-scale usage, such applications MUST therefore be vetted in a specific way to avoid potential security or privacy violations.  That is, it MUST NOT be possible invoking trust-wise unknown Web2Native Bridge applications except for development purposes.  Also see </a:t>
+            </a:r>
+            <a:r>
+              <a:rPr lang="en-US" sz="1000" dirty="0">
+                <a:latin typeface="Arial" panose="020B0604020202020204" pitchFamily="34" charset="0"/>
+                <a:cs typeface="Arial" panose="020B0604020202020204" pitchFamily="34" charset="0"/>
+                <a:hlinkClick r:id="rId2" action="ppaction://hlinksldjump"/>
+              </a:rPr>
+              <a:t>HTTPS </a:t>
             </a:r>
             <a:r>
               <a:rPr lang="en-US" sz="1000" dirty="0" smtClean="0">
                 <a:latin typeface="Arial" panose="020B0604020202020204" pitchFamily="34" charset="0"/>
                 <a:cs typeface="Arial" panose="020B0604020202020204" pitchFamily="34" charset="0"/>
-              </a:rPr>
-              <a:t> and </a:t>
-            </a:r>
-            <a:r>
-              <a:rPr lang="en-US" sz="1000" b="1" dirty="0" err="1" smtClean="0">
-                <a:latin typeface="Courier New" panose="02070309020205020404" pitchFamily="49" charset="0"/>
-                <a:cs typeface="Courier New" panose="02070309020205020404" pitchFamily="49" charset="0"/>
-              </a:rPr>
-              <a:t>addEventListener</a:t>
-            </a:r>
-            <a:r>
-              <a:rPr lang="en-US" sz="1000" b="1" dirty="0" smtClean="0">
-                <a:latin typeface="Courier New" panose="02070309020205020404" pitchFamily="49" charset="0"/>
-                <a:cs typeface="Courier New" panose="02070309020205020404" pitchFamily="49" charset="0"/>
-              </a:rPr>
-              <a:t>()</a:t>
+                <a:hlinkClick r:id="rId2" action="ppaction://hlinksldjump"/>
+              </a:rPr>
+              <a:t>CCA</a:t>
             </a:r>
             <a:r>
               <a:rPr lang="en-US" sz="1000" dirty="0" smtClean="0">
                 <a:latin typeface="Arial" panose="020B0604020202020204" pitchFamily="34" charset="0"/>
                 <a:cs typeface="Arial" panose="020B0604020202020204" pitchFamily="34" charset="0"/>
               </a:rPr>
-              <a:t> functions.</a:t>
+              <a:t>.</a:t>
+            </a:r>
+          </a:p>
+          <a:p>
+            <a:pPr>
+              <a:spcAft>
+                <a:spcPts val="600"/>
+              </a:spcAft>
+            </a:pPr>
+            <a:r>
+              <a:rPr lang="en-US" sz="1000" dirty="0" smtClean="0">
+                <a:latin typeface="Arial" panose="020B0604020202020204" pitchFamily="34" charset="0"/>
+                <a:cs typeface="Arial" panose="020B0604020202020204" pitchFamily="34" charset="0"/>
+              </a:rPr>
+              <a:t>Web2Native </a:t>
+            </a:r>
+            <a:r>
+              <a:rPr lang="en-US" sz="1000" dirty="0">
+                <a:latin typeface="Arial" panose="020B0604020202020204" pitchFamily="34" charset="0"/>
+                <a:cs typeface="Arial" panose="020B0604020202020204" pitchFamily="34" charset="0"/>
+              </a:rPr>
+              <a:t>Bridge </a:t>
+            </a:r>
+            <a:r>
+              <a:rPr lang="en-US" sz="1000" dirty="0" smtClean="0">
+                <a:latin typeface="Arial" panose="020B0604020202020204" pitchFamily="34" charset="0"/>
+                <a:cs typeface="Arial" panose="020B0604020202020204" pitchFamily="34" charset="0"/>
+              </a:rPr>
+              <a:t>invocation requests MUST be derivable to secure origins (authenticated by HTTPS).</a:t>
+            </a:r>
+          </a:p>
+          <a:p>
+            <a:pPr>
+              <a:spcAft>
+                <a:spcPts val="600"/>
+              </a:spcAft>
+            </a:pPr>
+            <a:r>
+              <a:rPr lang="en-US" sz="1000" dirty="0" smtClean="0">
+                <a:latin typeface="Arial" panose="020B0604020202020204" pitchFamily="34" charset="0"/>
+                <a:cs typeface="Arial" panose="020B0604020202020204" pitchFamily="34" charset="0"/>
+              </a:rPr>
+              <a:t>Web2Native Bridge applications MUST in a clear way inform users what is requested as well as including the ability to cancel the request and possibly also offering an option to block</a:t>
+            </a:r>
+            <a:r>
+              <a:rPr lang="en-US" sz="1000" dirty="0">
+                <a:latin typeface="Arial" panose="020B0604020202020204" pitchFamily="34" charset="0"/>
+                <a:cs typeface="Arial" panose="020B0604020202020204" pitchFamily="34" charset="0"/>
+              </a:rPr>
+              <a:t>.</a:t>
+            </a:r>
+            <a:endParaRPr lang="en-US" sz="1000" dirty="0" smtClean="0">
+              <a:latin typeface="Arial" panose="020B0604020202020204" pitchFamily="34" charset="0"/>
+              <a:cs typeface="Arial" panose="020B0604020202020204" pitchFamily="34" charset="0"/>
+            </a:endParaRPr>
+          </a:p>
+          <a:p>
+            <a:pPr>
+              <a:spcAft>
+                <a:spcPts val="600"/>
+              </a:spcAft>
+            </a:pPr>
+            <a:r>
+              <a:rPr lang="en-US" sz="1000" dirty="0" smtClean="0">
+                <a:latin typeface="Arial" panose="020B0604020202020204" pitchFamily="34" charset="0"/>
+                <a:cs typeface="Arial" panose="020B0604020202020204" pitchFamily="34" charset="0"/>
+              </a:rPr>
+              <a:t>Each Web2Native </a:t>
+            </a:r>
+            <a:r>
+              <a:rPr lang="en-US" sz="1000" dirty="0">
+                <a:latin typeface="Arial" panose="020B0604020202020204" pitchFamily="34" charset="0"/>
+                <a:cs typeface="Arial" panose="020B0604020202020204" pitchFamily="34" charset="0"/>
+              </a:rPr>
+              <a:t>Bridge </a:t>
+            </a:r>
+            <a:r>
+              <a:rPr lang="en-US" sz="1000" dirty="0" smtClean="0">
+                <a:latin typeface="Arial" panose="020B0604020202020204" pitchFamily="34" charset="0"/>
+                <a:cs typeface="Arial" panose="020B0604020202020204" pitchFamily="34" charset="0"/>
+              </a:rPr>
+              <a:t>application exposes a specific interface based on messages passed through the </a:t>
+            </a:r>
+            <a:r>
+              <a:rPr lang="en-US" sz="1000" dirty="0">
+                <a:latin typeface="Arial" panose="020B0604020202020204" pitchFamily="34" charset="0"/>
+                <a:cs typeface="Arial" panose="020B0604020202020204" pitchFamily="34" charset="0"/>
+              </a:rPr>
+              <a:t>Web2Native Bridge </a:t>
+            </a:r>
+            <a:r>
+              <a:rPr lang="en-US" sz="1000" dirty="0" smtClean="0">
+                <a:latin typeface="Arial" panose="020B0604020202020204" pitchFamily="34" charset="0"/>
+                <a:cs typeface="Arial" panose="020B0604020202020204" pitchFamily="34" charset="0"/>
+              </a:rPr>
+              <a:t>channel. </a:t>
+            </a:r>
+            <a:r>
+              <a:rPr lang="en-US" sz="1000" dirty="0">
+                <a:latin typeface="Arial" panose="020B0604020202020204" pitchFamily="34" charset="0"/>
+                <a:cs typeface="Arial" panose="020B0604020202020204" pitchFamily="34" charset="0"/>
+              </a:rPr>
+              <a:t>Web2Native Bridge </a:t>
+            </a:r>
+            <a:r>
+              <a:rPr lang="en-US" sz="1000" dirty="0" smtClean="0">
+                <a:latin typeface="Arial" panose="020B0604020202020204" pitchFamily="34" charset="0"/>
+                <a:cs typeface="Arial" panose="020B0604020202020204" pitchFamily="34" charset="0"/>
+              </a:rPr>
+              <a:t>applications MUST verify the correctness of inbound messages and immediately abort execution if there is a mismatch.</a:t>
+            </a:r>
+          </a:p>
+          <a:p>
+            <a:pPr>
+              <a:spcAft>
+                <a:spcPts val="600"/>
+              </a:spcAft>
+            </a:pPr>
+            <a:r>
+              <a:rPr lang="en-US" sz="1000" dirty="0">
+                <a:latin typeface="Arial" panose="020B0604020202020204" pitchFamily="34" charset="0"/>
+                <a:cs typeface="Arial" panose="020B0604020202020204" pitchFamily="34" charset="0"/>
+              </a:rPr>
+              <a:t>A Web2Native Bridge application MAY restrict access to specific domains.</a:t>
             </a:r>
           </a:p>
           <a:p>
@@ -13223,21 +13429,49 @@
                 <a:latin typeface="Arial" panose="020B0604020202020204" pitchFamily="34" charset="0"/>
                 <a:cs typeface="Arial" panose="020B0604020202020204" pitchFamily="34" charset="0"/>
               </a:rPr>
-              <a:t>That is, the </a:t>
+              <a:t>A </a:t>
+            </a:r>
+            <a:r>
+              <a:rPr lang="en-US" sz="1000" dirty="0" smtClean="0">
+                <a:latin typeface="Arial" panose="020B0604020202020204" pitchFamily="34" charset="0"/>
+                <a:cs typeface="Arial" panose="020B0604020202020204" pitchFamily="34" charset="0"/>
+              </a:rPr>
+              <a:t>Web2Native </a:t>
             </a:r>
             <a:r>
               <a:rPr lang="en-US" sz="1000" dirty="0">
                 <a:latin typeface="Arial" panose="020B0604020202020204" pitchFamily="34" charset="0"/>
                 <a:cs typeface="Arial" panose="020B0604020202020204" pitchFamily="34" charset="0"/>
               </a:rPr>
-              <a:t>Web2Native Bridge </a:t>
+              <a:t>Bridge </a:t>
             </a:r>
             <a:r>
               <a:rPr lang="en-US" sz="1000" dirty="0" smtClean="0">
                 <a:latin typeface="Arial" panose="020B0604020202020204" pitchFamily="34" charset="0"/>
                 <a:cs typeface="Arial" panose="020B0604020202020204" pitchFamily="34" charset="0"/>
               </a:rPr>
-              <a:t>does not rely on installing custom code directly in the browser like the deprecated NPAPI did.</a:t>
+              <a:t>application MAY restrict access by requiring </a:t>
+            </a:r>
+            <a:r>
+              <a:rPr lang="en-US" sz="1000" dirty="0" smtClean="0">
+                <a:latin typeface="Arial" panose="020B0604020202020204" pitchFamily="34" charset="0"/>
+                <a:cs typeface="Arial" panose="020B0604020202020204" pitchFamily="34" charset="0"/>
+              </a:rPr>
+              <a:t>callers proving </a:t>
+            </a:r>
+            <a:r>
+              <a:rPr lang="en-US" sz="1000" dirty="0" smtClean="0">
+                <a:latin typeface="Arial" panose="020B0604020202020204" pitchFamily="34" charset="0"/>
+                <a:cs typeface="Arial" panose="020B0604020202020204" pitchFamily="34" charset="0"/>
+              </a:rPr>
+              <a:t>their “membership” or similar</a:t>
+            </a:r>
+            <a:r>
+              <a:rPr lang="en-US" sz="1000" dirty="0" smtClean="0">
+                <a:latin typeface="Arial" panose="020B0604020202020204" pitchFamily="34" charset="0"/>
+                <a:cs typeface="Arial" panose="020B0604020202020204" pitchFamily="34" charset="0"/>
+              </a:rPr>
+              <a:t>.</a:t>
             </a:r>
           </a:p>
           <a:p>
@@ -13251,7 +13485,14 @@
                 <a:latin typeface="Arial" panose="020B0604020202020204" pitchFamily="34" charset="0"/>
                 <a:cs typeface="Arial" panose="020B0604020202020204" pitchFamily="34" charset="0"/>
               </a:rPr>
-              <a:t>Platform Security</a:t>
+              <a:t>Privacy </a:t>
+            </a:r>
+            <a:r>
+              <a:rPr lang="en-US" sz="1000" b="1" dirty="0" smtClean="0">
+                <a:latin typeface="Arial" panose="020B0604020202020204" pitchFamily="34" charset="0"/>
+                <a:cs typeface="Arial" panose="020B0604020202020204" pitchFamily="34" charset="0"/>
+              </a:rPr>
+              <a:t>Issues</a:t>
             </a:r>
           </a:p>
           <a:p>
@@ -13261,11 +13502,106 @@
               </a:spcAft>
             </a:pPr>
             <a:r>
+              <a:rPr lang="en-US" sz="1000" dirty="0">
+                <a:latin typeface="Arial" panose="020B0604020202020204" pitchFamily="34" charset="0"/>
+                <a:cs typeface="Arial" panose="020B0604020202020204" pitchFamily="34" charset="0"/>
+              </a:rPr>
+              <a:t>There could be minor </a:t>
+            </a:r>
+            <a:r>
               <a:rPr lang="en-US" sz="1000" dirty="0" smtClean="0">
                 <a:latin typeface="Arial" panose="020B0604020202020204" pitchFamily="34" charset="0"/>
                 <a:cs typeface="Arial" panose="020B0604020202020204" pitchFamily="34" charset="0"/>
               </a:rPr>
-              <a:t>An external application of the type used by the Web2Native Bridge would most likely have the same possibilities as any other local application running in the user’s context.</a:t>
+              <a:t>privacy-impediments </a:t>
+            </a:r>
+            <a:r>
+              <a:rPr lang="en-US" sz="1000" dirty="0">
+                <a:latin typeface="Arial" panose="020B0604020202020204" pitchFamily="34" charset="0"/>
+                <a:cs typeface="Arial" panose="020B0604020202020204" pitchFamily="34" charset="0"/>
+              </a:rPr>
+              <a:t>since the invocation mechanism </a:t>
+            </a:r>
+            <a:r>
+              <a:rPr lang="en-US" sz="1000" dirty="0" smtClean="0">
+                <a:latin typeface="Arial" panose="020B0604020202020204" pitchFamily="34" charset="0"/>
+                <a:cs typeface="Arial" panose="020B0604020202020204" pitchFamily="34" charset="0"/>
+              </a:rPr>
+              <a:t>can enable </a:t>
+            </a:r>
+            <a:r>
+              <a:rPr lang="en-US" sz="1000" dirty="0">
+                <a:latin typeface="Arial" panose="020B0604020202020204" pitchFamily="34" charset="0"/>
+                <a:cs typeface="Arial" panose="020B0604020202020204" pitchFamily="34" charset="0"/>
+              </a:rPr>
+              <a:t>additional finger-printing of the client (=finding out that a certain Web2Native Bridge </a:t>
+            </a:r>
+            <a:r>
+              <a:rPr lang="en-US" sz="1000" dirty="0" smtClean="0">
+                <a:latin typeface="Arial" panose="020B0604020202020204" pitchFamily="34" charset="0"/>
+                <a:cs typeface="Arial" panose="020B0604020202020204" pitchFamily="34" charset="0"/>
+              </a:rPr>
+              <a:t>application </a:t>
+            </a:r>
+            <a:r>
+              <a:rPr lang="en-US" sz="1000" dirty="0">
+                <a:latin typeface="Arial" panose="020B0604020202020204" pitchFamily="34" charset="0"/>
+                <a:cs typeface="Arial" panose="020B0604020202020204" pitchFamily="34" charset="0"/>
+              </a:rPr>
+              <a:t>is available</a:t>
+            </a:r>
+            <a:r>
+              <a:rPr lang="en-US" sz="1000" dirty="0" smtClean="0">
+                <a:latin typeface="Arial" panose="020B0604020202020204" pitchFamily="34" charset="0"/>
+                <a:cs typeface="Arial" panose="020B0604020202020204" pitchFamily="34" charset="0"/>
+              </a:rPr>
+              <a:t>).  However, silent enumeration of supported applications MUST NOT be permitted.</a:t>
+            </a:r>
+            <a:endParaRPr lang="en-US" sz="1000" dirty="0">
+              <a:latin typeface="Arial" panose="020B0604020202020204" pitchFamily="34" charset="0"/>
+              <a:cs typeface="Arial" panose="020B0604020202020204" pitchFamily="34" charset="0"/>
+            </a:endParaRPr>
+          </a:p>
+          <a:p>
+            <a:pPr>
+              <a:spcAft>
+                <a:spcPts val="1200"/>
+              </a:spcAft>
+            </a:pPr>
+            <a:r>
+              <a:rPr lang="en-US" sz="1000" dirty="0" smtClean="0">
+                <a:latin typeface="Arial" panose="020B0604020202020204" pitchFamily="34" charset="0"/>
+                <a:cs typeface="Arial" panose="020B0604020202020204" pitchFamily="34" charset="0"/>
+              </a:rPr>
+              <a:t>If the user accidently interacts with another web-site than he/she intended, the user could be tricked providing information which usually isn't intended for arbitrary consumption like an </a:t>
+            </a:r>
+            <a:r>
+              <a:rPr lang="en-US" sz="1000" dirty="0" err="1" smtClean="0">
+                <a:latin typeface="Arial" panose="020B0604020202020204" pitchFamily="34" charset="0"/>
+                <a:cs typeface="Arial" panose="020B0604020202020204" pitchFamily="34" charset="0"/>
+              </a:rPr>
+              <a:t>eID</a:t>
+            </a:r>
+            <a:r>
+              <a:rPr lang="en-US" sz="1000" dirty="0" smtClean="0">
+                <a:latin typeface="Arial" panose="020B0604020202020204" pitchFamily="34" charset="0"/>
+                <a:cs typeface="Arial" panose="020B0604020202020204" pitchFamily="34" charset="0"/>
+              </a:rPr>
+              <a:t> certificate containing a citizen ID.   An </a:t>
+            </a:r>
+            <a:r>
+              <a:rPr lang="en-US" sz="1000" dirty="0">
+                <a:latin typeface="Arial" panose="020B0604020202020204" pitchFamily="34" charset="0"/>
+                <a:cs typeface="Arial" panose="020B0604020202020204" pitchFamily="34" charset="0"/>
+              </a:rPr>
+              <a:t>identity-related Web2Native Bridge application </a:t>
+            </a:r>
+            <a:r>
+              <a:rPr lang="en-US" sz="1000" dirty="0" smtClean="0">
+                <a:latin typeface="Arial" panose="020B0604020202020204" pitchFamily="34" charset="0"/>
+                <a:cs typeface="Arial" panose="020B0604020202020204" pitchFamily="34" charset="0"/>
+              </a:rPr>
+              <a:t>SHOULD therefore inform users about previously not encountered sites.</a:t>
             </a:r>
           </a:p>
           <a:p>
@@ -13275,332 +13611,60 @@
               </a:spcAft>
             </a:pPr>
             <a:r>
+              <a:rPr lang="en-US" sz="1000" b="1" dirty="0" smtClean="0">
+                <a:latin typeface="Arial" panose="020B0604020202020204" pitchFamily="34" charset="0"/>
+                <a:cs typeface="Arial" panose="020B0604020202020204" pitchFamily="34" charset="0"/>
+              </a:rPr>
+              <a:t>Application Vetting</a:t>
+            </a:r>
+          </a:p>
+          <a:p>
+            <a:r>
               <a:rPr lang="en-US" sz="1000" dirty="0" smtClean="0">
                 <a:latin typeface="Arial" panose="020B0604020202020204" pitchFamily="34" charset="0"/>
                 <a:cs typeface="Arial" panose="020B0604020202020204" pitchFamily="34" charset="0"/>
               </a:rPr>
-              <a:t>In contrast to traditional local applications, </a:t>
-            </a:r>
-            <a:r>
-              <a:rPr lang="en-US" sz="1000" i="1" dirty="0" smtClean="0">
-                <a:latin typeface="Arial" panose="020B0604020202020204" pitchFamily="34" charset="0"/>
-                <a:cs typeface="Arial" panose="020B0604020202020204" pitchFamily="34" charset="0"/>
-              </a:rPr>
-              <a:t>Web2Native Bridge applications can typically be invoked by any web-site</a:t>
+              <a:t>In addition to the intrinsic security features, a </a:t>
             </a:r>
             <a:r>
               <a:rPr lang="en-US" sz="1000" dirty="0" smtClean="0">
                 <a:latin typeface="Arial" panose="020B0604020202020204" pitchFamily="34" charset="0"/>
                 <a:cs typeface="Arial" panose="020B0604020202020204" pitchFamily="34" charset="0"/>
               </a:rPr>
-              <a:t>.  For large-scale usage, such applications MUST therefore be vetted in a specific way to avoid potential security or privacy violations.  That is, it MUST NOT be possible invoking trust-wise unknown Web2Native Bridge applications except for development purposes.  Also see </a:t>
-            </a:r>
-            <a:r>
-              <a:rPr lang="en-US" sz="1000" dirty="0">
-                <a:latin typeface="Arial" panose="020B0604020202020204" pitchFamily="34" charset="0"/>
-                <a:cs typeface="Arial" panose="020B0604020202020204" pitchFamily="34" charset="0"/>
-                <a:hlinkClick r:id="rId2" action="ppaction://hlinksldjump"/>
-              </a:rPr>
-              <a:t>HTTPS </a:t>
+              <a:t>party performing </a:t>
             </a:r>
             <a:r>
               <a:rPr lang="en-US" sz="1000" dirty="0" smtClean="0">
                 <a:latin typeface="Arial" panose="020B0604020202020204" pitchFamily="34" charset="0"/>
                 <a:cs typeface="Arial" panose="020B0604020202020204" pitchFamily="34" charset="0"/>
-                <a:hlinkClick r:id="rId2" action="ppaction://hlinksldjump"/>
-              </a:rPr>
-              <a:t>CCA</a:t>
+              </a:rPr>
+              <a:t>vetting may further restrict usage of certain applications </a:t>
             </a:r>
             <a:r>
               <a:rPr lang="en-US" sz="1000" dirty="0" smtClean="0">
                 <a:latin typeface="Arial" panose="020B0604020202020204" pitchFamily="34" charset="0"/>
                 <a:cs typeface="Arial" panose="020B0604020202020204" pitchFamily="34" charset="0"/>
               </a:rPr>
-              <a:t>.</a:t>
-            </a:r>
-          </a:p>
-          <a:p>
-            <a:pPr>
-              <a:spcAft>
-                <a:spcPts val="600"/>
-              </a:spcAft>
-            </a:pPr>
+              <a:t>and/or </a:t>
+            </a:r>
             <a:r>
               <a:rPr lang="en-US" sz="1000" dirty="0" smtClean="0">
                 <a:latin typeface="Arial" panose="020B0604020202020204" pitchFamily="34" charset="0"/>
                 <a:cs typeface="Arial" panose="020B0604020202020204" pitchFamily="34" charset="0"/>
               </a:rPr>
-              <a:t>Web2Native </a:t>
-            </a:r>
-            <a:r>
-              <a:rPr lang="en-US" sz="1000" dirty="0">
-                <a:latin typeface="Arial" panose="020B0604020202020204" pitchFamily="34" charset="0"/>
-                <a:cs typeface="Arial" panose="020B0604020202020204" pitchFamily="34" charset="0"/>
-              </a:rPr>
-              <a:t>Bridge </a:t>
+              <a:t>impose special requirements on </a:t>
             </a:r>
             <a:r>
               <a:rPr lang="en-US" sz="1000" dirty="0" smtClean="0">
                 <a:latin typeface="Arial" panose="020B0604020202020204" pitchFamily="34" charset="0"/>
                 <a:cs typeface="Arial" panose="020B0604020202020204" pitchFamily="34" charset="0"/>
               </a:rPr>
-              <a:t>invocation requests MUST be derivable to secure origins (authenticated by HTTPS).</a:t>
-            </a:r>
-          </a:p>
-          <a:p>
-            <a:pPr>
-              <a:spcAft>
-                <a:spcPts val="600"/>
-              </a:spcAft>
-            </a:pPr>
-            <a:r>
-              <a:rPr lang="en-US" sz="1000" dirty="0" smtClean="0">
-                <a:latin typeface="Arial" panose="020B0604020202020204" pitchFamily="34" charset="0"/>
-                <a:cs typeface="Arial" panose="020B0604020202020204" pitchFamily="34" charset="0"/>
-              </a:rPr>
-              <a:t>Web2Native Bridge applications MUST in a clear way inform users what is requested as well as including the ability to cancel the request and possibly also offering an option to block</a:t>
-            </a:r>
-            <a:r>
-              <a:rPr lang="en-US" sz="1000" dirty="0">
-                <a:latin typeface="Arial" panose="020B0604020202020204" pitchFamily="34" charset="0"/>
-                <a:cs typeface="Arial" panose="020B0604020202020204" pitchFamily="34" charset="0"/>
-              </a:rPr>
-              <a:t>.</a:t>
+              <a:t>developers.</a:t>
             </a:r>
             <a:endParaRPr lang="en-US" sz="1000" dirty="0" smtClean="0">
               <a:latin typeface="Arial" panose="020B0604020202020204" pitchFamily="34" charset="0"/>
               <a:cs typeface="Arial" panose="020B0604020202020204" pitchFamily="34" charset="0"/>
             </a:endParaRPr>
-          </a:p>
-          <a:p>
-            <a:pPr>
-              <a:spcAft>
-                <a:spcPts val="600"/>
-              </a:spcAft>
-            </a:pPr>
-            <a:r>
-              <a:rPr lang="en-US" sz="1000" dirty="0" smtClean="0">
-                <a:latin typeface="Arial" panose="020B0604020202020204" pitchFamily="34" charset="0"/>
-                <a:cs typeface="Arial" panose="020B0604020202020204" pitchFamily="34" charset="0"/>
-              </a:rPr>
-              <a:t>Each Web2Native </a:t>
-            </a:r>
-            <a:r>
-              <a:rPr lang="en-US" sz="1000" dirty="0">
-                <a:latin typeface="Arial" panose="020B0604020202020204" pitchFamily="34" charset="0"/>
-                <a:cs typeface="Arial" panose="020B0604020202020204" pitchFamily="34" charset="0"/>
-              </a:rPr>
-              <a:t>Bridge </a:t>
-            </a:r>
-            <a:r>
-              <a:rPr lang="en-US" sz="1000" dirty="0" smtClean="0">
-                <a:latin typeface="Arial" panose="020B0604020202020204" pitchFamily="34" charset="0"/>
-                <a:cs typeface="Arial" panose="020B0604020202020204" pitchFamily="34" charset="0"/>
-              </a:rPr>
-              <a:t>application exposes a specific interface based on messages passed through the </a:t>
-            </a:r>
-            <a:r>
-              <a:rPr lang="en-US" sz="1000" dirty="0">
-                <a:latin typeface="Arial" panose="020B0604020202020204" pitchFamily="34" charset="0"/>
-                <a:cs typeface="Arial" panose="020B0604020202020204" pitchFamily="34" charset="0"/>
-              </a:rPr>
-              <a:t>Web2Native Bridge </a:t>
-            </a:r>
-            <a:r>
-              <a:rPr lang="en-US" sz="1000" dirty="0" smtClean="0">
-                <a:latin typeface="Arial" panose="020B0604020202020204" pitchFamily="34" charset="0"/>
-                <a:cs typeface="Arial" panose="020B0604020202020204" pitchFamily="34" charset="0"/>
-              </a:rPr>
-              <a:t>channel. </a:t>
-            </a:r>
-            <a:r>
-              <a:rPr lang="en-US" sz="1000" dirty="0">
-                <a:latin typeface="Arial" panose="020B0604020202020204" pitchFamily="34" charset="0"/>
-                <a:cs typeface="Arial" panose="020B0604020202020204" pitchFamily="34" charset="0"/>
-              </a:rPr>
-              <a:t>Web2Native Bridge </a:t>
-            </a:r>
-            <a:r>
-              <a:rPr lang="en-US" sz="1000" dirty="0" smtClean="0">
-                <a:latin typeface="Arial" panose="020B0604020202020204" pitchFamily="34" charset="0"/>
-                <a:cs typeface="Arial" panose="020B0604020202020204" pitchFamily="34" charset="0"/>
-              </a:rPr>
-              <a:t>applications MUST verify the correctness of inbound messages and immediately abort execution if there is a mismatch.</a:t>
-            </a:r>
-          </a:p>
-          <a:p>
-            <a:pPr>
-              <a:spcAft>
-                <a:spcPts val="1200"/>
-              </a:spcAft>
-            </a:pPr>
-            <a:r>
-              <a:rPr lang="en-US" sz="1000" dirty="0" smtClean="0">
-                <a:latin typeface="Arial" panose="020B0604020202020204" pitchFamily="34" charset="0"/>
-                <a:cs typeface="Arial" panose="020B0604020202020204" pitchFamily="34" charset="0"/>
-              </a:rPr>
-              <a:t>A Web2Native </a:t>
-            </a:r>
-            <a:r>
-              <a:rPr lang="en-US" sz="1000" dirty="0">
-                <a:latin typeface="Arial" panose="020B0604020202020204" pitchFamily="34" charset="0"/>
-                <a:cs typeface="Arial" panose="020B0604020202020204" pitchFamily="34" charset="0"/>
-              </a:rPr>
-              <a:t>Bridge </a:t>
-            </a:r>
-            <a:r>
-              <a:rPr lang="en-US" sz="1000" dirty="0" smtClean="0">
-                <a:latin typeface="Arial" panose="020B0604020202020204" pitchFamily="34" charset="0"/>
-                <a:cs typeface="Arial" panose="020B0604020202020204" pitchFamily="34" charset="0"/>
-              </a:rPr>
-              <a:t>application MAY restrict access by requiring callers performing something to prove their “membership” or similar.</a:t>
-            </a:r>
-          </a:p>
-          <a:p>
-            <a:pPr>
-              <a:spcAft>
-                <a:spcPts val="600"/>
-              </a:spcAft>
-            </a:pPr>
-            <a:r>
-              <a:rPr lang="en-US" sz="1000" b="1" dirty="0" smtClean="0">
-                <a:latin typeface="Arial" panose="020B0604020202020204" pitchFamily="34" charset="0"/>
-                <a:cs typeface="Arial" panose="020B0604020202020204" pitchFamily="34" charset="0"/>
-              </a:rPr>
-              <a:t>Privacy Issues</a:t>
-            </a:r>
-          </a:p>
-          <a:p>
-            <a:pPr>
-              <a:spcAft>
-                <a:spcPts val="600"/>
-              </a:spcAft>
-            </a:pPr>
-            <a:r>
-              <a:rPr lang="en-US" sz="1000" dirty="0">
-                <a:latin typeface="Arial" panose="020B0604020202020204" pitchFamily="34" charset="0"/>
-                <a:cs typeface="Arial" panose="020B0604020202020204" pitchFamily="34" charset="0"/>
-              </a:rPr>
-              <a:t>There could be minor </a:t>
-            </a:r>
-            <a:r>
-              <a:rPr lang="en-US" sz="1000" dirty="0" smtClean="0">
-                <a:latin typeface="Arial" panose="020B0604020202020204" pitchFamily="34" charset="0"/>
-                <a:cs typeface="Arial" panose="020B0604020202020204" pitchFamily="34" charset="0"/>
-              </a:rPr>
-              <a:t>privacy-impediments </a:t>
-            </a:r>
-            <a:r>
-              <a:rPr lang="en-US" sz="1000" dirty="0">
-                <a:latin typeface="Arial" panose="020B0604020202020204" pitchFamily="34" charset="0"/>
-                <a:cs typeface="Arial" panose="020B0604020202020204" pitchFamily="34" charset="0"/>
-              </a:rPr>
-              <a:t>since the invocation mechanism </a:t>
-            </a:r>
-            <a:r>
-              <a:rPr lang="en-US" sz="1000" dirty="0" smtClean="0">
-                <a:latin typeface="Arial" panose="020B0604020202020204" pitchFamily="34" charset="0"/>
-                <a:cs typeface="Arial" panose="020B0604020202020204" pitchFamily="34" charset="0"/>
-              </a:rPr>
-              <a:t>can enable </a:t>
-            </a:r>
-            <a:r>
-              <a:rPr lang="en-US" sz="1000" dirty="0">
-                <a:latin typeface="Arial" panose="020B0604020202020204" pitchFamily="34" charset="0"/>
-                <a:cs typeface="Arial" panose="020B0604020202020204" pitchFamily="34" charset="0"/>
-              </a:rPr>
-              <a:t>additional finger-printing of the client (=finding out that a certain Web2Native Bridge </a:t>
-            </a:r>
-            <a:r>
-              <a:rPr lang="en-US" sz="1000" dirty="0" smtClean="0">
-                <a:latin typeface="Arial" panose="020B0604020202020204" pitchFamily="34" charset="0"/>
-                <a:cs typeface="Arial" panose="020B0604020202020204" pitchFamily="34" charset="0"/>
-              </a:rPr>
-              <a:t>application </a:t>
-            </a:r>
-            <a:r>
-              <a:rPr lang="en-US" sz="1000" dirty="0">
-                <a:latin typeface="Arial" panose="020B0604020202020204" pitchFamily="34" charset="0"/>
-                <a:cs typeface="Arial" panose="020B0604020202020204" pitchFamily="34" charset="0"/>
-              </a:rPr>
-              <a:t>is available</a:t>
-            </a:r>
-            <a:r>
-              <a:rPr lang="en-US" sz="1000" dirty="0" smtClean="0">
-                <a:latin typeface="Arial" panose="020B0604020202020204" pitchFamily="34" charset="0"/>
-                <a:cs typeface="Arial" panose="020B0604020202020204" pitchFamily="34" charset="0"/>
-              </a:rPr>
-              <a:t>).  However, silent enumeration of supported applications MUST NOT be permitted.</a:t>
-            </a:r>
-            <a:endParaRPr lang="en-US" sz="1000" dirty="0">
-              <a:latin typeface="Arial" panose="020B0604020202020204" pitchFamily="34" charset="0"/>
-              <a:cs typeface="Arial" panose="020B0604020202020204" pitchFamily="34" charset="0"/>
-            </a:endParaRPr>
-          </a:p>
-          <a:p>
-            <a:pPr>
-              <a:spcAft>
-                <a:spcPts val="1200"/>
-              </a:spcAft>
-            </a:pPr>
-            <a:r>
-              <a:rPr lang="en-US" sz="1000" dirty="0" smtClean="0">
-                <a:latin typeface="Arial" panose="020B0604020202020204" pitchFamily="34" charset="0"/>
-                <a:cs typeface="Arial" panose="020B0604020202020204" pitchFamily="34" charset="0"/>
-              </a:rPr>
-              <a:t>If the user accidently interacts with another web-site than he/she intended, the user could be tricked providing information which usually isn't intended for arbitrary consumption like an </a:t>
-            </a:r>
-            <a:r>
-              <a:rPr lang="en-US" sz="1000" dirty="0" err="1" smtClean="0">
-                <a:latin typeface="Arial" panose="020B0604020202020204" pitchFamily="34" charset="0"/>
-                <a:cs typeface="Arial" panose="020B0604020202020204" pitchFamily="34" charset="0"/>
-              </a:rPr>
-              <a:t>eID</a:t>
-            </a:r>
-            <a:r>
-              <a:rPr lang="en-US" sz="1000" dirty="0" smtClean="0">
-                <a:latin typeface="Arial" panose="020B0604020202020204" pitchFamily="34" charset="0"/>
-                <a:cs typeface="Arial" panose="020B0604020202020204" pitchFamily="34" charset="0"/>
-              </a:rPr>
-              <a:t> certificate containing a citizen ID.   An </a:t>
-            </a:r>
-            <a:r>
-              <a:rPr lang="en-US" sz="1000" dirty="0">
-                <a:latin typeface="Arial" panose="020B0604020202020204" pitchFamily="34" charset="0"/>
-                <a:cs typeface="Arial" panose="020B0604020202020204" pitchFamily="34" charset="0"/>
-              </a:rPr>
-              <a:t>identity-related Web2Native Bridge application </a:t>
-            </a:r>
-            <a:r>
-              <a:rPr lang="en-US" sz="1000" dirty="0" smtClean="0">
-                <a:latin typeface="Arial" panose="020B0604020202020204" pitchFamily="34" charset="0"/>
-                <a:cs typeface="Arial" panose="020B0604020202020204" pitchFamily="34" charset="0"/>
-              </a:rPr>
-              <a:t>SHOULD therefore inform users about previously not encountered sites.</a:t>
-            </a:r>
-          </a:p>
-          <a:p>
-            <a:pPr>
-              <a:spcAft>
-                <a:spcPts val="600"/>
-              </a:spcAft>
-            </a:pPr>
-            <a:r>
-              <a:rPr lang="en-US" sz="1000" b="1" dirty="0" smtClean="0">
-                <a:latin typeface="Arial" panose="020B0604020202020204" pitchFamily="34" charset="0"/>
-                <a:cs typeface="Arial" panose="020B0604020202020204" pitchFamily="34" charset="0"/>
-              </a:rPr>
-              <a:t>Application Vetting</a:t>
-            </a:r>
-          </a:p>
-          <a:p>
-            <a:r>
-              <a:rPr lang="en-US" sz="1000" dirty="0" smtClean="0">
-                <a:latin typeface="Arial" panose="020B0604020202020204" pitchFamily="34" charset="0"/>
-                <a:cs typeface="Arial" panose="020B0604020202020204" pitchFamily="34" charset="0"/>
-              </a:rPr>
-              <a:t>In addition to the intrinsic security features, a vendor performing vetting may further restrict usage of certain applications or impose special requirements on developers.</a:t>
-            </a:r>
           </a:p>
         </p:txBody>
       </p:sp>

--- a/resources/docs/web2native-bridge.pptx
+++ b/resources/docs/web2native-bridge.pptx
@@ -3283,8 +3283,19 @@
                 <a:latin typeface="Arial" panose="020B0604020202020204" pitchFamily="34" charset="0"/>
                 <a:cs typeface="Arial" panose="020B0604020202020204" pitchFamily="34" charset="0"/>
               </a:rPr>
-              <a:t>, WebPKI.org, V0.98, 2015-04-18</a:t>
-            </a:r>
+              <a:t>, WebPKI.org, </a:t>
+            </a:r>
+            <a:r>
+              <a:rPr lang="en-US" sz="600" baseline="0" dirty="0" smtClean="0">
+                <a:latin typeface="Arial" panose="020B0604020202020204" pitchFamily="34" charset="0"/>
+                <a:cs typeface="Arial" panose="020B0604020202020204" pitchFamily="34" charset="0"/>
+              </a:rPr>
+              <a:t>V0.99, 2015-04-28</a:t>
+            </a:r>
+            <a:endParaRPr lang="en-US" sz="600" baseline="0" dirty="0" smtClean="0">
+              <a:latin typeface="Arial" panose="020B0604020202020204" pitchFamily="34" charset="0"/>
+              <a:cs typeface="Arial" panose="020B0604020202020204" pitchFamily="34" charset="0"/>
+            </a:endParaRPr>
           </a:p>
         </p:txBody>
       </p:sp>
@@ -3712,7 +3723,7 @@
         </p:nvSpPr>
         <p:spPr>
           <a:xfrm>
-            <a:off x="2501705" y="1195513"/>
+            <a:off x="2501705" y="1051497"/>
             <a:ext cx="4142481" cy="643253"/>
           </a:xfrm>
           <a:prstGeom prst="rect">
@@ -3776,8 +3787,8 @@
         </p:nvSpPr>
         <p:spPr>
           <a:xfrm>
-            <a:off x="955174" y="1987602"/>
-            <a:ext cx="7258000" cy="3345834"/>
+            <a:off x="955174" y="1772816"/>
+            <a:ext cx="7258000" cy="3711514"/>
           </a:xfrm>
           <a:prstGeom prst="roundRect">
             <a:avLst>
@@ -4074,6 +4085,11 @@
             </a:r>
           </a:p>
           <a:p>
+            <a:pPr>
+              <a:spcAft>
+                <a:spcPts val="800"/>
+              </a:spcAft>
+            </a:pPr>
             <a:r>
               <a:rPr lang="en-US" sz="1600" dirty="0" smtClean="0">
                 <a:latin typeface="Arial" panose="020B0604020202020204" pitchFamily="34" charset="0"/>
@@ -4102,6 +4118,34 @@
               </a:rPr>
               <a:t>.</a:t>
             </a:r>
+          </a:p>
+          <a:p>
+            <a:r>
+              <a:rPr lang="en-US" sz="1600" dirty="0" smtClean="0">
+                <a:latin typeface="Arial" panose="020B0604020202020204" pitchFamily="34" charset="0"/>
+                <a:cs typeface="Arial" panose="020B0604020202020204" pitchFamily="34" charset="0"/>
+              </a:rPr>
+              <a:t>This proposal is a enhanced version of </a:t>
+            </a:r>
+            <a:r>
+              <a:rPr lang="en-US" sz="1600" dirty="0" smtClean="0">
+                <a:latin typeface="Arial" panose="020B0604020202020204" pitchFamily="34" charset="0"/>
+                <a:cs typeface="Arial" panose="020B0604020202020204" pitchFamily="34" charset="0"/>
+                <a:hlinkClick r:id="rId2" action="ppaction://hlinksldjump"/>
+              </a:rPr>
+              <a:t>Chrome’s Native Messaging</a:t>
+            </a:r>
+            <a:r>
+              <a:rPr lang="en-US" sz="1600" dirty="0" smtClean="0">
+                <a:latin typeface="Arial" panose="020B0604020202020204" pitchFamily="34" charset="0"/>
+                <a:cs typeface="Arial" panose="020B0604020202020204" pitchFamily="34" charset="0"/>
+              </a:rPr>
+              <a:t>.</a:t>
+            </a:r>
+            <a:endParaRPr lang="en-US" sz="1600" dirty="0" smtClean="0">
+              <a:latin typeface="Arial" panose="020B0604020202020204" pitchFamily="34" charset="0"/>
+              <a:cs typeface="Arial" panose="020B0604020202020204" pitchFamily="34" charset="0"/>
+            </a:endParaRPr>
           </a:p>
         </p:txBody>
       </p:sp>
@@ -4164,7 +4208,7 @@
         </p:nvSpPr>
         <p:spPr>
           <a:xfrm>
-            <a:off x="683568" y="5517232"/>
+            <a:off x="683568" y="5586625"/>
             <a:ext cx="7673622" cy="938719"/>
           </a:xfrm>
           <a:prstGeom prst="rect">
@@ -4266,7 +4310,7 @@
         </p:nvSpPr>
         <p:spPr>
           <a:xfrm>
-            <a:off x="2860400" y="620688"/>
+            <a:off x="2860400" y="476672"/>
             <a:ext cx="3447547" cy="643253"/>
           </a:xfrm>
           <a:prstGeom prst="rect">
@@ -12477,8 +12521,27 @@
                 <a:latin typeface="Arial" panose="020B0604020202020204" pitchFamily="34" charset="0"/>
                 <a:cs typeface="Arial" panose="020B0604020202020204" pitchFamily="34" charset="0"/>
               </a:rPr>
-              <a:t>Channel API</a:t>
-            </a:r>
+              <a:t>Channel </a:t>
+            </a:r>
+            <a:r>
+              <a:rPr lang="en-US" sz="1400" dirty="0" smtClean="0">
+                <a:latin typeface="Arial" panose="020B0604020202020204" pitchFamily="34" charset="0"/>
+                <a:cs typeface="Arial" panose="020B0604020202020204" pitchFamily="34" charset="0"/>
+              </a:rPr>
+              <a:t>API.  Most likely modelled after </a:t>
+            </a:r>
+            <a:r>
+              <a:rPr lang="en-US" sz="1400" dirty="0" smtClean="0">
+                <a:latin typeface="Arial" panose="020B0604020202020204" pitchFamily="34" charset="0"/>
+                <a:cs typeface="Arial" panose="020B0604020202020204" pitchFamily="34" charset="0"/>
+                <a:hlinkClick r:id="rId2"/>
+              </a:rPr>
+              <a:t>http://www.w3.org/TR/webmessaging/</a:t>
+            </a:r>
+            <a:endParaRPr lang="en-US" sz="1400" dirty="0" smtClean="0">
+              <a:latin typeface="Arial" panose="020B0604020202020204" pitchFamily="34" charset="0"/>
+              <a:cs typeface="Arial" panose="020B0604020202020204" pitchFamily="34" charset="0"/>
+            </a:endParaRPr>
           </a:p>
           <a:p>
             <a:pPr marL="285750" indent="-285750">
@@ -13009,14 +13072,7 @@
                 <a:latin typeface="Arial" panose="020B0604020202020204" pitchFamily="34" charset="0"/>
                 <a:cs typeface="Arial" panose="020B0604020202020204" pitchFamily="34" charset="0"/>
               </a:rPr>
-              <a:t>Browser </a:t>
-            </a:r>
-            <a:r>
-              <a:rPr lang="en-US" sz="1000" b="1" dirty="0" smtClean="0">
-                <a:latin typeface="Arial" panose="020B0604020202020204" pitchFamily="34" charset="0"/>
-                <a:cs typeface="Arial" panose="020B0604020202020204" pitchFamily="34" charset="0"/>
-              </a:rPr>
-              <a:t>Security</a:t>
+              <a:t>Browser Security</a:t>
             </a:r>
           </a:p>
           <a:p>
@@ -13065,21 +13121,7 @@
                 <a:latin typeface="Arial" panose="020B0604020202020204" pitchFamily="34" charset="0"/>
                 <a:cs typeface="Arial" panose="020B0604020202020204" pitchFamily="34" charset="0"/>
               </a:rPr>
-              <a:t> (local) applications through a new interface (TBD).  This does not in itself present a risk </a:t>
-            </a:r>
-            <a:r>
-              <a:rPr lang="en-US" sz="1000" dirty="0" smtClean="0">
-                <a:latin typeface="Arial" panose="020B0604020202020204" pitchFamily="34" charset="0"/>
-                <a:cs typeface="Arial" panose="020B0604020202020204" pitchFamily="34" charset="0"/>
-              </a:rPr>
-              <a:t>specifically to </a:t>
-            </a:r>
-            <a:r>
-              <a:rPr lang="en-US" sz="1000" dirty="0" smtClean="0">
-                <a:latin typeface="Arial" panose="020B0604020202020204" pitchFamily="34" charset="0"/>
-                <a:cs typeface="Arial" panose="020B0604020202020204" pitchFamily="34" charset="0"/>
-              </a:rPr>
-              <a:t>the </a:t>
+              <a:t> (local) applications through a new interface (TBD).  This does not in itself present a risk specifically to the </a:t>
             </a:r>
             <a:r>
               <a:rPr lang="en-US" sz="1000" i="1" dirty="0" smtClean="0">
@@ -13174,19 +13216,8 @@
                 <a:latin typeface="Arial" panose="020B0604020202020204" pitchFamily="34" charset="0"/>
                 <a:cs typeface="Arial" panose="020B0604020202020204" pitchFamily="34" charset="0"/>
               </a:rPr>
-              <a:t> </a:t>
-            </a:r>
-            <a:r>
-              <a:rPr lang="en-US" sz="1000" dirty="0" smtClean="0">
-                <a:latin typeface="Arial" panose="020B0604020202020204" pitchFamily="34" charset="0"/>
-                <a:cs typeface="Arial" panose="020B0604020202020204" pitchFamily="34" charset="0"/>
-              </a:rPr>
-              <a:t>methods.</a:t>
-            </a:r>
-            <a:endParaRPr lang="en-US" sz="1000" dirty="0" smtClean="0">
-              <a:latin typeface="Arial" panose="020B0604020202020204" pitchFamily="34" charset="0"/>
-              <a:cs typeface="Arial" panose="020B0604020202020204" pitchFamily="34" charset="0"/>
-            </a:endParaRPr>
+              <a:t> methods.</a:t>
+            </a:r>
           </a:p>
           <a:p>
             <a:pPr>
@@ -13429,49 +13460,21 @@
                 <a:latin typeface="Arial" panose="020B0604020202020204" pitchFamily="34" charset="0"/>
                 <a:cs typeface="Arial" panose="020B0604020202020204" pitchFamily="34" charset="0"/>
               </a:rPr>
-              <a:t>A </a:t>
+              <a:t>A Web2Native </a:t>
+            </a:r>
+            <a:r>
+              <a:rPr lang="en-US" sz="1000" dirty="0">
+                <a:latin typeface="Arial" panose="020B0604020202020204" pitchFamily="34" charset="0"/>
+                <a:cs typeface="Arial" panose="020B0604020202020204" pitchFamily="34" charset="0"/>
+              </a:rPr>
+              <a:t>Bridge </a:t>
             </a:r>
             <a:r>
               <a:rPr lang="en-US" sz="1000" dirty="0" smtClean="0">
                 <a:latin typeface="Arial" panose="020B0604020202020204" pitchFamily="34" charset="0"/>
                 <a:cs typeface="Arial" panose="020B0604020202020204" pitchFamily="34" charset="0"/>
               </a:rPr>
-              <a:t>Web2Native </a:t>
-            </a:r>
-            <a:r>
-              <a:rPr lang="en-US" sz="1000" dirty="0">
-                <a:latin typeface="Arial" panose="020B0604020202020204" pitchFamily="34" charset="0"/>
-                <a:cs typeface="Arial" panose="020B0604020202020204" pitchFamily="34" charset="0"/>
-              </a:rPr>
-              <a:t>Bridge </a:t>
-            </a:r>
-            <a:r>
-              <a:rPr lang="en-US" sz="1000" dirty="0" smtClean="0">
-                <a:latin typeface="Arial" panose="020B0604020202020204" pitchFamily="34" charset="0"/>
-                <a:cs typeface="Arial" panose="020B0604020202020204" pitchFamily="34" charset="0"/>
-              </a:rPr>
-              <a:t>application MAY restrict access by requiring </a:t>
-            </a:r>
-            <a:r>
-              <a:rPr lang="en-US" sz="1000" dirty="0" smtClean="0">
-                <a:latin typeface="Arial" panose="020B0604020202020204" pitchFamily="34" charset="0"/>
-                <a:cs typeface="Arial" panose="020B0604020202020204" pitchFamily="34" charset="0"/>
-              </a:rPr>
-              <a:t>callers proving </a:t>
-            </a:r>
-            <a:r>
-              <a:rPr lang="en-US" sz="1000" dirty="0" smtClean="0">
-                <a:latin typeface="Arial" panose="020B0604020202020204" pitchFamily="34" charset="0"/>
-                <a:cs typeface="Arial" panose="020B0604020202020204" pitchFamily="34" charset="0"/>
-              </a:rPr>
-              <a:t>their “membership” or similar</a:t>
-            </a:r>
-            <a:r>
-              <a:rPr lang="en-US" sz="1000" dirty="0" smtClean="0">
-                <a:latin typeface="Arial" panose="020B0604020202020204" pitchFamily="34" charset="0"/>
-                <a:cs typeface="Arial" panose="020B0604020202020204" pitchFamily="34" charset="0"/>
-              </a:rPr>
-              <a:t>.</a:t>
+              <a:t>application MAY restrict access by requiring callers proving their “membership” or similar.</a:t>
             </a:r>
           </a:p>
           <a:p>
@@ -13485,14 +13488,7 @@
                 <a:latin typeface="Arial" panose="020B0604020202020204" pitchFamily="34" charset="0"/>
                 <a:cs typeface="Arial" panose="020B0604020202020204" pitchFamily="34" charset="0"/>
               </a:rPr>
-              <a:t>Privacy </a:t>
-            </a:r>
-            <a:r>
-              <a:rPr lang="en-US" sz="1000" b="1" dirty="0" smtClean="0">
-                <a:latin typeface="Arial" panose="020B0604020202020204" pitchFamily="34" charset="0"/>
-                <a:cs typeface="Arial" panose="020B0604020202020204" pitchFamily="34" charset="0"/>
-              </a:rPr>
-              <a:t>Issues</a:t>
+              <a:t>Privacy Issues</a:t>
             </a:r>
           </a:p>
           <a:p>
@@ -13624,47 +13620,8 @@
                 <a:latin typeface="Arial" panose="020B0604020202020204" pitchFamily="34" charset="0"/>
                 <a:cs typeface="Arial" panose="020B0604020202020204" pitchFamily="34" charset="0"/>
               </a:rPr>
-              <a:t>In addition to the intrinsic security features, a </a:t>
-            </a:r>
-            <a:r>
-              <a:rPr lang="en-US" sz="1000" dirty="0" smtClean="0">
-                <a:latin typeface="Arial" panose="020B0604020202020204" pitchFamily="34" charset="0"/>
-                <a:cs typeface="Arial" panose="020B0604020202020204" pitchFamily="34" charset="0"/>
-              </a:rPr>
-              <a:t>party performing </a:t>
-            </a:r>
-            <a:r>
-              <a:rPr lang="en-US" sz="1000" dirty="0" smtClean="0">
-                <a:latin typeface="Arial" panose="020B0604020202020204" pitchFamily="34" charset="0"/>
-                <a:cs typeface="Arial" panose="020B0604020202020204" pitchFamily="34" charset="0"/>
-              </a:rPr>
-              <a:t>vetting may further restrict usage of certain applications </a:t>
-            </a:r>
-            <a:r>
-              <a:rPr lang="en-US" sz="1000" dirty="0" smtClean="0">
-                <a:latin typeface="Arial" panose="020B0604020202020204" pitchFamily="34" charset="0"/>
-                <a:cs typeface="Arial" panose="020B0604020202020204" pitchFamily="34" charset="0"/>
-              </a:rPr>
-              <a:t>and/or </a:t>
-            </a:r>
-            <a:r>
-              <a:rPr lang="en-US" sz="1000" dirty="0" smtClean="0">
-                <a:latin typeface="Arial" panose="020B0604020202020204" pitchFamily="34" charset="0"/>
-                <a:cs typeface="Arial" panose="020B0604020202020204" pitchFamily="34" charset="0"/>
-              </a:rPr>
-              <a:t>impose special requirements on </a:t>
-            </a:r>
-            <a:r>
-              <a:rPr lang="en-US" sz="1000" dirty="0" smtClean="0">
-                <a:latin typeface="Arial" panose="020B0604020202020204" pitchFamily="34" charset="0"/>
-                <a:cs typeface="Arial" panose="020B0604020202020204" pitchFamily="34" charset="0"/>
-              </a:rPr>
-              <a:t>developers.</a:t>
-            </a:r>
-            <a:endParaRPr lang="en-US" sz="1000" dirty="0" smtClean="0">
-              <a:latin typeface="Arial" panose="020B0604020202020204" pitchFamily="34" charset="0"/>
-              <a:cs typeface="Arial" panose="020B0604020202020204" pitchFamily="34" charset="0"/>
-            </a:endParaRPr>
+              <a:t>In addition to the intrinsic security features, a party performing vetting may further restrict usage of certain applications and/or impose special requirements on developers.</a:t>
+            </a:r>
           </a:p>
         </p:txBody>
       </p:sp>

--- a/resources/docs/web2native-bridge.pptx
+++ b/resources/docs/web2native-bridge.pptx
@@ -3283,19 +3283,8 @@
                 <a:latin typeface="Arial" panose="020B0604020202020204" pitchFamily="34" charset="0"/>
                 <a:cs typeface="Arial" panose="020B0604020202020204" pitchFamily="34" charset="0"/>
               </a:rPr>
-              <a:t>, WebPKI.org, </a:t>
-            </a:r>
-            <a:r>
-              <a:rPr lang="en-US" sz="600" baseline="0" dirty="0" smtClean="0">
-                <a:latin typeface="Arial" panose="020B0604020202020204" pitchFamily="34" charset="0"/>
-                <a:cs typeface="Arial" panose="020B0604020202020204" pitchFamily="34" charset="0"/>
-              </a:rPr>
-              <a:t>V0.99, 2015-04-28</a:t>
-            </a:r>
-            <a:endParaRPr lang="en-US" sz="600" baseline="0" dirty="0" smtClean="0">
-              <a:latin typeface="Arial" panose="020B0604020202020204" pitchFamily="34" charset="0"/>
-              <a:cs typeface="Arial" panose="020B0604020202020204" pitchFamily="34" charset="0"/>
-            </a:endParaRPr>
+              <a:t>, WebPKI.org, V0.99, 2015-04-28</a:t>
+            </a:r>
           </a:p>
         </p:txBody>
       </p:sp>
@@ -4125,12 +4114,26 @@
                 <a:latin typeface="Arial" panose="020B0604020202020204" pitchFamily="34" charset="0"/>
                 <a:cs typeface="Arial" panose="020B0604020202020204" pitchFamily="34" charset="0"/>
               </a:rPr>
-              <a:t>This proposal is a enhanced version of </a:t>
+              <a:t>This proposal is </a:t>
             </a:r>
             <a:r>
               <a:rPr lang="en-US" sz="1600" dirty="0" smtClean="0">
                 <a:latin typeface="Arial" panose="020B0604020202020204" pitchFamily="34" charset="0"/>
                 <a:cs typeface="Arial" panose="020B0604020202020204" pitchFamily="34" charset="0"/>
+              </a:rPr>
+              <a:t>an </a:t>
+            </a:r>
+            <a:r>
+              <a:rPr lang="en-US" sz="1600" dirty="0" smtClean="0">
+                <a:latin typeface="Arial" panose="020B0604020202020204" pitchFamily="34" charset="0"/>
+                <a:cs typeface="Arial" panose="020B0604020202020204" pitchFamily="34" charset="0"/>
+              </a:rPr>
+              <a:t>enhanced version of </a:t>
+            </a:r>
+            <a:r>
+              <a:rPr lang="en-US" sz="1400" dirty="0" smtClean="0">
+                <a:latin typeface="Arial" panose="020B0604020202020204" pitchFamily="34" charset="0"/>
+                <a:cs typeface="Arial" panose="020B0604020202020204" pitchFamily="34" charset="0"/>
                 <a:hlinkClick r:id="rId2" action="ppaction://hlinksldjump"/>
               </a:rPr>
               <a:t>Chrome’s Native Messaging</a:t>
@@ -4142,10 +4145,6 @@
               </a:rPr>
               <a:t>.</a:t>
             </a:r>
-            <a:endParaRPr lang="en-US" sz="1600" dirty="0" smtClean="0">
-              <a:latin typeface="Arial" panose="020B0604020202020204" pitchFamily="34" charset="0"/>
-              <a:cs typeface="Arial" panose="020B0604020202020204" pitchFamily="34" charset="0"/>
-            </a:endParaRPr>
           </a:p>
         </p:txBody>
       </p:sp>
@@ -12521,14 +12520,7 @@
                 <a:latin typeface="Arial" panose="020B0604020202020204" pitchFamily="34" charset="0"/>
                 <a:cs typeface="Arial" panose="020B0604020202020204" pitchFamily="34" charset="0"/>
               </a:rPr>
-              <a:t>Channel </a:t>
-            </a:r>
-            <a:r>
-              <a:rPr lang="en-US" sz="1400" dirty="0" smtClean="0">
-                <a:latin typeface="Arial" panose="020B0604020202020204" pitchFamily="34" charset="0"/>
-                <a:cs typeface="Arial" panose="020B0604020202020204" pitchFamily="34" charset="0"/>
-              </a:rPr>
-              <a:t>API.  Most likely modelled after </a:t>
+              <a:t>Channel API.  Most likely modelled after </a:t>
             </a:r>
             <a:r>
               <a:rPr lang="en-US" sz="1400" dirty="0" smtClean="0">
